--- a/Milestone1/Lo-fi prototypes.pptx
+++ b/Milestone1/Lo-fi prototypes.pptx
@@ -2,23 +2,23 @@
 <file path=ppt/presentation.xml><?xml version="1.0" encoding="utf-8"?>
 <p:presentation xmlns:a="http://schemas.openxmlformats.org/drawingml/2006/main" xmlns:r="http://schemas.openxmlformats.org/officeDocument/2006/relationships" xmlns:p="http://schemas.openxmlformats.org/presentationml/2006/main" saveSubsetFonts="1">
   <p:sldMasterIdLst>
-    <p:sldMasterId id="2147483660" r:id="rId3"/>
+    <p:sldMasterId id="2147483660" r:id="rId4"/>
   </p:sldMasterIdLst>
   <p:notesMasterIdLst>
-    <p:notesMasterId r:id="rId15"/>
+    <p:notesMasterId r:id="rId16"/>
   </p:notesMasterIdLst>
   <p:sldIdLst>
-    <p:sldId id="256" r:id="rId4"/>
-    <p:sldId id="257" r:id="rId5"/>
-    <p:sldId id="258" r:id="rId6"/>
-    <p:sldId id="263" r:id="rId7"/>
-    <p:sldId id="264" r:id="rId8"/>
-    <p:sldId id="265" r:id="rId9"/>
-    <p:sldId id="262" r:id="rId10"/>
-    <p:sldId id="266" r:id="rId11"/>
-    <p:sldId id="259" r:id="rId12"/>
-    <p:sldId id="260" r:id="rId13"/>
-    <p:sldId id="261" r:id="rId14"/>
+    <p:sldId id="256" r:id="rId5"/>
+    <p:sldId id="257" r:id="rId6"/>
+    <p:sldId id="258" r:id="rId7"/>
+    <p:sldId id="263" r:id="rId8"/>
+    <p:sldId id="264" r:id="rId9"/>
+    <p:sldId id="265" r:id="rId10"/>
+    <p:sldId id="262" r:id="rId11"/>
+    <p:sldId id="266" r:id="rId12"/>
+    <p:sldId id="259" r:id="rId13"/>
+    <p:sldId id="260" r:id="rId14"/>
+    <p:sldId id="261" r:id="rId15"/>
   </p:sldIdLst>
   <p:sldSz cx="12192000" cy="6858000"/>
   <p:notesSz cx="6858000" cy="9144000"/>
@@ -134,3278 +134,10 @@
 <file path=ppt/revisionInfo.xml><?xml version="1.0" encoding="utf-8"?>
 <p1510:revInfo xmlns:a="http://schemas.openxmlformats.org/drawingml/2006/main" xmlns:r="http://schemas.openxmlformats.org/officeDocument/2006/relationships" xmlns:p1510="http://schemas.microsoft.com/office/powerpoint/2015/10/main">
   <p1510:revLst>
-    <p1510:client id="{7FDC35B3-263E-4893-57C4-18F37A063F19}" v="108" dt="2024-10-23T00:05:56.029"/>
     <p1510:client id="{9044B512-495C-36C6-F507-734F3EBEDA17}" v="6" dt="2024-10-23T23:52:24.377"/>
+    <p1510:client id="{EAED2D41-F6E4-4CC7-B47A-45B41EBB401D}" v="81" dt="2024-10-24T04:09:00.137"/>
   </p1510:revLst>
 </p1510:revInfo>
-</file>
-
-<file path=ppt/changesInfos/changesInfo1.xml><?xml version="1.0" encoding="utf-8"?>
-<pc:chgInfo xmlns:a="http://schemas.openxmlformats.org/drawingml/2006/main" xmlns:r="http://schemas.openxmlformats.org/officeDocument/2006/relationships" xmlns:ac="http://schemas.microsoft.com/office/drawing/2013/main/command" xmlns:pc="http://schemas.microsoft.com/office/powerpoint/2013/main/command">
-  <pc:docChgLst>
-    <pc:chgData name="Cole Nardini" userId="S::cnardini@unomaha.edu::10a0c690-7d77-4a83-91d4-c381712424d4" providerId="AD" clId="Web-{1805AB38-6A39-CDBA-F89B-C0104D5334D9}"/>
-    <pc:docChg chg="addSld delSld modSld">
-      <pc:chgData name="Cole Nardini" userId="S::cnardini@unomaha.edu::10a0c690-7d77-4a83-91d4-c381712424d4" providerId="AD" clId="Web-{1805AB38-6A39-CDBA-F89B-C0104D5334D9}" dt="2024-10-11T00:00:31.723" v="391" actId="1076"/>
-      <pc:docMkLst>
-        <pc:docMk/>
-      </pc:docMkLst>
-      <pc:sldChg chg="addSp modSp">
-        <pc:chgData name="Cole Nardini" userId="S::cnardini@unomaha.edu::10a0c690-7d77-4a83-91d4-c381712424d4" providerId="AD" clId="Web-{1805AB38-6A39-CDBA-F89B-C0104D5334D9}" dt="2024-10-10T23:38:04.466" v="24"/>
-        <pc:sldMkLst>
-          <pc:docMk/>
-          <pc:sldMk cId="3974359677" sldId="257"/>
-        </pc:sldMkLst>
-        <pc:spChg chg="mod">
-          <ac:chgData name="Cole Nardini" userId="S::cnardini@unomaha.edu::10a0c690-7d77-4a83-91d4-c381712424d4" providerId="AD" clId="Web-{1805AB38-6A39-CDBA-F89B-C0104D5334D9}" dt="2024-10-10T23:37:18.310" v="4" actId="20577"/>
-          <ac:spMkLst>
-            <pc:docMk/>
-            <pc:sldMk cId="3974359677" sldId="257"/>
-            <ac:spMk id="3" creationId="{012F244B-44DE-06BB-028B-1BC142539AA1}"/>
-          </ac:spMkLst>
-        </pc:spChg>
-        <pc:spChg chg="add mod">
-          <ac:chgData name="Cole Nardini" userId="S::cnardini@unomaha.edu::10a0c690-7d77-4a83-91d4-c381712424d4" providerId="AD" clId="Web-{1805AB38-6A39-CDBA-F89B-C0104D5334D9}" dt="2024-10-10T23:38:04.466" v="24"/>
-          <ac:spMkLst>
-            <pc:docMk/>
-            <pc:sldMk cId="3974359677" sldId="257"/>
-            <ac:spMk id="5" creationId="{1524944B-96A1-9C41-D20E-D9ACA15FF275}"/>
-          </ac:spMkLst>
-        </pc:spChg>
-      </pc:sldChg>
-      <pc:sldChg chg="addSp delSp modSp add replId modNotes">
-        <pc:chgData name="Cole Nardini" userId="S::cnardini@unomaha.edu::10a0c690-7d77-4a83-91d4-c381712424d4" providerId="AD" clId="Web-{1805AB38-6A39-CDBA-F89B-C0104D5334D9}" dt="2024-10-10T23:45:27.150" v="104" actId="20577"/>
-        <pc:sldMkLst>
-          <pc:docMk/>
-          <pc:sldMk cId="2980056297" sldId="258"/>
-        </pc:sldMkLst>
-        <pc:spChg chg="add del mod">
-          <ac:chgData name="Cole Nardini" userId="S::cnardini@unomaha.edu::10a0c690-7d77-4a83-91d4-c381712424d4" providerId="AD" clId="Web-{1805AB38-6A39-CDBA-F89B-C0104D5334D9}" dt="2024-10-10T23:45:27.150" v="104" actId="20577"/>
-          <ac:spMkLst>
-            <pc:docMk/>
-            <pc:sldMk cId="2980056297" sldId="258"/>
-            <ac:spMk id="3" creationId="{012F244B-44DE-06BB-028B-1BC142539AA1}"/>
-          </ac:spMkLst>
-        </pc:spChg>
-        <pc:spChg chg="add del mod">
-          <ac:chgData name="Cole Nardini" userId="S::cnardini@unomaha.edu::10a0c690-7d77-4a83-91d4-c381712424d4" providerId="AD" clId="Web-{1805AB38-6A39-CDBA-F89B-C0104D5334D9}" dt="2024-10-10T23:45:12.525" v="100" actId="20577"/>
-          <ac:spMkLst>
-            <pc:docMk/>
-            <pc:sldMk cId="2980056297" sldId="258"/>
-            <ac:spMk id="5" creationId="{1524944B-96A1-9C41-D20E-D9ACA15FF275}"/>
-          </ac:spMkLst>
-        </pc:spChg>
-        <pc:spChg chg="add del mod">
-          <ac:chgData name="Cole Nardini" userId="S::cnardini@unomaha.edu::10a0c690-7d77-4a83-91d4-c381712424d4" providerId="AD" clId="Web-{1805AB38-6A39-CDBA-F89B-C0104D5334D9}" dt="2024-10-10T23:45:13.228" v="101"/>
-          <ac:spMkLst>
-            <pc:docMk/>
-            <pc:sldMk cId="2980056297" sldId="258"/>
-            <ac:spMk id="6" creationId="{B49D723E-82E8-41E9-EAD8-54C6981988B5}"/>
-          </ac:spMkLst>
-        </pc:spChg>
-        <pc:spChg chg="add del mod">
-          <ac:chgData name="Cole Nardini" userId="S::cnardini@unomaha.edu::10a0c690-7d77-4a83-91d4-c381712424d4" providerId="AD" clId="Web-{1805AB38-6A39-CDBA-F89B-C0104D5334D9}" dt="2024-10-10T23:45:19.525" v="103"/>
-          <ac:spMkLst>
-            <pc:docMk/>
-            <pc:sldMk cId="2980056297" sldId="258"/>
-            <ac:spMk id="7" creationId="{20D71BB0-06FF-7B3B-444A-22A128647DC1}"/>
-          </ac:spMkLst>
-        </pc:spChg>
-      </pc:sldChg>
-      <pc:sldChg chg="del">
-        <pc:chgData name="Cole Nardini" userId="S::cnardini@unomaha.edu::10a0c690-7d77-4a83-91d4-c381712424d4" providerId="AD" clId="Web-{1805AB38-6A39-CDBA-F89B-C0104D5334D9}" dt="2024-10-10T23:38:21.185" v="25"/>
-        <pc:sldMkLst>
-          <pc:docMk/>
-          <pc:sldMk cId="3260789287" sldId="258"/>
-        </pc:sldMkLst>
-      </pc:sldChg>
-      <pc:sldChg chg="addSp delSp modSp add del replId">
-        <pc:chgData name="Cole Nardini" userId="S::cnardini@unomaha.edu::10a0c690-7d77-4a83-91d4-c381712424d4" providerId="AD" clId="Web-{1805AB38-6A39-CDBA-F89B-C0104D5334D9}" dt="2024-10-10T23:53:00.569" v="209"/>
-        <pc:sldMkLst>
-          <pc:docMk/>
-          <pc:sldMk cId="856122903" sldId="259"/>
-        </pc:sldMkLst>
-        <pc:spChg chg="add del mod">
-          <ac:chgData name="Cole Nardini" userId="S::cnardini@unomaha.edu::10a0c690-7d77-4a83-91d4-c381712424d4" providerId="AD" clId="Web-{1805AB38-6A39-CDBA-F89B-C0104D5334D9}" dt="2024-10-10T23:43:12.698" v="81"/>
-          <ac:spMkLst>
-            <pc:docMk/>
-            <pc:sldMk cId="856122903" sldId="259"/>
-            <ac:spMk id="2" creationId="{00000000-0000-0000-0000-000000000000}"/>
-          </ac:spMkLst>
-        </pc:spChg>
-        <pc:spChg chg="del">
-          <ac:chgData name="Cole Nardini" userId="S::cnardini@unomaha.edu::10a0c690-7d77-4a83-91d4-c381712424d4" providerId="AD" clId="Web-{1805AB38-6A39-CDBA-F89B-C0104D5334D9}" dt="2024-10-10T23:45:33.244" v="108"/>
-          <ac:spMkLst>
-            <pc:docMk/>
-            <pc:sldMk cId="856122903" sldId="259"/>
-            <ac:spMk id="3" creationId="{012F244B-44DE-06BB-028B-1BC142539AA1}"/>
-          </ac:spMkLst>
-        </pc:spChg>
-        <pc:spChg chg="del">
-          <ac:chgData name="Cole Nardini" userId="S::cnardini@unomaha.edu::10a0c690-7d77-4a83-91d4-c381712424d4" providerId="AD" clId="Web-{1805AB38-6A39-CDBA-F89B-C0104D5334D9}" dt="2024-10-10T23:45:30.072" v="105"/>
-          <ac:spMkLst>
-            <pc:docMk/>
-            <pc:sldMk cId="856122903" sldId="259"/>
-            <ac:spMk id="5" creationId="{1524944B-96A1-9C41-D20E-D9ACA15FF275}"/>
-          </ac:spMkLst>
-        </pc:spChg>
-        <pc:spChg chg="del">
-          <ac:chgData name="Cole Nardini" userId="S::cnardini@unomaha.edu::10a0c690-7d77-4a83-91d4-c381712424d4" providerId="AD" clId="Web-{1805AB38-6A39-CDBA-F89B-C0104D5334D9}" dt="2024-10-10T23:45:31.150" v="106"/>
-          <ac:spMkLst>
-            <pc:docMk/>
-            <pc:sldMk cId="856122903" sldId="259"/>
-            <ac:spMk id="6" creationId="{B49D723E-82E8-41E9-EAD8-54C6981988B5}"/>
-          </ac:spMkLst>
-        </pc:spChg>
-        <pc:spChg chg="del">
-          <ac:chgData name="Cole Nardini" userId="S::cnardini@unomaha.edu::10a0c690-7d77-4a83-91d4-c381712424d4" providerId="AD" clId="Web-{1805AB38-6A39-CDBA-F89B-C0104D5334D9}" dt="2024-10-10T23:45:32.103" v="107"/>
-          <ac:spMkLst>
-            <pc:docMk/>
-            <pc:sldMk cId="856122903" sldId="259"/>
-            <ac:spMk id="7" creationId="{20D71BB0-06FF-7B3B-444A-22A128647DC1}"/>
-          </ac:spMkLst>
-        </pc:spChg>
-        <pc:spChg chg="add del mod">
-          <ac:chgData name="Cole Nardini" userId="S::cnardini@unomaha.edu::10a0c690-7d77-4a83-91d4-c381712424d4" providerId="AD" clId="Web-{1805AB38-6A39-CDBA-F89B-C0104D5334D9}" dt="2024-10-10T23:43:12.698" v="81"/>
-          <ac:spMkLst>
-            <pc:docMk/>
-            <pc:sldMk cId="856122903" sldId="259"/>
-            <ac:spMk id="9" creationId="{FB18C7A9-93A8-81F0-D4DE-946BE256B63E}"/>
-          </ac:spMkLst>
-        </pc:spChg>
-        <pc:spChg chg="add del">
-          <ac:chgData name="Cole Nardini" userId="S::cnardini@unomaha.edu::10a0c690-7d77-4a83-91d4-c381712424d4" providerId="AD" clId="Web-{1805AB38-6A39-CDBA-F89B-C0104D5334D9}" dt="2024-10-10T23:43:23.151" v="85"/>
-          <ac:spMkLst>
-            <pc:docMk/>
-            <pc:sldMk cId="856122903" sldId="259"/>
-            <ac:spMk id="10" creationId="{73EC9CF1-A436-0DEE-E7C4-09C904475C70}"/>
-          </ac:spMkLst>
-        </pc:spChg>
-        <pc:spChg chg="add mod">
-          <ac:chgData name="Cole Nardini" userId="S::cnardini@unomaha.edu::10a0c690-7d77-4a83-91d4-c381712424d4" providerId="AD" clId="Web-{1805AB38-6A39-CDBA-F89B-C0104D5334D9}" dt="2024-10-10T23:43:44.854" v="92" actId="14100"/>
-          <ac:spMkLst>
-            <pc:docMk/>
-            <pc:sldMk cId="856122903" sldId="259"/>
-            <ac:spMk id="11" creationId="{B165E0B4-2A2C-87AC-4799-0ADD219A7B20}"/>
-          </ac:spMkLst>
-        </pc:spChg>
-        <pc:spChg chg="add mod">
-          <ac:chgData name="Cole Nardini" userId="S::cnardini@unomaha.edu::10a0c690-7d77-4a83-91d4-c381712424d4" providerId="AD" clId="Web-{1805AB38-6A39-CDBA-F89B-C0104D5334D9}" dt="2024-10-10T23:49:34.883" v="188" actId="1076"/>
-          <ac:spMkLst>
-            <pc:docMk/>
-            <pc:sldMk cId="856122903" sldId="259"/>
-            <ac:spMk id="12" creationId="{01FBDDC1-A4E0-BAB3-170C-7B132E7A3E2E}"/>
-          </ac:spMkLst>
-        </pc:spChg>
-        <pc:spChg chg="add del mod">
-          <ac:chgData name="Cole Nardini" userId="S::cnardini@unomaha.edu::10a0c690-7d77-4a83-91d4-c381712424d4" providerId="AD" clId="Web-{1805AB38-6A39-CDBA-F89B-C0104D5334D9}" dt="2024-10-10T23:46:34.087" v="120"/>
-          <ac:spMkLst>
-            <pc:docMk/>
-            <pc:sldMk cId="856122903" sldId="259"/>
-            <ac:spMk id="13" creationId="{0B52E641-C1EC-5542-9906-5F845EDF6BDC}"/>
-          </ac:spMkLst>
-        </pc:spChg>
-        <pc:spChg chg="add del mod">
-          <ac:chgData name="Cole Nardini" userId="S::cnardini@unomaha.edu::10a0c690-7d77-4a83-91d4-c381712424d4" providerId="AD" clId="Web-{1805AB38-6A39-CDBA-F89B-C0104D5334D9}" dt="2024-10-10T23:47:00.634" v="139"/>
-          <ac:spMkLst>
-            <pc:docMk/>
-            <pc:sldMk cId="856122903" sldId="259"/>
-            <ac:spMk id="14" creationId="{38BABE44-431F-DAB1-AA7F-8FF34CB63348}"/>
-          </ac:spMkLst>
-        </pc:spChg>
-        <pc:spChg chg="add del mod">
-          <ac:chgData name="Cole Nardini" userId="S::cnardini@unomaha.edu::10a0c690-7d77-4a83-91d4-c381712424d4" providerId="AD" clId="Web-{1805AB38-6A39-CDBA-F89B-C0104D5334D9}" dt="2024-10-10T23:47:00.150" v="138"/>
-          <ac:spMkLst>
-            <pc:docMk/>
-            <pc:sldMk cId="856122903" sldId="259"/>
-            <ac:spMk id="15" creationId="{B93F402B-4BC2-2B6E-7768-4FA6CCC0B956}"/>
-          </ac:spMkLst>
-        </pc:spChg>
-        <pc:spChg chg="add del mod">
-          <ac:chgData name="Cole Nardini" userId="S::cnardini@unomaha.edu::10a0c690-7d77-4a83-91d4-c381712424d4" providerId="AD" clId="Web-{1805AB38-6A39-CDBA-F89B-C0104D5334D9}" dt="2024-10-10T23:46:59.775" v="137"/>
-          <ac:spMkLst>
-            <pc:docMk/>
-            <pc:sldMk cId="856122903" sldId="259"/>
-            <ac:spMk id="16" creationId="{C9D3EA87-ED5F-3DBA-724C-E6B700446658}"/>
-          </ac:spMkLst>
-        </pc:spChg>
-        <pc:spChg chg="add del mod">
-          <ac:chgData name="Cole Nardini" userId="S::cnardini@unomaha.edu::10a0c690-7d77-4a83-91d4-c381712424d4" providerId="AD" clId="Web-{1805AB38-6A39-CDBA-F89B-C0104D5334D9}" dt="2024-10-10T23:46:58.946" v="135"/>
-          <ac:spMkLst>
-            <pc:docMk/>
-            <pc:sldMk cId="856122903" sldId="259"/>
-            <ac:spMk id="17" creationId="{8D5591AA-584C-0DB9-4B78-2096BDE864CF}"/>
-          </ac:spMkLst>
-        </pc:spChg>
-        <pc:spChg chg="add del mod">
-          <ac:chgData name="Cole Nardini" userId="S::cnardini@unomaha.edu::10a0c690-7d77-4a83-91d4-c381712424d4" providerId="AD" clId="Web-{1805AB38-6A39-CDBA-F89B-C0104D5334D9}" dt="2024-10-10T23:46:58.462" v="134"/>
-          <ac:spMkLst>
-            <pc:docMk/>
-            <pc:sldMk cId="856122903" sldId="259"/>
-            <ac:spMk id="18" creationId="{6938DA62-6399-C484-B3F8-741EA1714D69}"/>
-          </ac:spMkLst>
-        </pc:spChg>
-        <pc:spChg chg="add del mod">
-          <ac:chgData name="Cole Nardini" userId="S::cnardini@unomaha.edu::10a0c690-7d77-4a83-91d4-c381712424d4" providerId="AD" clId="Web-{1805AB38-6A39-CDBA-F89B-C0104D5334D9}" dt="2024-10-10T23:46:59.306" v="136"/>
-          <ac:spMkLst>
-            <pc:docMk/>
-            <pc:sldMk cId="856122903" sldId="259"/>
-            <ac:spMk id="19" creationId="{7772E358-DC9E-2D7C-3342-D5CE17113D36}"/>
-          </ac:spMkLst>
-        </pc:spChg>
-        <pc:spChg chg="add mod">
-          <ac:chgData name="Cole Nardini" userId="S::cnardini@unomaha.edu::10a0c690-7d77-4a83-91d4-c381712424d4" providerId="AD" clId="Web-{1805AB38-6A39-CDBA-F89B-C0104D5334D9}" dt="2024-10-10T23:49:34.883" v="189" actId="1076"/>
-          <ac:spMkLst>
-            <pc:docMk/>
-            <pc:sldMk cId="856122903" sldId="259"/>
-            <ac:spMk id="20" creationId="{B35F5C07-E808-9863-219F-2494B6E7619B}"/>
-          </ac:spMkLst>
-        </pc:spChg>
-        <pc:spChg chg="add mod">
-          <ac:chgData name="Cole Nardini" userId="S::cnardini@unomaha.edu::10a0c690-7d77-4a83-91d4-c381712424d4" providerId="AD" clId="Web-{1805AB38-6A39-CDBA-F89B-C0104D5334D9}" dt="2024-10-10T23:49:34.898" v="190" actId="1076"/>
-          <ac:spMkLst>
-            <pc:docMk/>
-            <pc:sldMk cId="856122903" sldId="259"/>
-            <ac:spMk id="21" creationId="{2D05C80F-022D-8D25-D3B1-BCB78781F857}"/>
-          </ac:spMkLst>
-        </pc:spChg>
-        <pc:spChg chg="add mod">
-          <ac:chgData name="Cole Nardini" userId="S::cnardini@unomaha.edu::10a0c690-7d77-4a83-91d4-c381712424d4" providerId="AD" clId="Web-{1805AB38-6A39-CDBA-F89B-C0104D5334D9}" dt="2024-10-10T23:49:34.898" v="191" actId="1076"/>
-          <ac:spMkLst>
-            <pc:docMk/>
-            <pc:sldMk cId="856122903" sldId="259"/>
-            <ac:spMk id="22" creationId="{C8106034-7142-677A-8E01-49026C85E817}"/>
-          </ac:spMkLst>
-        </pc:spChg>
-        <pc:spChg chg="add mod">
-          <ac:chgData name="Cole Nardini" userId="S::cnardini@unomaha.edu::10a0c690-7d77-4a83-91d4-c381712424d4" providerId="AD" clId="Web-{1805AB38-6A39-CDBA-F89B-C0104D5334D9}" dt="2024-10-10T23:49:34.898" v="192" actId="1076"/>
-          <ac:spMkLst>
-            <pc:docMk/>
-            <pc:sldMk cId="856122903" sldId="259"/>
-            <ac:spMk id="23" creationId="{DC34A7B3-1FBD-1E87-2C6F-51C756BB1589}"/>
-          </ac:spMkLst>
-        </pc:spChg>
-        <pc:spChg chg="add mod">
-          <ac:chgData name="Cole Nardini" userId="S::cnardini@unomaha.edu::10a0c690-7d77-4a83-91d4-c381712424d4" providerId="AD" clId="Web-{1805AB38-6A39-CDBA-F89B-C0104D5334D9}" dt="2024-10-10T23:49:34.898" v="193" actId="1076"/>
-          <ac:spMkLst>
-            <pc:docMk/>
-            <pc:sldMk cId="856122903" sldId="259"/>
-            <ac:spMk id="24" creationId="{123AE24A-502C-9663-FFE8-F59535D2454A}"/>
-          </ac:spMkLst>
-        </pc:spChg>
-        <pc:spChg chg="add mod">
-          <ac:chgData name="Cole Nardini" userId="S::cnardini@unomaha.edu::10a0c690-7d77-4a83-91d4-c381712424d4" providerId="AD" clId="Web-{1805AB38-6A39-CDBA-F89B-C0104D5334D9}" dt="2024-10-10T23:49:34.898" v="194" actId="1076"/>
-          <ac:spMkLst>
-            <pc:docMk/>
-            <pc:sldMk cId="856122903" sldId="259"/>
-            <ac:spMk id="25" creationId="{FDCC2EAF-6881-ACCD-B74D-CC2A14F47065}"/>
-          </ac:spMkLst>
-        </pc:spChg>
-        <pc:spChg chg="add mod">
-          <ac:chgData name="Cole Nardini" userId="S::cnardini@unomaha.edu::10a0c690-7d77-4a83-91d4-c381712424d4" providerId="AD" clId="Web-{1805AB38-6A39-CDBA-F89B-C0104D5334D9}" dt="2024-10-10T23:53:00.569" v="209"/>
-          <ac:spMkLst>
-            <pc:docMk/>
-            <pc:sldMk cId="856122903" sldId="259"/>
-            <ac:spMk id="32" creationId="{33BB8416-EC5C-4E6E-4880-9CE90D317E95}"/>
-          </ac:spMkLst>
-        </pc:spChg>
-        <pc:grpChg chg="add mod">
-          <ac:chgData name="Cole Nardini" userId="S::cnardini@unomaha.edu::10a0c690-7d77-4a83-91d4-c381712424d4" providerId="AD" clId="Web-{1805AB38-6A39-CDBA-F89B-C0104D5334D9}" dt="2024-10-10T23:52:27.882" v="203" actId="688"/>
-          <ac:grpSpMkLst>
-            <pc:docMk/>
-            <pc:sldMk cId="856122903" sldId="259"/>
-            <ac:grpSpMk id="31" creationId="{F1F1DA6D-1880-7260-7A01-1BE747DB63FA}"/>
-          </ac:grpSpMkLst>
-        </pc:grpChg>
-        <pc:cxnChg chg="add mod">
-          <ac:chgData name="Cole Nardini" userId="S::cnardini@unomaha.edu::10a0c690-7d77-4a83-91d4-c381712424d4" providerId="AD" clId="Web-{1805AB38-6A39-CDBA-F89B-C0104D5334D9}" dt="2024-10-10T23:49:34.914" v="199" actId="1076"/>
-          <ac:cxnSpMkLst>
-            <pc:docMk/>
-            <pc:sldMk cId="856122903" sldId="259"/>
-            <ac:cxnSpMk id="26" creationId="{59BAEB87-5F40-6907-2BC8-135C692F5EAA}"/>
-          </ac:cxnSpMkLst>
-        </pc:cxnChg>
-        <pc:cxnChg chg="add mod">
-          <ac:chgData name="Cole Nardini" userId="S::cnardini@unomaha.edu::10a0c690-7d77-4a83-91d4-c381712424d4" providerId="AD" clId="Web-{1805AB38-6A39-CDBA-F89B-C0104D5334D9}" dt="2024-10-10T23:49:34.914" v="196" actId="1076"/>
-          <ac:cxnSpMkLst>
-            <pc:docMk/>
-            <pc:sldMk cId="856122903" sldId="259"/>
-            <ac:cxnSpMk id="27" creationId="{9DE0EDFA-C6CC-26B4-3C03-8AA9A31E919F}"/>
-          </ac:cxnSpMkLst>
-        </pc:cxnChg>
-        <pc:cxnChg chg="add mod">
-          <ac:chgData name="Cole Nardini" userId="S::cnardini@unomaha.edu::10a0c690-7d77-4a83-91d4-c381712424d4" providerId="AD" clId="Web-{1805AB38-6A39-CDBA-F89B-C0104D5334D9}" dt="2024-10-10T23:49:34.898" v="195" actId="1076"/>
-          <ac:cxnSpMkLst>
-            <pc:docMk/>
-            <pc:sldMk cId="856122903" sldId="259"/>
-            <ac:cxnSpMk id="28" creationId="{95445BC8-60EA-BC0E-1F49-65DB85771839}"/>
-          </ac:cxnSpMkLst>
-        </pc:cxnChg>
-        <pc:cxnChg chg="add mod">
-          <ac:chgData name="Cole Nardini" userId="S::cnardini@unomaha.edu::10a0c690-7d77-4a83-91d4-c381712424d4" providerId="AD" clId="Web-{1805AB38-6A39-CDBA-F89B-C0104D5334D9}" dt="2024-10-10T23:49:34.914" v="198" actId="1076"/>
-          <ac:cxnSpMkLst>
-            <pc:docMk/>
-            <pc:sldMk cId="856122903" sldId="259"/>
-            <ac:cxnSpMk id="29" creationId="{FFD635F0-9811-DD3E-F507-6CA954F4E2D9}"/>
-          </ac:cxnSpMkLst>
-        </pc:cxnChg>
-        <pc:cxnChg chg="add mod">
-          <ac:chgData name="Cole Nardini" userId="S::cnardini@unomaha.edu::10a0c690-7d77-4a83-91d4-c381712424d4" providerId="AD" clId="Web-{1805AB38-6A39-CDBA-F89B-C0104D5334D9}" dt="2024-10-10T23:49:34.914" v="197" actId="1076"/>
-          <ac:cxnSpMkLst>
-            <pc:docMk/>
-            <pc:sldMk cId="856122903" sldId="259"/>
-            <ac:cxnSpMk id="30" creationId="{D6934368-4ECB-6A53-D90C-D911ED994DC7}"/>
-          </ac:cxnSpMkLst>
-        </pc:cxnChg>
-      </pc:sldChg>
-      <pc:sldChg chg="del">
-        <pc:chgData name="Cole Nardini" userId="S::cnardini@unomaha.edu::10a0c690-7d77-4a83-91d4-c381712424d4" providerId="AD" clId="Web-{1805AB38-6A39-CDBA-F89B-C0104D5334D9}" dt="2024-10-10T23:38:22.419" v="26"/>
-        <pc:sldMkLst>
-          <pc:docMk/>
-          <pc:sldMk cId="3117547348" sldId="259"/>
-        </pc:sldMkLst>
-      </pc:sldChg>
-      <pc:sldChg chg="addSp delSp modSp add replId">
-        <pc:chgData name="Cole Nardini" userId="S::cnardini@unomaha.edu::10a0c690-7d77-4a83-91d4-c381712424d4" providerId="AD" clId="Web-{1805AB38-6A39-CDBA-F89B-C0104D5334D9}" dt="2024-10-10T23:59:23.583" v="364" actId="1076"/>
-        <pc:sldMkLst>
-          <pc:docMk/>
-          <pc:sldMk cId="3817665236" sldId="260"/>
-        </pc:sldMkLst>
-        <pc:spChg chg="mod topLvl">
-          <ac:chgData name="Cole Nardini" userId="S::cnardini@unomaha.edu::10a0c690-7d77-4a83-91d4-c381712424d4" providerId="AD" clId="Web-{1805AB38-6A39-CDBA-F89B-C0104D5334D9}" dt="2024-10-10T23:59:11.755" v="349" actId="1076"/>
-          <ac:spMkLst>
-            <pc:docMk/>
-            <pc:sldMk cId="3817665236" sldId="260"/>
-            <ac:spMk id="8" creationId="{10981CEA-2355-5BDA-E6FD-E9A7F2FF28FB}"/>
-          </ac:spMkLst>
-        </pc:spChg>
-        <pc:spChg chg="mod">
-          <ac:chgData name="Cole Nardini" userId="S::cnardini@unomaha.edu::10a0c690-7d77-4a83-91d4-c381712424d4" providerId="AD" clId="Web-{1805AB38-6A39-CDBA-F89B-C0104D5334D9}" dt="2024-10-10T23:53:21.226" v="211" actId="20577"/>
-          <ac:spMkLst>
-            <pc:docMk/>
-            <pc:sldMk cId="3817665236" sldId="260"/>
-            <ac:spMk id="11" creationId="{B165E0B4-2A2C-87AC-4799-0ADD219A7B20}"/>
-          </ac:spMkLst>
-        </pc:spChg>
-        <pc:spChg chg="topLvl">
-          <ac:chgData name="Cole Nardini" userId="S::cnardini@unomaha.edu::10a0c690-7d77-4a83-91d4-c381712424d4" providerId="AD" clId="Web-{1805AB38-6A39-CDBA-F89B-C0104D5334D9}" dt="2024-10-10T23:54:17.241" v="221"/>
-          <ac:spMkLst>
-            <pc:docMk/>
-            <pc:sldMk cId="3817665236" sldId="260"/>
-            <ac:spMk id="12" creationId="{01FBDDC1-A4E0-BAB3-170C-7B132E7A3E2E}"/>
-          </ac:spMkLst>
-        </pc:spChg>
-        <pc:spChg chg="topLvl">
-          <ac:chgData name="Cole Nardini" userId="S::cnardini@unomaha.edu::10a0c690-7d77-4a83-91d4-c381712424d4" providerId="AD" clId="Web-{1805AB38-6A39-CDBA-F89B-C0104D5334D9}" dt="2024-10-10T23:54:17.241" v="221"/>
-          <ac:spMkLst>
-            <pc:docMk/>
-            <pc:sldMk cId="3817665236" sldId="260"/>
-            <ac:spMk id="20" creationId="{B35F5C07-E808-9863-219F-2494B6E7619B}"/>
-          </ac:spMkLst>
-        </pc:spChg>
-        <pc:spChg chg="topLvl">
-          <ac:chgData name="Cole Nardini" userId="S::cnardini@unomaha.edu::10a0c690-7d77-4a83-91d4-c381712424d4" providerId="AD" clId="Web-{1805AB38-6A39-CDBA-F89B-C0104D5334D9}" dt="2024-10-10T23:54:17.241" v="221"/>
-          <ac:spMkLst>
-            <pc:docMk/>
-            <pc:sldMk cId="3817665236" sldId="260"/>
-            <ac:spMk id="21" creationId="{2D05C80F-022D-8D25-D3B1-BCB78781F857}"/>
-          </ac:spMkLst>
-        </pc:spChg>
-        <pc:spChg chg="topLvl">
-          <ac:chgData name="Cole Nardini" userId="S::cnardini@unomaha.edu::10a0c690-7d77-4a83-91d4-c381712424d4" providerId="AD" clId="Web-{1805AB38-6A39-CDBA-F89B-C0104D5334D9}" dt="2024-10-10T23:54:17.241" v="221"/>
-          <ac:spMkLst>
-            <pc:docMk/>
-            <pc:sldMk cId="3817665236" sldId="260"/>
-            <ac:spMk id="22" creationId="{C8106034-7142-677A-8E01-49026C85E817}"/>
-          </ac:spMkLst>
-        </pc:spChg>
-        <pc:spChg chg="topLvl">
-          <ac:chgData name="Cole Nardini" userId="S::cnardini@unomaha.edu::10a0c690-7d77-4a83-91d4-c381712424d4" providerId="AD" clId="Web-{1805AB38-6A39-CDBA-F89B-C0104D5334D9}" dt="2024-10-10T23:54:17.241" v="221"/>
-          <ac:spMkLst>
-            <pc:docMk/>
-            <pc:sldMk cId="3817665236" sldId="260"/>
-            <ac:spMk id="23" creationId="{DC34A7B3-1FBD-1E87-2C6F-51C756BB1589}"/>
-          </ac:spMkLst>
-        </pc:spChg>
-        <pc:spChg chg="topLvl">
-          <ac:chgData name="Cole Nardini" userId="S::cnardini@unomaha.edu::10a0c690-7d77-4a83-91d4-c381712424d4" providerId="AD" clId="Web-{1805AB38-6A39-CDBA-F89B-C0104D5334D9}" dt="2024-10-10T23:54:17.241" v="221"/>
-          <ac:spMkLst>
-            <pc:docMk/>
-            <pc:sldMk cId="3817665236" sldId="260"/>
-            <ac:spMk id="24" creationId="{123AE24A-502C-9663-FFE8-F59535D2454A}"/>
-          </ac:spMkLst>
-        </pc:spChg>
-        <pc:spChg chg="topLvl">
-          <ac:chgData name="Cole Nardini" userId="S::cnardini@unomaha.edu::10a0c690-7d77-4a83-91d4-c381712424d4" providerId="AD" clId="Web-{1805AB38-6A39-CDBA-F89B-C0104D5334D9}" dt="2024-10-10T23:54:17.241" v="221"/>
-          <ac:spMkLst>
-            <pc:docMk/>
-            <pc:sldMk cId="3817665236" sldId="260"/>
-            <ac:spMk id="25" creationId="{FDCC2EAF-6881-ACCD-B74D-CC2A14F47065}"/>
-          </ac:spMkLst>
-        </pc:spChg>
-        <pc:spChg chg="del">
-          <ac:chgData name="Cole Nardini" userId="S::cnardini@unomaha.edu::10a0c690-7d77-4a83-91d4-c381712424d4" providerId="AD" clId="Web-{1805AB38-6A39-CDBA-F89B-C0104D5334D9}" dt="2024-10-10T23:53:24.601" v="212"/>
-          <ac:spMkLst>
-            <pc:docMk/>
-            <pc:sldMk cId="3817665236" sldId="260"/>
-            <ac:spMk id="32" creationId="{33BB8416-EC5C-4E6E-4880-9CE90D317E95}"/>
-          </ac:spMkLst>
-        </pc:spChg>
-        <pc:spChg chg="mod topLvl">
-          <ac:chgData name="Cole Nardini" userId="S::cnardini@unomaha.edu::10a0c690-7d77-4a83-91d4-c381712424d4" providerId="AD" clId="Web-{1805AB38-6A39-CDBA-F89B-C0104D5334D9}" dt="2024-10-10T23:59:23.473" v="350" actId="1076"/>
-          <ac:spMkLst>
-            <pc:docMk/>
-            <pc:sldMk cId="3817665236" sldId="260"/>
-            <ac:spMk id="46" creationId="{8883C336-CB5C-9FC3-2234-B3D783124953}"/>
-          </ac:spMkLst>
-        </pc:spChg>
-        <pc:spChg chg="mod topLvl">
-          <ac:chgData name="Cole Nardini" userId="S::cnardini@unomaha.edu::10a0c690-7d77-4a83-91d4-c381712424d4" providerId="AD" clId="Web-{1805AB38-6A39-CDBA-F89B-C0104D5334D9}" dt="2024-10-10T23:59:23.489" v="351" actId="1076"/>
-          <ac:spMkLst>
-            <pc:docMk/>
-            <pc:sldMk cId="3817665236" sldId="260"/>
-            <ac:spMk id="47" creationId="{079D4EA2-D902-95A6-F08E-A195FD581F2C}"/>
-          </ac:spMkLst>
-        </pc:spChg>
-        <pc:spChg chg="mod topLvl">
-          <ac:chgData name="Cole Nardini" userId="S::cnardini@unomaha.edu::10a0c690-7d77-4a83-91d4-c381712424d4" providerId="AD" clId="Web-{1805AB38-6A39-CDBA-F89B-C0104D5334D9}" dt="2024-10-10T23:59:23.489" v="352" actId="1076"/>
-          <ac:spMkLst>
-            <pc:docMk/>
-            <pc:sldMk cId="3817665236" sldId="260"/>
-            <ac:spMk id="48" creationId="{5FFDD8AB-D609-4EF3-30EA-8921AC85FAD7}"/>
-          </ac:spMkLst>
-        </pc:spChg>
-        <pc:spChg chg="mod topLvl">
-          <ac:chgData name="Cole Nardini" userId="S::cnardini@unomaha.edu::10a0c690-7d77-4a83-91d4-c381712424d4" providerId="AD" clId="Web-{1805AB38-6A39-CDBA-F89B-C0104D5334D9}" dt="2024-10-10T23:59:23.489" v="353" actId="1076"/>
-          <ac:spMkLst>
-            <pc:docMk/>
-            <pc:sldMk cId="3817665236" sldId="260"/>
-            <ac:spMk id="49" creationId="{7C4175AF-A856-7C20-5657-E005F78AFE52}"/>
-          </ac:spMkLst>
-        </pc:spChg>
-        <pc:spChg chg="mod topLvl">
-          <ac:chgData name="Cole Nardini" userId="S::cnardini@unomaha.edu::10a0c690-7d77-4a83-91d4-c381712424d4" providerId="AD" clId="Web-{1805AB38-6A39-CDBA-F89B-C0104D5334D9}" dt="2024-10-10T23:59:23.489" v="354" actId="1076"/>
-          <ac:spMkLst>
-            <pc:docMk/>
-            <pc:sldMk cId="3817665236" sldId="260"/>
-            <ac:spMk id="50" creationId="{32A624D2-8B42-C54F-68F8-B72282205EBE}"/>
-          </ac:spMkLst>
-        </pc:spChg>
-        <pc:spChg chg="mod topLvl">
-          <ac:chgData name="Cole Nardini" userId="S::cnardini@unomaha.edu::10a0c690-7d77-4a83-91d4-c381712424d4" providerId="AD" clId="Web-{1805AB38-6A39-CDBA-F89B-C0104D5334D9}" dt="2024-10-10T23:59:23.505" v="355" actId="1076"/>
-          <ac:spMkLst>
-            <pc:docMk/>
-            <pc:sldMk cId="3817665236" sldId="260"/>
-            <ac:spMk id="51" creationId="{71D32ACF-31CA-8E47-BD5F-9BC10A2CA7A3}"/>
-          </ac:spMkLst>
-        </pc:spChg>
-        <pc:spChg chg="mod topLvl">
-          <ac:chgData name="Cole Nardini" userId="S::cnardini@unomaha.edu::10a0c690-7d77-4a83-91d4-c381712424d4" providerId="AD" clId="Web-{1805AB38-6A39-CDBA-F89B-C0104D5334D9}" dt="2024-10-10T23:59:23.505" v="356" actId="1076"/>
-          <ac:spMkLst>
-            <pc:docMk/>
-            <pc:sldMk cId="3817665236" sldId="260"/>
-            <ac:spMk id="52" creationId="{97478B24-1255-A842-A98E-837BE465FF32}"/>
-          </ac:spMkLst>
-        </pc:spChg>
-        <pc:spChg chg="ord">
-          <ac:chgData name="Cole Nardini" userId="S::cnardini@unomaha.edu::10a0c690-7d77-4a83-91d4-c381712424d4" providerId="AD" clId="Web-{1805AB38-6A39-CDBA-F89B-C0104D5334D9}" dt="2024-10-10T23:58:55.583" v="317"/>
-          <ac:spMkLst>
-            <pc:docMk/>
-            <pc:sldMk cId="3817665236" sldId="260"/>
-            <ac:spMk id="71" creationId="{775C62B0-F424-3C89-A224-FC64BC73DCD8}"/>
-          </ac:spMkLst>
-        </pc:spChg>
-        <pc:spChg chg="add mod ord">
-          <ac:chgData name="Cole Nardini" userId="S::cnardini@unomaha.edu::10a0c690-7d77-4a83-91d4-c381712424d4" providerId="AD" clId="Web-{1805AB38-6A39-CDBA-F89B-C0104D5334D9}" dt="2024-10-10T23:58:27.286" v="313"/>
-          <ac:spMkLst>
-            <pc:docMk/>
-            <pc:sldMk cId="3817665236" sldId="260"/>
-            <ac:spMk id="76" creationId="{026A92C0-532E-B469-739D-865F42FAE511}"/>
-          </ac:spMkLst>
-        </pc:spChg>
-        <pc:spChg chg="add mod">
-          <ac:chgData name="Cole Nardini" userId="S::cnardini@unomaha.edu::10a0c690-7d77-4a83-91d4-c381712424d4" providerId="AD" clId="Web-{1805AB38-6A39-CDBA-F89B-C0104D5334D9}" dt="2024-10-10T23:57:38.287" v="297"/>
-          <ac:spMkLst>
-            <pc:docMk/>
-            <pc:sldMk cId="3817665236" sldId="260"/>
-            <ac:spMk id="77" creationId="{87678249-FBE2-D96A-FF44-DA9AFC68A97A}"/>
-          </ac:spMkLst>
-        </pc:spChg>
-        <pc:spChg chg="add mod">
-          <ac:chgData name="Cole Nardini" userId="S::cnardini@unomaha.edu::10a0c690-7d77-4a83-91d4-c381712424d4" providerId="AD" clId="Web-{1805AB38-6A39-CDBA-F89B-C0104D5334D9}" dt="2024-10-10T23:57:38.287" v="298"/>
-          <ac:spMkLst>
-            <pc:docMk/>
-            <pc:sldMk cId="3817665236" sldId="260"/>
-            <ac:spMk id="78" creationId="{79D8A0A7-5AD7-8193-7284-5EB59E14A416}"/>
-          </ac:spMkLst>
-        </pc:spChg>
-        <pc:spChg chg="add mod">
-          <ac:chgData name="Cole Nardini" userId="S::cnardini@unomaha.edu::10a0c690-7d77-4a83-91d4-c381712424d4" providerId="AD" clId="Web-{1805AB38-6A39-CDBA-F89B-C0104D5334D9}" dt="2024-10-10T23:58:03.693" v="306"/>
-          <ac:spMkLst>
-            <pc:docMk/>
-            <pc:sldMk cId="3817665236" sldId="260"/>
-            <ac:spMk id="79" creationId="{38E9BDF1-F64B-889F-979C-2096723D033F}"/>
-          </ac:spMkLst>
-        </pc:spChg>
-        <pc:spChg chg="add mod">
-          <ac:chgData name="Cole Nardini" userId="S::cnardini@unomaha.edu::10a0c690-7d77-4a83-91d4-c381712424d4" providerId="AD" clId="Web-{1805AB38-6A39-CDBA-F89B-C0104D5334D9}" dt="2024-10-10T23:58:03.693" v="307"/>
-          <ac:spMkLst>
-            <pc:docMk/>
-            <pc:sldMk cId="3817665236" sldId="260"/>
-            <ac:spMk id="80" creationId="{D6A3B934-CADC-B212-EC13-7DF242C341A8}"/>
-          </ac:spMkLst>
-        </pc:spChg>
-        <pc:spChg chg="add mod">
-          <ac:chgData name="Cole Nardini" userId="S::cnardini@unomaha.edu::10a0c690-7d77-4a83-91d4-c381712424d4" providerId="AD" clId="Web-{1805AB38-6A39-CDBA-F89B-C0104D5334D9}" dt="2024-10-10T23:58:03.693" v="308"/>
-          <ac:spMkLst>
-            <pc:docMk/>
-            <pc:sldMk cId="3817665236" sldId="260"/>
-            <ac:spMk id="81" creationId="{022F486C-B089-EDA7-FE97-38F2602E0258}"/>
-          </ac:spMkLst>
-        </pc:spChg>
-        <pc:spChg chg="add mod">
-          <ac:chgData name="Cole Nardini" userId="S::cnardini@unomaha.edu::10a0c690-7d77-4a83-91d4-c381712424d4" providerId="AD" clId="Web-{1805AB38-6A39-CDBA-F89B-C0104D5334D9}" dt="2024-10-10T23:58:08.755" v="309"/>
-          <ac:spMkLst>
-            <pc:docMk/>
-            <pc:sldMk cId="3817665236" sldId="260"/>
-            <ac:spMk id="82" creationId="{32135D4E-7060-2E28-A96E-DC7C6E917972}"/>
-          </ac:spMkLst>
-        </pc:spChg>
-        <pc:spChg chg="add mod ord">
-          <ac:chgData name="Cole Nardini" userId="S::cnardini@unomaha.edu::10a0c690-7d77-4a83-91d4-c381712424d4" providerId="AD" clId="Web-{1805AB38-6A39-CDBA-F89B-C0104D5334D9}" dt="2024-10-10T23:58:48.755" v="316"/>
-          <ac:spMkLst>
-            <pc:docMk/>
-            <pc:sldMk cId="3817665236" sldId="260"/>
-            <ac:spMk id="83" creationId="{578E7CC4-ABC1-0892-8856-9EF8A043F274}"/>
-          </ac:spMkLst>
-        </pc:spChg>
-        <pc:spChg chg="add mod">
-          <ac:chgData name="Cole Nardini" userId="S::cnardini@unomaha.edu::10a0c690-7d77-4a83-91d4-c381712424d4" providerId="AD" clId="Web-{1805AB38-6A39-CDBA-F89B-C0104D5334D9}" dt="2024-10-10T23:58:08.771" v="311"/>
-          <ac:spMkLst>
-            <pc:docMk/>
-            <pc:sldMk cId="3817665236" sldId="260"/>
-            <ac:spMk id="84" creationId="{70186F92-B3F2-47D3-57AC-3CC031E875AA}"/>
-          </ac:spMkLst>
-        </pc:spChg>
-        <pc:spChg chg="add mod">
-          <ac:chgData name="Cole Nardini" userId="S::cnardini@unomaha.edu::10a0c690-7d77-4a83-91d4-c381712424d4" providerId="AD" clId="Web-{1805AB38-6A39-CDBA-F89B-C0104D5334D9}" dt="2024-10-10T23:57:53.380" v="303"/>
-          <ac:spMkLst>
-            <pc:docMk/>
-            <pc:sldMk cId="3817665236" sldId="260"/>
-            <ac:spMk id="85" creationId="{16634C03-56E7-26E6-A4B0-7F0D1BBEB942}"/>
-          </ac:spMkLst>
-        </pc:spChg>
-        <pc:spChg chg="add mod">
-          <ac:chgData name="Cole Nardini" userId="S::cnardini@unomaha.edu::10a0c690-7d77-4a83-91d4-c381712424d4" providerId="AD" clId="Web-{1805AB38-6A39-CDBA-F89B-C0104D5334D9}" dt="2024-10-10T23:57:53.380" v="304"/>
-          <ac:spMkLst>
-            <pc:docMk/>
-            <pc:sldMk cId="3817665236" sldId="260"/>
-            <ac:spMk id="86" creationId="{4BB68040-08E9-B916-4CBE-8445899FEEC2}"/>
-          </ac:spMkLst>
-        </pc:spChg>
-        <pc:spChg chg="add mod">
-          <ac:chgData name="Cole Nardini" userId="S::cnardini@unomaha.edu::10a0c690-7d77-4a83-91d4-c381712424d4" providerId="AD" clId="Web-{1805AB38-6A39-CDBA-F89B-C0104D5334D9}" dt="2024-10-10T23:57:41.568" v="299"/>
-          <ac:spMkLst>
-            <pc:docMk/>
-            <pc:sldMk cId="3817665236" sldId="260"/>
-            <ac:spMk id="87" creationId="{58DC197A-8F39-9FAA-F10E-1AF282AA6F0A}"/>
-          </ac:spMkLst>
-        </pc:spChg>
-        <pc:spChg chg="add mod">
-          <ac:chgData name="Cole Nardini" userId="S::cnardini@unomaha.edu::10a0c690-7d77-4a83-91d4-c381712424d4" providerId="AD" clId="Web-{1805AB38-6A39-CDBA-F89B-C0104D5334D9}" dt="2024-10-10T23:57:41.568" v="300"/>
-          <ac:spMkLst>
-            <pc:docMk/>
-            <pc:sldMk cId="3817665236" sldId="260"/>
-            <ac:spMk id="88" creationId="{7C3F6C23-A6CE-2E51-FF7D-B2BA142BDCC6}"/>
-          </ac:spMkLst>
-        </pc:spChg>
-        <pc:spChg chg="ord">
-          <ac:chgData name="Cole Nardini" userId="S::cnardini@unomaha.edu::10a0c690-7d77-4a83-91d4-c381712424d4" providerId="AD" clId="Web-{1805AB38-6A39-CDBA-F89B-C0104D5334D9}" dt="2024-10-10T23:58:30.677" v="314"/>
-          <ac:spMkLst>
-            <pc:docMk/>
-            <pc:sldMk cId="3817665236" sldId="260"/>
-            <ac:spMk id="100" creationId="{20DF6040-1B2C-733B-00AD-FCE349EDC942}"/>
-          </ac:spMkLst>
-        </pc:spChg>
-        <pc:grpChg chg="add del">
-          <ac:chgData name="Cole Nardini" userId="S::cnardini@unomaha.edu::10a0c690-7d77-4a83-91d4-c381712424d4" providerId="AD" clId="Web-{1805AB38-6A39-CDBA-F89B-C0104D5334D9}" dt="2024-10-10T23:54:17.241" v="221"/>
-          <ac:grpSpMkLst>
-            <pc:docMk/>
-            <pc:sldMk cId="3817665236" sldId="260"/>
-            <ac:grpSpMk id="3" creationId="{8EDECCF9-9030-2B7B-9915-3252D9FD77E2}"/>
-          </ac:grpSpMkLst>
-        </pc:grpChg>
-        <pc:grpChg chg="add del mod">
-          <ac:chgData name="Cole Nardini" userId="S::cnardini@unomaha.edu::10a0c690-7d77-4a83-91d4-c381712424d4" providerId="AD" clId="Web-{1805AB38-6A39-CDBA-F89B-C0104D5334D9}" dt="2024-10-10T23:54:58.787" v="235"/>
-          <ac:grpSpMkLst>
-            <pc:docMk/>
-            <pc:sldMk cId="3817665236" sldId="260"/>
-            <ac:grpSpMk id="4" creationId="{36D32AC9-E70F-D737-DE26-4F35961661D2}"/>
-          </ac:grpSpMkLst>
-        </pc:grpChg>
-        <pc:grpChg chg="add del mod">
-          <ac:chgData name="Cole Nardini" userId="S::cnardini@unomaha.edu::10a0c690-7d77-4a83-91d4-c381712424d4" providerId="AD" clId="Web-{1805AB38-6A39-CDBA-F89B-C0104D5334D9}" dt="2024-10-10T23:55:00.131" v="237"/>
-          <ac:grpSpMkLst>
-            <pc:docMk/>
-            <pc:sldMk cId="3817665236" sldId="260"/>
-            <ac:grpSpMk id="5" creationId="{704A20E5-CB96-1DE2-9817-6488A46AABB7}"/>
-          </ac:grpSpMkLst>
-        </pc:grpChg>
-        <pc:grpChg chg="add del mod">
-          <ac:chgData name="Cole Nardini" userId="S::cnardini@unomaha.edu::10a0c690-7d77-4a83-91d4-c381712424d4" providerId="AD" clId="Web-{1805AB38-6A39-CDBA-F89B-C0104D5334D9}" dt="2024-10-10T23:55:00.615" v="238"/>
-          <ac:grpSpMkLst>
-            <pc:docMk/>
-            <pc:sldMk cId="3817665236" sldId="260"/>
-            <ac:grpSpMk id="16" creationId="{3D07D759-82E1-E144-A9B6-D7842E6DE43D}"/>
-          </ac:grpSpMkLst>
-        </pc:grpChg>
-        <pc:grpChg chg="del mod">
-          <ac:chgData name="Cole Nardini" userId="S::cnardini@unomaha.edu::10a0c690-7d77-4a83-91d4-c381712424d4" providerId="AD" clId="Web-{1805AB38-6A39-CDBA-F89B-C0104D5334D9}" dt="2024-10-10T23:53:29.819" v="214"/>
-          <ac:grpSpMkLst>
-            <pc:docMk/>
-            <pc:sldMk cId="3817665236" sldId="260"/>
-            <ac:grpSpMk id="31" creationId="{F1F1DA6D-1880-7260-7A01-1BE747DB63FA}"/>
-          </ac:grpSpMkLst>
-        </pc:grpChg>
-        <pc:grpChg chg="add del mod">
-          <ac:chgData name="Cole Nardini" userId="S::cnardini@unomaha.edu::10a0c690-7d77-4a83-91d4-c381712424d4" providerId="AD" clId="Web-{1805AB38-6A39-CDBA-F89B-C0104D5334D9}" dt="2024-10-10T23:54:59.772" v="236"/>
-          <ac:grpSpMkLst>
-            <pc:docMk/>
-            <pc:sldMk cId="3817665236" sldId="260"/>
-            <ac:grpSpMk id="37" creationId="{3B5467A0-4FA6-565C-60A0-5F81B96B2173}"/>
-          </ac:grpSpMkLst>
-        </pc:grpChg>
-        <pc:grpChg chg="add del mod">
-          <ac:chgData name="Cole Nardini" userId="S::cnardini@unomaha.edu::10a0c690-7d77-4a83-91d4-c381712424d4" providerId="AD" clId="Web-{1805AB38-6A39-CDBA-F89B-C0104D5334D9}" dt="2024-10-10T23:55:05.615" v="239"/>
-          <ac:grpSpMkLst>
-            <pc:docMk/>
-            <pc:sldMk cId="3817665236" sldId="260"/>
-            <ac:grpSpMk id="58" creationId="{46238055-6BD8-4754-47CA-32319A83C8CF}"/>
-          </ac:grpSpMkLst>
-        </pc:grpChg>
-        <pc:grpChg chg="add del mod">
-          <ac:chgData name="Cole Nardini" userId="S::cnardini@unomaha.edu::10a0c690-7d77-4a83-91d4-c381712424d4" providerId="AD" clId="Web-{1805AB38-6A39-CDBA-F89B-C0104D5334D9}" dt="2024-10-10T23:56:02.302" v="252"/>
-          <ac:grpSpMkLst>
-            <pc:docMk/>
-            <pc:sldMk cId="3817665236" sldId="260"/>
-            <ac:grpSpMk id="59" creationId="{1533DC4B-A65D-1993-4587-B8D8F3080B07}"/>
-          </ac:grpSpMkLst>
-        </pc:grpChg>
-        <pc:grpChg chg="add mod">
-          <ac:chgData name="Cole Nardini" userId="S::cnardini@unomaha.edu::10a0c690-7d77-4a83-91d4-c381712424d4" providerId="AD" clId="Web-{1805AB38-6A39-CDBA-F89B-C0104D5334D9}" dt="2024-10-10T23:59:23.520" v="357" actId="1076"/>
-          <ac:grpSpMkLst>
-            <pc:docMk/>
-            <pc:sldMk cId="3817665236" sldId="260"/>
-            <ac:grpSpMk id="60" creationId="{8AF96972-BEAC-FE62-25C2-BD7516E2D5B8}"/>
-          </ac:grpSpMkLst>
-        </pc:grpChg>
-        <pc:grpChg chg="add mod">
-          <ac:chgData name="Cole Nardini" userId="S::cnardini@unomaha.edu::10a0c690-7d77-4a83-91d4-c381712424d4" providerId="AD" clId="Web-{1805AB38-6A39-CDBA-F89B-C0104D5334D9}" dt="2024-10-10T23:59:23.536" v="358" actId="1076"/>
-          <ac:grpSpMkLst>
-            <pc:docMk/>
-            <pc:sldMk cId="3817665236" sldId="260"/>
-            <ac:grpSpMk id="68" creationId="{8A9C2D39-3AF2-B19A-6E8C-F0C933A986E9}"/>
-          </ac:grpSpMkLst>
-        </pc:grpChg>
-        <pc:grpChg chg="add del mod">
-          <ac:chgData name="Cole Nardini" userId="S::cnardini@unomaha.edu::10a0c690-7d77-4a83-91d4-c381712424d4" providerId="AD" clId="Web-{1805AB38-6A39-CDBA-F89B-C0104D5334D9}" dt="2024-10-10T23:57:13.302" v="290"/>
-          <ac:grpSpMkLst>
-            <pc:docMk/>
-            <pc:sldMk cId="3817665236" sldId="260"/>
-            <ac:grpSpMk id="89" creationId="{7E54CD2C-A869-A8D8-2777-A4312B59884A}"/>
-          </ac:grpSpMkLst>
-        </pc:grpChg>
-        <pc:grpChg chg="add mod">
-          <ac:chgData name="Cole Nardini" userId="S::cnardini@unomaha.edu::10a0c690-7d77-4a83-91d4-c381712424d4" providerId="AD" clId="Web-{1805AB38-6A39-CDBA-F89B-C0104D5334D9}" dt="2024-10-10T23:59:23.567" v="363" actId="1076"/>
-          <ac:grpSpMkLst>
-            <pc:docMk/>
-            <pc:sldMk cId="3817665236" sldId="260"/>
-            <ac:grpSpMk id="97" creationId="{DF793E81-8F1B-7EB8-427C-D340AE9E9DB0}"/>
-          </ac:grpSpMkLst>
-        </pc:grpChg>
-        <pc:grpChg chg="add mod">
-          <ac:chgData name="Cole Nardini" userId="S::cnardini@unomaha.edu::10a0c690-7d77-4a83-91d4-c381712424d4" providerId="AD" clId="Web-{1805AB38-6A39-CDBA-F89B-C0104D5334D9}" dt="2024-10-10T23:59:23.536" v="359" actId="1076"/>
-          <ac:grpSpMkLst>
-            <pc:docMk/>
-            <pc:sldMk cId="3817665236" sldId="260"/>
-            <ac:grpSpMk id="98" creationId="{D0A50262-2F5E-DCAC-C5E1-0D6A5AD7535F}"/>
-          </ac:grpSpMkLst>
-        </pc:grpChg>
-        <pc:grpChg chg="add mod">
-          <ac:chgData name="Cole Nardini" userId="S::cnardini@unomaha.edu::10a0c690-7d77-4a83-91d4-c381712424d4" providerId="AD" clId="Web-{1805AB38-6A39-CDBA-F89B-C0104D5334D9}" dt="2024-10-10T23:59:23.583" v="364" actId="1076"/>
-          <ac:grpSpMkLst>
-            <pc:docMk/>
-            <pc:sldMk cId="3817665236" sldId="260"/>
-            <ac:grpSpMk id="99" creationId="{7B902546-2A28-ACED-010A-69FE05D01910}"/>
-          </ac:grpSpMkLst>
-        </pc:grpChg>
-        <pc:grpChg chg="add mod">
-          <ac:chgData name="Cole Nardini" userId="S::cnardini@unomaha.edu::10a0c690-7d77-4a83-91d4-c381712424d4" providerId="AD" clId="Web-{1805AB38-6A39-CDBA-F89B-C0104D5334D9}" dt="2024-10-10T23:59:23.551" v="360" actId="1076"/>
-          <ac:grpSpMkLst>
-            <pc:docMk/>
-            <pc:sldMk cId="3817665236" sldId="260"/>
-            <ac:grpSpMk id="102" creationId="{A52F4BF0-216E-745A-C8EF-5FE95969DAB8}"/>
-          </ac:grpSpMkLst>
-        </pc:grpChg>
-        <pc:grpChg chg="add mod">
-          <ac:chgData name="Cole Nardini" userId="S::cnardini@unomaha.edu::10a0c690-7d77-4a83-91d4-c381712424d4" providerId="AD" clId="Web-{1805AB38-6A39-CDBA-F89B-C0104D5334D9}" dt="2024-10-10T23:59:23.551" v="361" actId="1076"/>
-          <ac:grpSpMkLst>
-            <pc:docMk/>
-            <pc:sldMk cId="3817665236" sldId="260"/>
-            <ac:grpSpMk id="103" creationId="{99DA63D9-602D-2C45-C71A-51583E385A44}"/>
-          </ac:grpSpMkLst>
-        </pc:grpChg>
-        <pc:grpChg chg="add mod">
-          <ac:chgData name="Cole Nardini" userId="S::cnardini@unomaha.edu::10a0c690-7d77-4a83-91d4-c381712424d4" providerId="AD" clId="Web-{1805AB38-6A39-CDBA-F89B-C0104D5334D9}" dt="2024-10-10T23:59:23.567" v="362" actId="1076"/>
-          <ac:grpSpMkLst>
-            <pc:docMk/>
-            <pc:sldMk cId="3817665236" sldId="260"/>
-            <ac:grpSpMk id="104" creationId="{CAF32094-BD49-301F-BB10-B3063EC1FBF6}"/>
-          </ac:grpSpMkLst>
-        </pc:grpChg>
-        <pc:cxnChg chg="del topLvl">
-          <ac:chgData name="Cole Nardini" userId="S::cnardini@unomaha.edu::10a0c690-7d77-4a83-91d4-c381712424d4" providerId="AD" clId="Web-{1805AB38-6A39-CDBA-F89B-C0104D5334D9}" dt="2024-10-10T23:53:35.382" v="219"/>
-          <ac:cxnSpMkLst>
-            <pc:docMk/>
-            <pc:sldMk cId="3817665236" sldId="260"/>
-            <ac:cxnSpMk id="26" creationId="{59BAEB87-5F40-6907-2BC8-135C692F5EAA}"/>
-          </ac:cxnSpMkLst>
-        </pc:cxnChg>
-        <pc:cxnChg chg="del topLvl">
-          <ac:chgData name="Cole Nardini" userId="S::cnardini@unomaha.edu::10a0c690-7d77-4a83-91d4-c381712424d4" providerId="AD" clId="Web-{1805AB38-6A39-CDBA-F89B-C0104D5334D9}" dt="2024-10-10T23:53:34.975" v="218"/>
-          <ac:cxnSpMkLst>
-            <pc:docMk/>
-            <pc:sldMk cId="3817665236" sldId="260"/>
-            <ac:cxnSpMk id="27" creationId="{9DE0EDFA-C6CC-26B4-3C03-8AA9A31E919F}"/>
-          </ac:cxnSpMkLst>
-        </pc:cxnChg>
-        <pc:cxnChg chg="del topLvl">
-          <ac:chgData name="Cole Nardini" userId="S::cnardini@unomaha.edu::10a0c690-7d77-4a83-91d4-c381712424d4" providerId="AD" clId="Web-{1805AB38-6A39-CDBA-F89B-C0104D5334D9}" dt="2024-10-10T23:53:34.491" v="217"/>
-          <ac:cxnSpMkLst>
-            <pc:docMk/>
-            <pc:sldMk cId="3817665236" sldId="260"/>
-            <ac:cxnSpMk id="28" creationId="{95445BC8-60EA-BC0E-1F49-65DB85771839}"/>
-          </ac:cxnSpMkLst>
-        </pc:cxnChg>
-        <pc:cxnChg chg="del topLvl">
-          <ac:chgData name="Cole Nardini" userId="S::cnardini@unomaha.edu::10a0c690-7d77-4a83-91d4-c381712424d4" providerId="AD" clId="Web-{1805AB38-6A39-CDBA-F89B-C0104D5334D9}" dt="2024-10-10T23:53:32.944" v="215"/>
-          <ac:cxnSpMkLst>
-            <pc:docMk/>
-            <pc:sldMk cId="3817665236" sldId="260"/>
-            <ac:cxnSpMk id="29" creationId="{FFD635F0-9811-DD3E-F507-6CA954F4E2D9}"/>
-          </ac:cxnSpMkLst>
-        </pc:cxnChg>
-        <pc:cxnChg chg="del topLvl">
-          <ac:chgData name="Cole Nardini" userId="S::cnardini@unomaha.edu::10a0c690-7d77-4a83-91d4-c381712424d4" providerId="AD" clId="Web-{1805AB38-6A39-CDBA-F89B-C0104D5334D9}" dt="2024-10-10T23:53:33.975" v="216"/>
-          <ac:cxnSpMkLst>
-            <pc:docMk/>
-            <pc:sldMk cId="3817665236" sldId="260"/>
-            <ac:cxnSpMk id="30" creationId="{D6934368-4ECB-6A53-D90C-D911ED994DC7}"/>
-          </ac:cxnSpMkLst>
-        </pc:cxnChg>
-        <pc:cxnChg chg="del topLvl">
-          <ac:chgData name="Cole Nardini" userId="S::cnardini@unomaha.edu::10a0c690-7d77-4a83-91d4-c381712424d4" providerId="AD" clId="Web-{1805AB38-6A39-CDBA-F89B-C0104D5334D9}" dt="2024-10-10T23:55:13.412" v="244"/>
-          <ac:cxnSpMkLst>
-            <pc:docMk/>
-            <pc:sldMk cId="3817665236" sldId="260"/>
-            <ac:cxnSpMk id="53" creationId="{4198A162-7C2F-327E-91D3-7D3B756C3CD1}"/>
-          </ac:cxnSpMkLst>
-        </pc:cxnChg>
-        <pc:cxnChg chg="del topLvl">
-          <ac:chgData name="Cole Nardini" userId="S::cnardini@unomaha.edu::10a0c690-7d77-4a83-91d4-c381712424d4" providerId="AD" clId="Web-{1805AB38-6A39-CDBA-F89B-C0104D5334D9}" dt="2024-10-10T23:55:12.959" v="243"/>
-          <ac:cxnSpMkLst>
-            <pc:docMk/>
-            <pc:sldMk cId="3817665236" sldId="260"/>
-            <ac:cxnSpMk id="54" creationId="{18E0EEB6-275F-C3CB-AE44-C6C64C117B71}"/>
-          </ac:cxnSpMkLst>
-        </pc:cxnChg>
-        <pc:cxnChg chg="del topLvl">
-          <ac:chgData name="Cole Nardini" userId="S::cnardini@unomaha.edu::10a0c690-7d77-4a83-91d4-c381712424d4" providerId="AD" clId="Web-{1805AB38-6A39-CDBA-F89B-C0104D5334D9}" dt="2024-10-10T23:55:12.600" v="242"/>
-          <ac:cxnSpMkLst>
-            <pc:docMk/>
-            <pc:sldMk cId="3817665236" sldId="260"/>
-            <ac:cxnSpMk id="55" creationId="{A2C01326-FA34-1AA4-F37A-A8DE6B3C92E3}"/>
-          </ac:cxnSpMkLst>
-        </pc:cxnChg>
-        <pc:cxnChg chg="del topLvl">
-          <ac:chgData name="Cole Nardini" userId="S::cnardini@unomaha.edu::10a0c690-7d77-4a83-91d4-c381712424d4" providerId="AD" clId="Web-{1805AB38-6A39-CDBA-F89B-C0104D5334D9}" dt="2024-10-10T23:55:12.193" v="241"/>
-          <ac:cxnSpMkLst>
-            <pc:docMk/>
-            <pc:sldMk cId="3817665236" sldId="260"/>
-            <ac:cxnSpMk id="56" creationId="{5052BF80-FE13-0E51-4D6E-72C54B71B41E}"/>
-          </ac:cxnSpMkLst>
-        </pc:cxnChg>
-        <pc:cxnChg chg="del topLvl">
-          <ac:chgData name="Cole Nardini" userId="S::cnardini@unomaha.edu::10a0c690-7d77-4a83-91d4-c381712424d4" providerId="AD" clId="Web-{1805AB38-6A39-CDBA-F89B-C0104D5334D9}" dt="2024-10-10T23:55:11.787" v="240"/>
-          <ac:cxnSpMkLst>
-            <pc:docMk/>
-            <pc:sldMk cId="3817665236" sldId="260"/>
-            <ac:cxnSpMk id="57" creationId="{DC3C956D-30AC-8B07-C377-6FE66409108C}"/>
-          </ac:cxnSpMkLst>
-        </pc:cxnChg>
-      </pc:sldChg>
-      <pc:sldChg chg="addSp delSp modSp add replId">
-        <pc:chgData name="Cole Nardini" userId="S::cnardini@unomaha.edu::10a0c690-7d77-4a83-91d4-c381712424d4" providerId="AD" clId="Web-{1805AB38-6A39-CDBA-F89B-C0104D5334D9}" dt="2024-10-11T00:00:31.723" v="391" actId="1076"/>
-        <pc:sldMkLst>
-          <pc:docMk/>
-          <pc:sldMk cId="12017044" sldId="261"/>
-        </pc:sldMkLst>
-        <pc:spChg chg="add mod">
-          <ac:chgData name="Cole Nardini" userId="S::cnardini@unomaha.edu::10a0c690-7d77-4a83-91d4-c381712424d4" providerId="AD" clId="Web-{1805AB38-6A39-CDBA-F89B-C0104D5334D9}" dt="2024-10-11T00:00:19.770" v="389"/>
-          <ac:spMkLst>
-            <pc:docMk/>
-            <pc:sldMk cId="12017044" sldId="261"/>
-            <ac:spMk id="3" creationId="{D0E21DE5-B57D-1FDE-9C71-FE57C157AAE8}"/>
-          </ac:spMkLst>
-        </pc:spChg>
-        <pc:spChg chg="add mod">
-          <ac:chgData name="Cole Nardini" userId="S::cnardini@unomaha.edu::10a0c690-7d77-4a83-91d4-c381712424d4" providerId="AD" clId="Web-{1805AB38-6A39-CDBA-F89B-C0104D5334D9}" dt="2024-10-11T00:00:31.723" v="391" actId="1076"/>
-          <ac:spMkLst>
-            <pc:docMk/>
-            <pc:sldMk cId="12017044" sldId="261"/>
-            <ac:spMk id="4" creationId="{B5BE377C-7185-4518-CCC6-249135DF1D0D}"/>
-          </ac:spMkLst>
-        </pc:spChg>
-        <pc:spChg chg="del">
-          <ac:chgData name="Cole Nardini" userId="S::cnardini@unomaha.edu::10a0c690-7d77-4a83-91d4-c381712424d4" providerId="AD" clId="Web-{1805AB38-6A39-CDBA-F89B-C0104D5334D9}" dt="2024-10-10T23:59:48.176" v="384"/>
-          <ac:spMkLst>
-            <pc:docMk/>
-            <pc:sldMk cId="12017044" sldId="261"/>
-            <ac:spMk id="8" creationId="{10981CEA-2355-5BDA-E6FD-E9A7F2FF28FB}"/>
-          </ac:spMkLst>
-        </pc:spChg>
-        <pc:spChg chg="mod">
-          <ac:chgData name="Cole Nardini" userId="S::cnardini@unomaha.edu::10a0c690-7d77-4a83-91d4-c381712424d4" providerId="AD" clId="Web-{1805AB38-6A39-CDBA-F89B-C0104D5334D9}" dt="2024-10-10T23:59:44.848" v="368" actId="20577"/>
-          <ac:spMkLst>
-            <pc:docMk/>
-            <pc:sldMk cId="12017044" sldId="261"/>
-            <ac:spMk id="11" creationId="{B165E0B4-2A2C-87AC-4799-0ADD219A7B20}"/>
-          </ac:spMkLst>
-        </pc:spChg>
-        <pc:spChg chg="del">
-          <ac:chgData name="Cole Nardini" userId="S::cnardini@unomaha.edu::10a0c690-7d77-4a83-91d4-c381712424d4" providerId="AD" clId="Web-{1805AB38-6A39-CDBA-F89B-C0104D5334D9}" dt="2024-10-10T23:59:48.176" v="383"/>
-          <ac:spMkLst>
-            <pc:docMk/>
-            <pc:sldMk cId="12017044" sldId="261"/>
-            <ac:spMk id="46" creationId="{8883C336-CB5C-9FC3-2234-B3D783124953}"/>
-          </ac:spMkLst>
-        </pc:spChg>
-        <pc:spChg chg="del">
-          <ac:chgData name="Cole Nardini" userId="S::cnardini@unomaha.edu::10a0c690-7d77-4a83-91d4-c381712424d4" providerId="AD" clId="Web-{1805AB38-6A39-CDBA-F89B-C0104D5334D9}" dt="2024-10-10T23:59:48.176" v="382"/>
-          <ac:spMkLst>
-            <pc:docMk/>
-            <pc:sldMk cId="12017044" sldId="261"/>
-            <ac:spMk id="47" creationId="{079D4EA2-D902-95A6-F08E-A195FD581F2C}"/>
-          </ac:spMkLst>
-        </pc:spChg>
-        <pc:spChg chg="del">
-          <ac:chgData name="Cole Nardini" userId="S::cnardini@unomaha.edu::10a0c690-7d77-4a83-91d4-c381712424d4" providerId="AD" clId="Web-{1805AB38-6A39-CDBA-F89B-C0104D5334D9}" dt="2024-10-10T23:59:48.176" v="381"/>
-          <ac:spMkLst>
-            <pc:docMk/>
-            <pc:sldMk cId="12017044" sldId="261"/>
-            <ac:spMk id="48" creationId="{5FFDD8AB-D609-4EF3-30EA-8921AC85FAD7}"/>
-          </ac:spMkLst>
-        </pc:spChg>
-        <pc:spChg chg="del">
-          <ac:chgData name="Cole Nardini" userId="S::cnardini@unomaha.edu::10a0c690-7d77-4a83-91d4-c381712424d4" providerId="AD" clId="Web-{1805AB38-6A39-CDBA-F89B-C0104D5334D9}" dt="2024-10-10T23:59:48.176" v="380"/>
-          <ac:spMkLst>
-            <pc:docMk/>
-            <pc:sldMk cId="12017044" sldId="261"/>
-            <ac:spMk id="49" creationId="{7C4175AF-A856-7C20-5657-E005F78AFE52}"/>
-          </ac:spMkLst>
-        </pc:spChg>
-        <pc:spChg chg="del">
-          <ac:chgData name="Cole Nardini" userId="S::cnardini@unomaha.edu::10a0c690-7d77-4a83-91d4-c381712424d4" providerId="AD" clId="Web-{1805AB38-6A39-CDBA-F89B-C0104D5334D9}" dt="2024-10-10T23:59:48.176" v="379"/>
-          <ac:spMkLst>
-            <pc:docMk/>
-            <pc:sldMk cId="12017044" sldId="261"/>
-            <ac:spMk id="50" creationId="{32A624D2-8B42-C54F-68F8-B72282205EBE}"/>
-          </ac:spMkLst>
-        </pc:spChg>
-        <pc:spChg chg="del">
-          <ac:chgData name="Cole Nardini" userId="S::cnardini@unomaha.edu::10a0c690-7d77-4a83-91d4-c381712424d4" providerId="AD" clId="Web-{1805AB38-6A39-CDBA-F89B-C0104D5334D9}" dt="2024-10-10T23:59:48.176" v="378"/>
-          <ac:spMkLst>
-            <pc:docMk/>
-            <pc:sldMk cId="12017044" sldId="261"/>
-            <ac:spMk id="51" creationId="{71D32ACF-31CA-8E47-BD5F-9BC10A2CA7A3}"/>
-          </ac:spMkLst>
-        </pc:spChg>
-        <pc:spChg chg="del">
-          <ac:chgData name="Cole Nardini" userId="S::cnardini@unomaha.edu::10a0c690-7d77-4a83-91d4-c381712424d4" providerId="AD" clId="Web-{1805AB38-6A39-CDBA-F89B-C0104D5334D9}" dt="2024-10-10T23:59:48.176" v="377"/>
-          <ac:spMkLst>
-            <pc:docMk/>
-            <pc:sldMk cId="12017044" sldId="261"/>
-            <ac:spMk id="52" creationId="{97478B24-1255-A842-A98E-837BE465FF32}"/>
-          </ac:spMkLst>
-        </pc:spChg>
-        <pc:grpChg chg="del">
-          <ac:chgData name="Cole Nardini" userId="S::cnardini@unomaha.edu::10a0c690-7d77-4a83-91d4-c381712424d4" providerId="AD" clId="Web-{1805AB38-6A39-CDBA-F89B-C0104D5334D9}" dt="2024-10-10T23:59:48.176" v="376"/>
-          <ac:grpSpMkLst>
-            <pc:docMk/>
-            <pc:sldMk cId="12017044" sldId="261"/>
-            <ac:grpSpMk id="60" creationId="{8AF96972-BEAC-FE62-25C2-BD7516E2D5B8}"/>
-          </ac:grpSpMkLst>
-        </pc:grpChg>
-        <pc:grpChg chg="del">
-          <ac:chgData name="Cole Nardini" userId="S::cnardini@unomaha.edu::10a0c690-7d77-4a83-91d4-c381712424d4" providerId="AD" clId="Web-{1805AB38-6A39-CDBA-F89B-C0104D5334D9}" dt="2024-10-10T23:59:48.176" v="375"/>
-          <ac:grpSpMkLst>
-            <pc:docMk/>
-            <pc:sldMk cId="12017044" sldId="261"/>
-            <ac:grpSpMk id="68" creationId="{8A9C2D39-3AF2-B19A-6E8C-F0C933A986E9}"/>
-          </ac:grpSpMkLst>
-        </pc:grpChg>
-        <pc:grpChg chg="del">
-          <ac:chgData name="Cole Nardini" userId="S::cnardini@unomaha.edu::10a0c690-7d77-4a83-91d4-c381712424d4" providerId="AD" clId="Web-{1805AB38-6A39-CDBA-F89B-C0104D5334D9}" dt="2024-10-10T23:59:48.176" v="370"/>
-          <ac:grpSpMkLst>
-            <pc:docMk/>
-            <pc:sldMk cId="12017044" sldId="261"/>
-            <ac:grpSpMk id="97" creationId="{DF793E81-8F1B-7EB8-427C-D340AE9E9DB0}"/>
-          </ac:grpSpMkLst>
-        </pc:grpChg>
-        <pc:grpChg chg="del">
-          <ac:chgData name="Cole Nardini" userId="S::cnardini@unomaha.edu::10a0c690-7d77-4a83-91d4-c381712424d4" providerId="AD" clId="Web-{1805AB38-6A39-CDBA-F89B-C0104D5334D9}" dt="2024-10-10T23:59:48.176" v="374"/>
-          <ac:grpSpMkLst>
-            <pc:docMk/>
-            <pc:sldMk cId="12017044" sldId="261"/>
-            <ac:grpSpMk id="98" creationId="{D0A50262-2F5E-DCAC-C5E1-0D6A5AD7535F}"/>
-          </ac:grpSpMkLst>
-        </pc:grpChg>
-        <pc:grpChg chg="del">
-          <ac:chgData name="Cole Nardini" userId="S::cnardini@unomaha.edu::10a0c690-7d77-4a83-91d4-c381712424d4" providerId="AD" clId="Web-{1805AB38-6A39-CDBA-F89B-C0104D5334D9}" dt="2024-10-10T23:59:48.176" v="369"/>
-          <ac:grpSpMkLst>
-            <pc:docMk/>
-            <pc:sldMk cId="12017044" sldId="261"/>
-            <ac:grpSpMk id="99" creationId="{7B902546-2A28-ACED-010A-69FE05D01910}"/>
-          </ac:grpSpMkLst>
-        </pc:grpChg>
-        <pc:grpChg chg="del">
-          <ac:chgData name="Cole Nardini" userId="S::cnardini@unomaha.edu::10a0c690-7d77-4a83-91d4-c381712424d4" providerId="AD" clId="Web-{1805AB38-6A39-CDBA-F89B-C0104D5334D9}" dt="2024-10-10T23:59:48.176" v="373"/>
-          <ac:grpSpMkLst>
-            <pc:docMk/>
-            <pc:sldMk cId="12017044" sldId="261"/>
-            <ac:grpSpMk id="102" creationId="{A52F4BF0-216E-745A-C8EF-5FE95969DAB8}"/>
-          </ac:grpSpMkLst>
-        </pc:grpChg>
-        <pc:grpChg chg="del">
-          <ac:chgData name="Cole Nardini" userId="S::cnardini@unomaha.edu::10a0c690-7d77-4a83-91d4-c381712424d4" providerId="AD" clId="Web-{1805AB38-6A39-CDBA-F89B-C0104D5334D9}" dt="2024-10-10T23:59:48.176" v="372"/>
-          <ac:grpSpMkLst>
-            <pc:docMk/>
-            <pc:sldMk cId="12017044" sldId="261"/>
-            <ac:grpSpMk id="103" creationId="{99DA63D9-602D-2C45-C71A-51583E385A44}"/>
-          </ac:grpSpMkLst>
-        </pc:grpChg>
-        <pc:grpChg chg="del">
-          <ac:chgData name="Cole Nardini" userId="S::cnardini@unomaha.edu::10a0c690-7d77-4a83-91d4-c381712424d4" providerId="AD" clId="Web-{1805AB38-6A39-CDBA-F89B-C0104D5334D9}" dt="2024-10-10T23:59:48.176" v="371"/>
-          <ac:grpSpMkLst>
-            <pc:docMk/>
-            <pc:sldMk cId="12017044" sldId="261"/>
-            <ac:grpSpMk id="104" creationId="{CAF32094-BD49-301F-BB10-B3063EC1FBF6}"/>
-          </ac:grpSpMkLst>
-        </pc:grpChg>
-      </pc:sldChg>
-    </pc:docChg>
-  </pc:docChgLst>
-  <pc:docChgLst>
-    <pc:chgData name="Cole Nardini" userId="S::cnardini@unomaha.edu::10a0c690-7d77-4a83-91d4-c381712424d4" providerId="AD" clId="Web-{BFCC063F-BD93-1B32-EAF8-C4B7D9C9B0F8}"/>
-    <pc:docChg chg="modSld">
-      <pc:chgData name="Cole Nardini" userId="S::cnardini@unomaha.edu::10a0c690-7d77-4a83-91d4-c381712424d4" providerId="AD" clId="Web-{BFCC063F-BD93-1B32-EAF8-C4B7D9C9B0F8}" dt="2024-10-11T00:23:25.975" v="47" actId="20577"/>
-      <pc:docMkLst>
-        <pc:docMk/>
-      </pc:docMkLst>
-      <pc:sldChg chg="addSp modSp">
-        <pc:chgData name="Cole Nardini" userId="S::cnardini@unomaha.edu::10a0c690-7d77-4a83-91d4-c381712424d4" providerId="AD" clId="Web-{BFCC063F-BD93-1B32-EAF8-C4B7D9C9B0F8}" dt="2024-10-11T00:23:25.975" v="47" actId="20577"/>
-        <pc:sldMkLst>
-          <pc:docMk/>
-          <pc:sldMk cId="2088564419" sldId="262"/>
-        </pc:sldMkLst>
-        <pc:spChg chg="mod">
-          <ac:chgData name="Cole Nardini" userId="S::cnardini@unomaha.edu::10a0c690-7d77-4a83-91d4-c381712424d4" providerId="AD" clId="Web-{BFCC063F-BD93-1B32-EAF8-C4B7D9C9B0F8}" dt="2024-10-11T00:23:25.975" v="47" actId="20577"/>
-          <ac:spMkLst>
-            <pc:docMk/>
-            <pc:sldMk cId="2088564419" sldId="262"/>
-            <ac:spMk id="2" creationId="{00000000-0000-0000-0000-000000000000}"/>
-          </ac:spMkLst>
-        </pc:spChg>
-        <pc:spChg chg="add mod">
-          <ac:chgData name="Cole Nardini" userId="S::cnardini@unomaha.edu::10a0c690-7d77-4a83-91d4-c381712424d4" providerId="AD" clId="Web-{BFCC063F-BD93-1B32-EAF8-C4B7D9C9B0F8}" dt="2024-10-11T00:21:21.756" v="31" actId="14100"/>
-          <ac:spMkLst>
-            <pc:docMk/>
-            <pc:sldMk cId="2088564419" sldId="262"/>
-            <ac:spMk id="3" creationId="{74C0D127-BC3C-58CE-6A44-AA65DADD7561}"/>
-          </ac:spMkLst>
-        </pc:spChg>
-        <pc:spChg chg="add mod">
-          <ac:chgData name="Cole Nardini" userId="S::cnardini@unomaha.edu::10a0c690-7d77-4a83-91d4-c381712424d4" providerId="AD" clId="Web-{BFCC063F-BD93-1B32-EAF8-C4B7D9C9B0F8}" dt="2024-10-11T00:21:43.022" v="39" actId="1076"/>
-          <ac:spMkLst>
-            <pc:docMk/>
-            <pc:sldMk cId="2088564419" sldId="262"/>
-            <ac:spMk id="6" creationId="{457723E8-F181-E796-B2B7-E6143DC5593E}"/>
-          </ac:spMkLst>
-        </pc:spChg>
-      </pc:sldChg>
-    </pc:docChg>
-  </pc:docChgLst>
-  <pc:docChgLst>
-    <pc:chgData name="Jerron Pierro" userId="S::jpierro@unomaha.edu::68f5a41d-cea4-4313-9983-2330513e27a6" providerId="AD" clId="Web-{9044B512-495C-36C6-F507-734F3EBEDA17}"/>
-    <pc:docChg chg="addSld modSld">
-      <pc:chgData name="Jerron Pierro" userId="S::jpierro@unomaha.edu::68f5a41d-cea4-4313-9983-2330513e27a6" providerId="AD" clId="Web-{9044B512-495C-36C6-F507-734F3EBEDA17}" dt="2024-10-23T23:52:24.377" v="5" actId="1076"/>
-      <pc:docMkLst>
-        <pc:docMk/>
-      </pc:docMkLst>
-      <pc:sldChg chg="addSp delSp">
-        <pc:chgData name="Jerron Pierro" userId="S::jpierro@unomaha.edu::68f5a41d-cea4-4313-9983-2330513e27a6" providerId="AD" clId="Web-{9044B512-495C-36C6-F507-734F3EBEDA17}" dt="2024-10-23T23:49:03.182" v="1"/>
-        <pc:sldMkLst>
-          <pc:docMk/>
-          <pc:sldMk cId="3817665236" sldId="260"/>
-        </pc:sldMkLst>
-        <pc:inkChg chg="add del">
-          <ac:chgData name="Jerron Pierro" userId="S::jpierro@unomaha.edu::68f5a41d-cea4-4313-9983-2330513e27a6" providerId="AD" clId="Web-{9044B512-495C-36C6-F507-734F3EBEDA17}" dt="2024-10-23T23:49:03.182" v="1"/>
-          <ac:inkMkLst>
-            <pc:docMk/>
-            <pc:sldMk cId="3817665236" sldId="260"/>
-            <ac:inkMk id="22" creationId="{3FC83138-6A84-5DA9-E74F-BE1BC781D466}"/>
-          </ac:inkMkLst>
-        </pc:inkChg>
-      </pc:sldChg>
-      <pc:sldChg chg="modSp add">
-        <pc:chgData name="Jerron Pierro" userId="S::jpierro@unomaha.edu::68f5a41d-cea4-4313-9983-2330513e27a6" providerId="AD" clId="Web-{9044B512-495C-36C6-F507-734F3EBEDA17}" dt="2024-10-23T23:52:24.377" v="5" actId="1076"/>
-        <pc:sldMkLst>
-          <pc:docMk/>
-          <pc:sldMk cId="2475437850" sldId="266"/>
-        </pc:sldMkLst>
-        <pc:spChg chg="mod">
-          <ac:chgData name="Jerron Pierro" userId="S::jpierro@unomaha.edu::68f5a41d-cea4-4313-9983-2330513e27a6" providerId="AD" clId="Web-{9044B512-495C-36C6-F507-734F3EBEDA17}" dt="2024-10-23T23:52:24.377" v="5" actId="1076"/>
-          <ac:spMkLst>
-            <pc:docMk/>
-            <pc:sldMk cId="2475437850" sldId="266"/>
-            <ac:spMk id="24" creationId="{2E975AD6-84F1-3370-32AA-5FDD58D5C26D}"/>
-          </ac:spMkLst>
-        </pc:spChg>
-        <pc:picChg chg="mod">
-          <ac:chgData name="Jerron Pierro" userId="S::jpierro@unomaha.edu::68f5a41d-cea4-4313-9983-2330513e27a6" providerId="AD" clId="Web-{9044B512-495C-36C6-F507-734F3EBEDA17}" dt="2024-10-23T23:52:16.345" v="4" actId="14100"/>
-          <ac:picMkLst>
-            <pc:docMk/>
-            <pc:sldMk cId="2475437850" sldId="266"/>
-            <ac:picMk id="19" creationId="{6618B144-A289-88F3-DFD7-3F9E36E0109E}"/>
-          </ac:picMkLst>
-        </pc:picChg>
-      </pc:sldChg>
-    </pc:docChg>
-  </pc:docChgLst>
-  <pc:docChgLst>
-    <pc:chgData name="Cole Nardini" userId="10a0c690-7d77-4a83-91d4-c381712424d4" providerId="ADAL" clId="{DA0205BD-D33E-431C-8739-C7AA55D5168F}"/>
-    <pc:docChg chg="undo redo custSel addSld delSld modSld">
-      <pc:chgData name="Cole Nardini" userId="10a0c690-7d77-4a83-91d4-c381712424d4" providerId="ADAL" clId="{DA0205BD-D33E-431C-8739-C7AA55D5168F}" dt="2024-10-23T01:04:59.418" v="1276" actId="693"/>
-      <pc:docMkLst>
-        <pc:docMk/>
-      </pc:docMkLst>
-      <pc:sldChg chg="addSp modSp mod">
-        <pc:chgData name="Cole Nardini" userId="10a0c690-7d77-4a83-91d4-c381712424d4" providerId="ADAL" clId="{DA0205BD-D33E-431C-8739-C7AA55D5168F}" dt="2024-10-23T00:39:23.470" v="370" actId="1076"/>
-        <pc:sldMkLst>
-          <pc:docMk/>
-          <pc:sldMk cId="109857222" sldId="256"/>
-        </pc:sldMkLst>
-        <pc:spChg chg="add mod">
-          <ac:chgData name="Cole Nardini" userId="10a0c690-7d77-4a83-91d4-c381712424d4" providerId="ADAL" clId="{DA0205BD-D33E-431C-8739-C7AA55D5168F}" dt="2024-10-23T00:39:23.470" v="370" actId="1076"/>
-          <ac:spMkLst>
-            <pc:docMk/>
-            <pc:sldMk cId="109857222" sldId="256"/>
-            <ac:spMk id="4" creationId="{1649B513-443E-809B-5BF0-4B43DD68419C}"/>
-          </ac:spMkLst>
-        </pc:spChg>
-      </pc:sldChg>
-      <pc:sldChg chg="addSp delSp modSp mod">
-        <pc:chgData name="Cole Nardini" userId="10a0c690-7d77-4a83-91d4-c381712424d4" providerId="ADAL" clId="{DA0205BD-D33E-431C-8739-C7AA55D5168F}" dt="2024-10-23T00:43:19.098" v="612" actId="14100"/>
-        <pc:sldMkLst>
-          <pc:docMk/>
-          <pc:sldMk cId="3974359677" sldId="257"/>
-        </pc:sldMkLst>
-        <pc:spChg chg="add del mod">
-          <ac:chgData name="Cole Nardini" userId="10a0c690-7d77-4a83-91d4-c381712424d4" providerId="ADAL" clId="{DA0205BD-D33E-431C-8739-C7AA55D5168F}" dt="2024-10-23T00:41:22.052" v="447" actId="478"/>
-          <ac:spMkLst>
-            <pc:docMk/>
-            <pc:sldMk cId="3974359677" sldId="257"/>
-            <ac:spMk id="2" creationId="{EA9D41D8-7B1F-3313-5375-5AD11D4B95F3}"/>
-          </ac:spMkLst>
-        </pc:spChg>
-        <pc:spChg chg="add mod">
-          <ac:chgData name="Cole Nardini" userId="10a0c690-7d77-4a83-91d4-c381712424d4" providerId="ADAL" clId="{DA0205BD-D33E-431C-8739-C7AA55D5168F}" dt="2024-10-23T00:39:51.973" v="375" actId="207"/>
-          <ac:spMkLst>
-            <pc:docMk/>
-            <pc:sldMk cId="3974359677" sldId="257"/>
-            <ac:spMk id="4" creationId="{BA6BA4CB-4B39-36A1-3D88-658C752E4355}"/>
-          </ac:spMkLst>
-        </pc:spChg>
-        <pc:spChg chg="add mod">
-          <ac:chgData name="Cole Nardini" userId="10a0c690-7d77-4a83-91d4-c381712424d4" providerId="ADAL" clId="{DA0205BD-D33E-431C-8739-C7AA55D5168F}" dt="2024-10-23T00:40:46.484" v="425" actId="1076"/>
-          <ac:spMkLst>
-            <pc:docMk/>
-            <pc:sldMk cId="3974359677" sldId="257"/>
-            <ac:spMk id="10" creationId="{879E4FDC-6772-CFC7-456D-B268BF2D2D1F}"/>
-          </ac:spMkLst>
-        </pc:spChg>
-        <pc:spChg chg="add mod">
-          <ac:chgData name="Cole Nardini" userId="10a0c690-7d77-4a83-91d4-c381712424d4" providerId="ADAL" clId="{DA0205BD-D33E-431C-8739-C7AA55D5168F}" dt="2024-10-23T00:40:15.792" v="418"/>
-          <ac:spMkLst>
-            <pc:docMk/>
-            <pc:sldMk cId="3974359677" sldId="257"/>
-            <ac:spMk id="11" creationId="{0F38E0B6-360D-0EAB-07B9-A8507748DE60}"/>
-          </ac:spMkLst>
-        </pc:spChg>
-        <pc:spChg chg="mod">
-          <ac:chgData name="Cole Nardini" userId="10a0c690-7d77-4a83-91d4-c381712424d4" providerId="ADAL" clId="{DA0205BD-D33E-431C-8739-C7AA55D5168F}" dt="2024-10-23T00:23:45.761" v="23" actId="27636"/>
-          <ac:spMkLst>
-            <pc:docMk/>
-            <pc:sldMk cId="3974359677" sldId="257"/>
-            <ac:spMk id="12" creationId="{78706E20-A710-40EE-1D65-70E8CB23D2EA}"/>
-          </ac:spMkLst>
-        </pc:spChg>
-        <pc:spChg chg="add mod">
-          <ac:chgData name="Cole Nardini" userId="10a0c690-7d77-4a83-91d4-c381712424d4" providerId="ADAL" clId="{DA0205BD-D33E-431C-8739-C7AA55D5168F}" dt="2024-10-23T00:40:30.458" v="423" actId="14100"/>
-          <ac:spMkLst>
-            <pc:docMk/>
-            <pc:sldMk cId="3974359677" sldId="257"/>
-            <ac:spMk id="13" creationId="{352C7F09-90BC-4EF2-2446-DEA84E020900}"/>
-          </ac:spMkLst>
-        </pc:spChg>
-        <pc:spChg chg="add mod">
-          <ac:chgData name="Cole Nardini" userId="10a0c690-7d77-4a83-91d4-c381712424d4" providerId="ADAL" clId="{DA0205BD-D33E-431C-8739-C7AA55D5168F}" dt="2024-10-23T00:40:54.149" v="440" actId="20577"/>
-          <ac:spMkLst>
-            <pc:docMk/>
-            <pc:sldMk cId="3974359677" sldId="257"/>
-            <ac:spMk id="14" creationId="{50570CC4-FA39-6B2B-EF00-21F36C3BF6FF}"/>
-          </ac:spMkLst>
-        </pc:spChg>
-        <pc:spChg chg="add mod">
-          <ac:chgData name="Cole Nardini" userId="10a0c690-7d77-4a83-91d4-c381712424d4" providerId="ADAL" clId="{DA0205BD-D33E-431C-8739-C7AA55D5168F}" dt="2024-10-23T00:41:35.948" v="452" actId="14100"/>
-          <ac:spMkLst>
-            <pc:docMk/>
-            <pc:sldMk cId="3974359677" sldId="257"/>
-            <ac:spMk id="23" creationId="{A640A7E6-61A7-D6D5-EBB3-44E86C5EDD99}"/>
-          </ac:spMkLst>
-        </pc:spChg>
-        <pc:spChg chg="add mod">
-          <ac:chgData name="Cole Nardini" userId="10a0c690-7d77-4a83-91d4-c381712424d4" providerId="ADAL" clId="{DA0205BD-D33E-431C-8739-C7AA55D5168F}" dt="2024-10-23T00:42:44.974" v="587" actId="20577"/>
-          <ac:spMkLst>
-            <pc:docMk/>
-            <pc:sldMk cId="3974359677" sldId="257"/>
-            <ac:spMk id="24" creationId="{95E87400-3E63-3AC4-613A-199AFA3BFA88}"/>
-          </ac:spMkLst>
-        </pc:spChg>
-        <pc:spChg chg="add mod">
-          <ac:chgData name="Cole Nardini" userId="10a0c690-7d77-4a83-91d4-c381712424d4" providerId="ADAL" clId="{DA0205BD-D33E-431C-8739-C7AA55D5168F}" dt="2024-10-23T00:42:57.745" v="590" actId="14100"/>
-          <ac:spMkLst>
-            <pc:docMk/>
-            <pc:sldMk cId="3974359677" sldId="257"/>
-            <ac:spMk id="25" creationId="{E5BFD86D-6DBC-BA18-8FDF-3A3FAFBE1B84}"/>
-          </ac:spMkLst>
-        </pc:spChg>
-        <pc:spChg chg="add mod">
-          <ac:chgData name="Cole Nardini" userId="10a0c690-7d77-4a83-91d4-c381712424d4" providerId="ADAL" clId="{DA0205BD-D33E-431C-8739-C7AA55D5168F}" dt="2024-10-23T00:43:19.098" v="612" actId="14100"/>
-          <ac:spMkLst>
-            <pc:docMk/>
-            <pc:sldMk cId="3974359677" sldId="257"/>
-            <ac:spMk id="29" creationId="{A7E6C880-3002-0477-CAF9-2FCE9ACEC6E2}"/>
-          </ac:spMkLst>
-        </pc:spChg>
-        <pc:cxnChg chg="add mod">
-          <ac:chgData name="Cole Nardini" userId="10a0c690-7d77-4a83-91d4-c381712424d4" providerId="ADAL" clId="{DA0205BD-D33E-431C-8739-C7AA55D5168F}" dt="2024-10-23T00:41:10.402" v="443" actId="208"/>
-          <ac:cxnSpMkLst>
-            <pc:docMk/>
-            <pc:sldMk cId="3974359677" sldId="257"/>
-            <ac:cxnSpMk id="17" creationId="{4E3FB91A-0C8C-FBCC-37B4-DBA64CA64938}"/>
-          </ac:cxnSpMkLst>
-        </pc:cxnChg>
-        <pc:cxnChg chg="add mod">
-          <ac:chgData name="Cole Nardini" userId="10a0c690-7d77-4a83-91d4-c381712424d4" providerId="ADAL" clId="{DA0205BD-D33E-431C-8739-C7AA55D5168F}" dt="2024-10-23T00:41:17.191" v="446" actId="14100"/>
-          <ac:cxnSpMkLst>
-            <pc:docMk/>
-            <pc:sldMk cId="3974359677" sldId="257"/>
-            <ac:cxnSpMk id="19" creationId="{464426EA-0503-A966-CC93-E29E889B8E53}"/>
-          </ac:cxnSpMkLst>
-        </pc:cxnChg>
-        <pc:cxnChg chg="add mod">
-          <ac:chgData name="Cole Nardini" userId="10a0c690-7d77-4a83-91d4-c381712424d4" providerId="ADAL" clId="{DA0205BD-D33E-431C-8739-C7AA55D5168F}" dt="2024-10-23T00:41:39.930" v="453" actId="1076"/>
-          <ac:cxnSpMkLst>
-            <pc:docMk/>
-            <pc:sldMk cId="3974359677" sldId="257"/>
-            <ac:cxnSpMk id="22" creationId="{AC6EF8F5-22F4-B0D7-DBD1-6DED75F5F9A3}"/>
-          </ac:cxnSpMkLst>
-        </pc:cxnChg>
-        <pc:cxnChg chg="add mod">
-          <ac:chgData name="Cole Nardini" userId="10a0c690-7d77-4a83-91d4-c381712424d4" providerId="ADAL" clId="{DA0205BD-D33E-431C-8739-C7AA55D5168F}" dt="2024-10-23T00:43:05.373" v="594" actId="14100"/>
-          <ac:cxnSpMkLst>
-            <pc:docMk/>
-            <pc:sldMk cId="3974359677" sldId="257"/>
-            <ac:cxnSpMk id="26" creationId="{4F96949A-43D8-598A-6A11-B224C7702C29}"/>
-          </ac:cxnSpMkLst>
-        </pc:cxnChg>
-      </pc:sldChg>
-      <pc:sldChg chg="addSp modSp mod">
-        <pc:chgData name="Cole Nardini" userId="10a0c690-7d77-4a83-91d4-c381712424d4" providerId="ADAL" clId="{DA0205BD-D33E-431C-8739-C7AA55D5168F}" dt="2024-10-23T00:43:52.963" v="681" actId="20577"/>
-        <pc:sldMkLst>
-          <pc:docMk/>
-          <pc:sldMk cId="2980056297" sldId="258"/>
-        </pc:sldMkLst>
-        <pc:spChg chg="add mod">
-          <ac:chgData name="Cole Nardini" userId="10a0c690-7d77-4a83-91d4-c381712424d4" providerId="ADAL" clId="{DA0205BD-D33E-431C-8739-C7AA55D5168F}" dt="2024-10-23T00:43:32.861" v="613"/>
-          <ac:spMkLst>
-            <pc:docMk/>
-            <pc:sldMk cId="2980056297" sldId="258"/>
-            <ac:spMk id="4" creationId="{9663F50D-1F39-1783-A8F3-C9D4988451A5}"/>
-          </ac:spMkLst>
-        </pc:spChg>
-        <pc:spChg chg="add mod">
-          <ac:chgData name="Cole Nardini" userId="10a0c690-7d77-4a83-91d4-c381712424d4" providerId="ADAL" clId="{DA0205BD-D33E-431C-8739-C7AA55D5168F}" dt="2024-10-23T00:43:52.963" v="681" actId="20577"/>
-          <ac:spMkLst>
-            <pc:docMk/>
-            <pc:sldMk cId="2980056297" sldId="258"/>
-            <ac:spMk id="10" creationId="{6D9BEC4F-6985-D33A-F769-DFDD244A37E8}"/>
-          </ac:spMkLst>
-        </pc:spChg>
-        <pc:spChg chg="mod">
-          <ac:chgData name="Cole Nardini" userId="10a0c690-7d77-4a83-91d4-c381712424d4" providerId="ADAL" clId="{DA0205BD-D33E-431C-8739-C7AA55D5168F}" dt="2024-10-23T00:23:45.766" v="24" actId="27636"/>
-          <ac:spMkLst>
-            <pc:docMk/>
-            <pc:sldMk cId="2980056297" sldId="258"/>
-            <ac:spMk id="12" creationId="{D0318F84-F0EE-A560-6175-0F02D1028F7A}"/>
-          </ac:spMkLst>
-        </pc:spChg>
-        <pc:cxnChg chg="add mod">
-          <ac:chgData name="Cole Nardini" userId="10a0c690-7d77-4a83-91d4-c381712424d4" providerId="ADAL" clId="{DA0205BD-D33E-431C-8739-C7AA55D5168F}" dt="2024-10-23T00:43:32.861" v="613"/>
-          <ac:cxnSpMkLst>
-            <pc:docMk/>
-            <pc:sldMk cId="2980056297" sldId="258"/>
-            <ac:cxnSpMk id="2" creationId="{F96EF0E6-1DD9-DCEE-9AFE-747B562C3521}"/>
-          </ac:cxnSpMkLst>
-        </pc:cxnChg>
-      </pc:sldChg>
-      <pc:sldChg chg="addSp delSp modSp mod">
-        <pc:chgData name="Cole Nardini" userId="10a0c690-7d77-4a83-91d4-c381712424d4" providerId="ADAL" clId="{DA0205BD-D33E-431C-8739-C7AA55D5168F}" dt="2024-10-23T01:01:41.979" v="1079" actId="20577"/>
-        <pc:sldMkLst>
-          <pc:docMk/>
-          <pc:sldMk cId="856122903" sldId="259"/>
-        </pc:sldMkLst>
-        <pc:spChg chg="mod">
-          <ac:chgData name="Cole Nardini" userId="10a0c690-7d77-4a83-91d4-c381712424d4" providerId="ADAL" clId="{DA0205BD-D33E-431C-8739-C7AA55D5168F}" dt="2024-10-23T00:23:05.653" v="14" actId="207"/>
-          <ac:spMkLst>
-            <pc:docMk/>
-            <pc:sldMk cId="856122903" sldId="259"/>
-            <ac:spMk id="4" creationId="{19839889-879D-F36D-1A1A-A6CBB472C318}"/>
-          </ac:spMkLst>
-        </pc:spChg>
-        <pc:spChg chg="mod">
-          <ac:chgData name="Cole Nardini" userId="10a0c690-7d77-4a83-91d4-c381712424d4" providerId="ADAL" clId="{DA0205BD-D33E-431C-8739-C7AA55D5168F}" dt="2024-10-23T00:23:05.653" v="14" actId="207"/>
-          <ac:spMkLst>
-            <pc:docMk/>
-            <pc:sldMk cId="856122903" sldId="259"/>
-            <ac:spMk id="5" creationId="{74311330-18C6-0550-6EAC-C36D6D1B165B}"/>
-          </ac:spMkLst>
-        </pc:spChg>
-        <pc:spChg chg="mod">
-          <ac:chgData name="Cole Nardini" userId="10a0c690-7d77-4a83-91d4-c381712424d4" providerId="ADAL" clId="{DA0205BD-D33E-431C-8739-C7AA55D5168F}" dt="2024-10-23T00:23:05.653" v="14" actId="207"/>
-          <ac:spMkLst>
-            <pc:docMk/>
-            <pc:sldMk cId="856122903" sldId="259"/>
-            <ac:spMk id="6" creationId="{D275FA06-4FFB-A50D-B014-B9C075E60869}"/>
-          </ac:spMkLst>
-        </pc:spChg>
-        <pc:spChg chg="mod">
-          <ac:chgData name="Cole Nardini" userId="10a0c690-7d77-4a83-91d4-c381712424d4" providerId="ADAL" clId="{DA0205BD-D33E-431C-8739-C7AA55D5168F}" dt="2024-10-23T00:23:05.653" v="14" actId="207"/>
-          <ac:spMkLst>
-            <pc:docMk/>
-            <pc:sldMk cId="856122903" sldId="259"/>
-            <ac:spMk id="7" creationId="{0EED6560-1E0B-D4DF-B052-EEB372E1D14F}"/>
-          </ac:spMkLst>
-        </pc:spChg>
-        <pc:spChg chg="mod">
-          <ac:chgData name="Cole Nardini" userId="10a0c690-7d77-4a83-91d4-c381712424d4" providerId="ADAL" clId="{DA0205BD-D33E-431C-8739-C7AA55D5168F}" dt="2024-10-23T00:23:05.653" v="14" actId="207"/>
-          <ac:spMkLst>
-            <pc:docMk/>
-            <pc:sldMk cId="856122903" sldId="259"/>
-            <ac:spMk id="9" creationId="{0EBFF502-7E51-BF8D-664A-B62567E5BCD8}"/>
-          </ac:spMkLst>
-        </pc:spChg>
-        <pc:spChg chg="mod">
-          <ac:chgData name="Cole Nardini" userId="10a0c690-7d77-4a83-91d4-c381712424d4" providerId="ADAL" clId="{DA0205BD-D33E-431C-8739-C7AA55D5168F}" dt="2024-10-23T00:23:05.653" v="14" actId="207"/>
-          <ac:spMkLst>
-            <pc:docMk/>
-            <pc:sldMk cId="856122903" sldId="259"/>
-            <ac:spMk id="10" creationId="{EC433B28-F1C0-B646-B64C-E16406BE5823}"/>
-          </ac:spMkLst>
-        </pc:spChg>
-        <pc:spChg chg="mod">
-          <ac:chgData name="Cole Nardini" userId="10a0c690-7d77-4a83-91d4-c381712424d4" providerId="ADAL" clId="{DA0205BD-D33E-431C-8739-C7AA55D5168F}" dt="2024-10-23T00:23:05.653" v="14" actId="207"/>
-          <ac:spMkLst>
-            <pc:docMk/>
-            <pc:sldMk cId="856122903" sldId="259"/>
-            <ac:spMk id="12" creationId="{01FBDDC1-A4E0-BAB3-170C-7B132E7A3E2E}"/>
-          </ac:spMkLst>
-        </pc:spChg>
-        <pc:spChg chg="mod">
-          <ac:chgData name="Cole Nardini" userId="10a0c690-7d77-4a83-91d4-c381712424d4" providerId="ADAL" clId="{DA0205BD-D33E-431C-8739-C7AA55D5168F}" dt="2024-10-23T00:23:05.653" v="14" actId="207"/>
-          <ac:spMkLst>
-            <pc:docMk/>
-            <pc:sldMk cId="856122903" sldId="259"/>
-            <ac:spMk id="13" creationId="{FC0152C1-ECBD-8310-1810-28DA4B5B5491}"/>
-          </ac:spMkLst>
-        </pc:spChg>
-        <pc:spChg chg="mod">
-          <ac:chgData name="Cole Nardini" userId="10a0c690-7d77-4a83-91d4-c381712424d4" providerId="ADAL" clId="{DA0205BD-D33E-431C-8739-C7AA55D5168F}" dt="2024-10-23T00:23:05.653" v="14" actId="207"/>
-          <ac:spMkLst>
-            <pc:docMk/>
-            <pc:sldMk cId="856122903" sldId="259"/>
-            <ac:spMk id="20" creationId="{B35F5C07-E808-9863-219F-2494B6E7619B}"/>
-          </ac:spMkLst>
-        </pc:spChg>
-        <pc:spChg chg="mod">
-          <ac:chgData name="Cole Nardini" userId="10a0c690-7d77-4a83-91d4-c381712424d4" providerId="ADAL" clId="{DA0205BD-D33E-431C-8739-C7AA55D5168F}" dt="2024-10-23T00:23:05.653" v="14" actId="207"/>
-          <ac:spMkLst>
-            <pc:docMk/>
-            <pc:sldMk cId="856122903" sldId="259"/>
-            <ac:spMk id="21" creationId="{2D05C80F-022D-8D25-D3B1-BCB78781F857}"/>
-          </ac:spMkLst>
-        </pc:spChg>
-        <pc:spChg chg="mod">
-          <ac:chgData name="Cole Nardini" userId="10a0c690-7d77-4a83-91d4-c381712424d4" providerId="ADAL" clId="{DA0205BD-D33E-431C-8739-C7AA55D5168F}" dt="2024-10-23T00:23:05.653" v="14" actId="207"/>
-          <ac:spMkLst>
-            <pc:docMk/>
-            <pc:sldMk cId="856122903" sldId="259"/>
-            <ac:spMk id="22" creationId="{C8106034-7142-677A-8E01-49026C85E817}"/>
-          </ac:spMkLst>
-        </pc:spChg>
-        <pc:spChg chg="mod">
-          <ac:chgData name="Cole Nardini" userId="10a0c690-7d77-4a83-91d4-c381712424d4" providerId="ADAL" clId="{DA0205BD-D33E-431C-8739-C7AA55D5168F}" dt="2024-10-23T00:23:05.653" v="14" actId="207"/>
-          <ac:spMkLst>
-            <pc:docMk/>
-            <pc:sldMk cId="856122903" sldId="259"/>
-            <ac:spMk id="23" creationId="{DC34A7B3-1FBD-1E87-2C6F-51C756BB1589}"/>
-          </ac:spMkLst>
-        </pc:spChg>
-        <pc:spChg chg="mod">
-          <ac:chgData name="Cole Nardini" userId="10a0c690-7d77-4a83-91d4-c381712424d4" providerId="ADAL" clId="{DA0205BD-D33E-431C-8739-C7AA55D5168F}" dt="2024-10-23T00:23:05.653" v="14" actId="207"/>
-          <ac:spMkLst>
-            <pc:docMk/>
-            <pc:sldMk cId="856122903" sldId="259"/>
-            <ac:spMk id="24" creationId="{123AE24A-502C-9663-FFE8-F59535D2454A}"/>
-          </ac:spMkLst>
-        </pc:spChg>
-        <pc:spChg chg="mod">
-          <ac:chgData name="Cole Nardini" userId="10a0c690-7d77-4a83-91d4-c381712424d4" providerId="ADAL" clId="{DA0205BD-D33E-431C-8739-C7AA55D5168F}" dt="2024-10-23T00:23:05.653" v="14" actId="207"/>
-          <ac:spMkLst>
-            <pc:docMk/>
-            <pc:sldMk cId="856122903" sldId="259"/>
-            <ac:spMk id="25" creationId="{FDCC2EAF-6881-ACCD-B74D-CC2A14F47065}"/>
-          </ac:spMkLst>
-        </pc:spChg>
-        <pc:spChg chg="mod">
-          <ac:chgData name="Cole Nardini" userId="10a0c690-7d77-4a83-91d4-c381712424d4" providerId="ADAL" clId="{DA0205BD-D33E-431C-8739-C7AA55D5168F}" dt="2024-10-23T00:23:23.009" v="15" actId="207"/>
-          <ac:spMkLst>
-            <pc:docMk/>
-            <pc:sldMk cId="856122903" sldId="259"/>
-            <ac:spMk id="32" creationId="{33BB8416-EC5C-4E6E-4880-9CE90D317E95}"/>
-          </ac:spMkLst>
-        </pc:spChg>
-        <pc:spChg chg="mod">
-          <ac:chgData name="Cole Nardini" userId="10a0c690-7d77-4a83-91d4-c381712424d4" providerId="ADAL" clId="{DA0205BD-D33E-431C-8739-C7AA55D5168F}" dt="2024-10-23T00:23:45.752" v="21" actId="27636"/>
-          <ac:spMkLst>
-            <pc:docMk/>
-            <pc:sldMk cId="856122903" sldId="259"/>
-            <ac:spMk id="36" creationId="{879BEE55-263B-B855-0395-648D577B4C15}"/>
-          </ac:spMkLst>
-        </pc:spChg>
-        <pc:spChg chg="add mod">
-          <ac:chgData name="Cole Nardini" userId="10a0c690-7d77-4a83-91d4-c381712424d4" providerId="ADAL" clId="{DA0205BD-D33E-431C-8739-C7AA55D5168F}" dt="2024-10-23T01:01:41.979" v="1079" actId="20577"/>
-          <ac:spMkLst>
-            <pc:docMk/>
-            <pc:sldMk cId="856122903" sldId="259"/>
-            <ac:spMk id="43" creationId="{926436FB-0214-9000-F14D-565E8149EC1A}"/>
-          </ac:spMkLst>
-        </pc:spChg>
-        <pc:spChg chg="add mod">
-          <ac:chgData name="Cole Nardini" userId="10a0c690-7d77-4a83-91d4-c381712424d4" providerId="ADAL" clId="{DA0205BD-D33E-431C-8739-C7AA55D5168F}" dt="2024-10-23T00:58:44.191" v="1006" actId="14100"/>
-          <ac:spMkLst>
-            <pc:docMk/>
-            <pc:sldMk cId="856122903" sldId="259"/>
-            <ac:spMk id="45" creationId="{737EF96C-1B4C-1457-3E30-0C8AFD311370}"/>
-          </ac:spMkLst>
-        </pc:spChg>
-        <pc:spChg chg="add mod">
-          <ac:chgData name="Cole Nardini" userId="10a0c690-7d77-4a83-91d4-c381712424d4" providerId="ADAL" clId="{DA0205BD-D33E-431C-8739-C7AA55D5168F}" dt="2024-10-23T01:00:23.059" v="1049" actId="20577"/>
-          <ac:spMkLst>
-            <pc:docMk/>
-            <pc:sldMk cId="856122903" sldId="259"/>
-            <ac:spMk id="52" creationId="{6F617D0B-91EA-77C5-F088-4A01AE1628B8}"/>
-          </ac:spMkLst>
-        </pc:spChg>
-        <pc:spChg chg="add mod">
-          <ac:chgData name="Cole Nardini" userId="10a0c690-7d77-4a83-91d4-c381712424d4" providerId="ADAL" clId="{DA0205BD-D33E-431C-8739-C7AA55D5168F}" dt="2024-10-23T01:00:01.117" v="1021" actId="14100"/>
-          <ac:spMkLst>
-            <pc:docMk/>
-            <pc:sldMk cId="856122903" sldId="259"/>
-            <ac:spMk id="54" creationId="{03C1AE06-D135-3AA0-62D0-9CEB2173C087}"/>
-          </ac:spMkLst>
-        </pc:spChg>
-        <pc:grpChg chg="mod">
-          <ac:chgData name="Cole Nardini" userId="10a0c690-7d77-4a83-91d4-c381712424d4" providerId="ADAL" clId="{DA0205BD-D33E-431C-8739-C7AA55D5168F}" dt="2024-10-23T00:23:05.653" v="14" actId="207"/>
-          <ac:grpSpMkLst>
-            <pc:docMk/>
-            <pc:sldMk cId="856122903" sldId="259"/>
-            <ac:grpSpMk id="3" creationId="{B9B94060-85BC-34EC-31B1-3A057C4F83B4}"/>
-          </ac:grpSpMkLst>
-        </pc:grpChg>
-        <pc:grpChg chg="mod">
-          <ac:chgData name="Cole Nardini" userId="10a0c690-7d77-4a83-91d4-c381712424d4" providerId="ADAL" clId="{DA0205BD-D33E-431C-8739-C7AA55D5168F}" dt="2024-10-23T00:23:05.653" v="14" actId="207"/>
-          <ac:grpSpMkLst>
-            <pc:docMk/>
-            <pc:sldMk cId="856122903" sldId="259"/>
-            <ac:grpSpMk id="31" creationId="{F1F1DA6D-1880-7260-7A01-1BE747DB63FA}"/>
-          </ac:grpSpMkLst>
-        </pc:grpChg>
-        <pc:picChg chg="add mod ord">
-          <ac:chgData name="Cole Nardini" userId="10a0c690-7d77-4a83-91d4-c381712424d4" providerId="ADAL" clId="{DA0205BD-D33E-431C-8739-C7AA55D5168F}" dt="2024-10-23T00:59:54.957" v="1019" actId="1076"/>
-          <ac:picMkLst>
-            <pc:docMk/>
-            <pc:sldMk cId="856122903" sldId="259"/>
-            <ac:picMk id="11" creationId="{0153DBEF-22C8-91C6-CAD2-A4C08C1BF49E}"/>
-          </ac:picMkLst>
-        </pc:picChg>
-        <pc:inkChg chg="add del">
-          <ac:chgData name="Cole Nardini" userId="10a0c690-7d77-4a83-91d4-c381712424d4" providerId="ADAL" clId="{DA0205BD-D33E-431C-8739-C7AA55D5168F}" dt="2024-10-23T00:23:45.734" v="20"/>
-          <ac:inkMkLst>
-            <pc:docMk/>
-            <pc:sldMk cId="856122903" sldId="259"/>
-            <ac:inkMk id="19" creationId="{D66FFF4E-4392-0530-3F3B-F9A9BAA3407F}"/>
-          </ac:inkMkLst>
-        </pc:inkChg>
-        <pc:inkChg chg="add del">
-          <ac:chgData name="Cole Nardini" userId="10a0c690-7d77-4a83-91d4-c381712424d4" providerId="ADAL" clId="{DA0205BD-D33E-431C-8739-C7AA55D5168F}" dt="2024-10-23T00:24:16.163" v="30"/>
-          <ac:inkMkLst>
-            <pc:docMk/>
-            <pc:sldMk cId="856122903" sldId="259"/>
-            <ac:inkMk id="34" creationId="{4DF55443-CB15-6EED-4ACA-E90ED9E71EA0}"/>
-          </ac:inkMkLst>
-        </pc:inkChg>
-        <pc:inkChg chg="add del">
-          <ac:chgData name="Cole Nardini" userId="10a0c690-7d77-4a83-91d4-c381712424d4" providerId="ADAL" clId="{DA0205BD-D33E-431C-8739-C7AA55D5168F}" dt="2024-10-23T00:24:21.500" v="32"/>
-          <ac:inkMkLst>
-            <pc:docMk/>
-            <pc:sldMk cId="856122903" sldId="259"/>
-            <ac:inkMk id="35" creationId="{EC42C5C3-5460-7881-7C7C-5FDB925674F7}"/>
-          </ac:inkMkLst>
-        </pc:inkChg>
-        <pc:inkChg chg="add del">
-          <ac:chgData name="Cole Nardini" userId="10a0c690-7d77-4a83-91d4-c381712424d4" providerId="ADAL" clId="{DA0205BD-D33E-431C-8739-C7AA55D5168F}" dt="2024-10-23T00:59:01.380" v="1010"/>
-          <ac:inkMkLst>
-            <pc:docMk/>
-            <pc:sldMk cId="856122903" sldId="259"/>
-            <ac:inkMk id="37" creationId="{D4CCEFDA-605D-A97C-1ED9-59AFA88A5D0D}"/>
-          </ac:inkMkLst>
-        </pc:inkChg>
-        <pc:inkChg chg="add del">
-          <ac:chgData name="Cole Nardini" userId="10a0c690-7d77-4a83-91d4-c381712424d4" providerId="ADAL" clId="{DA0205BD-D33E-431C-8739-C7AA55D5168F}" dt="2024-10-23T00:24:19.378" v="31"/>
-          <ac:inkMkLst>
-            <pc:docMk/>
-            <pc:sldMk cId="856122903" sldId="259"/>
-            <ac:inkMk id="39" creationId="{8D76029F-FAEE-1A15-E524-95B22DECCBA7}"/>
-          </ac:inkMkLst>
-        </pc:inkChg>
-        <pc:inkChg chg="add del">
-          <ac:chgData name="Cole Nardini" userId="10a0c690-7d77-4a83-91d4-c381712424d4" providerId="ADAL" clId="{DA0205BD-D33E-431C-8739-C7AA55D5168F}" dt="2024-10-23T00:59:00.857" v="1009"/>
-          <ac:inkMkLst>
-            <pc:docMk/>
-            <pc:sldMk cId="856122903" sldId="259"/>
-            <ac:inkMk id="41" creationId="{E5A86BCD-FEB2-CF45-C5D8-35613E09F984}"/>
-          </ac:inkMkLst>
-        </pc:inkChg>
-        <pc:inkChg chg="add">
-          <ac:chgData name="Cole Nardini" userId="10a0c690-7d77-4a83-91d4-c381712424d4" providerId="ADAL" clId="{DA0205BD-D33E-431C-8739-C7AA55D5168F}" dt="2024-10-23T00:59:05.480" v="1011" actId="9405"/>
-          <ac:inkMkLst>
-            <pc:docMk/>
-            <pc:sldMk cId="856122903" sldId="259"/>
-            <ac:inkMk id="49" creationId="{95061225-320A-B413-2F4A-1631096D9903}"/>
-          </ac:inkMkLst>
-        </pc:inkChg>
-        <pc:inkChg chg="add">
-          <ac:chgData name="Cole Nardini" userId="10a0c690-7d77-4a83-91d4-c381712424d4" providerId="ADAL" clId="{DA0205BD-D33E-431C-8739-C7AA55D5168F}" dt="2024-10-23T00:59:09.467" v="1012" actId="9405"/>
-          <ac:inkMkLst>
-            <pc:docMk/>
-            <pc:sldMk cId="856122903" sldId="259"/>
-            <ac:inkMk id="50" creationId="{25D244EC-1AD0-FE04-1B8F-AA5E1C1BB082}"/>
-          </ac:inkMkLst>
-        </pc:inkChg>
-        <pc:cxnChg chg="mod">
-          <ac:chgData name="Cole Nardini" userId="10a0c690-7d77-4a83-91d4-c381712424d4" providerId="ADAL" clId="{DA0205BD-D33E-431C-8739-C7AA55D5168F}" dt="2024-10-23T00:23:05.653" v="14" actId="207"/>
-          <ac:cxnSpMkLst>
-            <pc:docMk/>
-            <pc:sldMk cId="856122903" sldId="259"/>
-            <ac:cxnSpMk id="14" creationId="{9F87C485-C898-2D37-151E-64E215FDBE2A}"/>
-          </ac:cxnSpMkLst>
-        </pc:cxnChg>
-        <pc:cxnChg chg="mod">
-          <ac:chgData name="Cole Nardini" userId="10a0c690-7d77-4a83-91d4-c381712424d4" providerId="ADAL" clId="{DA0205BD-D33E-431C-8739-C7AA55D5168F}" dt="2024-10-23T00:23:05.653" v="14" actId="207"/>
-          <ac:cxnSpMkLst>
-            <pc:docMk/>
-            <pc:sldMk cId="856122903" sldId="259"/>
-            <ac:cxnSpMk id="15" creationId="{24D4BB44-4410-298C-5B83-44D7B1949BEA}"/>
-          </ac:cxnSpMkLst>
-        </pc:cxnChg>
-        <pc:cxnChg chg="mod">
-          <ac:chgData name="Cole Nardini" userId="10a0c690-7d77-4a83-91d4-c381712424d4" providerId="ADAL" clId="{DA0205BD-D33E-431C-8739-C7AA55D5168F}" dt="2024-10-23T00:23:05.653" v="14" actId="207"/>
-          <ac:cxnSpMkLst>
-            <pc:docMk/>
-            <pc:sldMk cId="856122903" sldId="259"/>
-            <ac:cxnSpMk id="16" creationId="{1AC1A4D9-895F-407D-6EE5-E80EDB9A4AE7}"/>
-          </ac:cxnSpMkLst>
-        </pc:cxnChg>
-        <pc:cxnChg chg="mod">
-          <ac:chgData name="Cole Nardini" userId="10a0c690-7d77-4a83-91d4-c381712424d4" providerId="ADAL" clId="{DA0205BD-D33E-431C-8739-C7AA55D5168F}" dt="2024-10-23T00:23:05.653" v="14" actId="207"/>
-          <ac:cxnSpMkLst>
-            <pc:docMk/>
-            <pc:sldMk cId="856122903" sldId="259"/>
-            <ac:cxnSpMk id="17" creationId="{62CFC407-7121-E657-2954-7F935E12A404}"/>
-          </ac:cxnSpMkLst>
-        </pc:cxnChg>
-        <pc:cxnChg chg="mod">
-          <ac:chgData name="Cole Nardini" userId="10a0c690-7d77-4a83-91d4-c381712424d4" providerId="ADAL" clId="{DA0205BD-D33E-431C-8739-C7AA55D5168F}" dt="2024-10-23T00:23:05.653" v="14" actId="207"/>
-          <ac:cxnSpMkLst>
-            <pc:docMk/>
-            <pc:sldMk cId="856122903" sldId="259"/>
-            <ac:cxnSpMk id="18" creationId="{8F7CED10-4A45-9882-FB0E-0C0682B9FC84}"/>
-          </ac:cxnSpMkLst>
-        </pc:cxnChg>
-        <pc:cxnChg chg="mod">
-          <ac:chgData name="Cole Nardini" userId="10a0c690-7d77-4a83-91d4-c381712424d4" providerId="ADAL" clId="{DA0205BD-D33E-431C-8739-C7AA55D5168F}" dt="2024-10-23T00:23:05.653" v="14" actId="207"/>
-          <ac:cxnSpMkLst>
-            <pc:docMk/>
-            <pc:sldMk cId="856122903" sldId="259"/>
-            <ac:cxnSpMk id="26" creationId="{59BAEB87-5F40-6907-2BC8-135C692F5EAA}"/>
-          </ac:cxnSpMkLst>
-        </pc:cxnChg>
-        <pc:cxnChg chg="mod">
-          <ac:chgData name="Cole Nardini" userId="10a0c690-7d77-4a83-91d4-c381712424d4" providerId="ADAL" clId="{DA0205BD-D33E-431C-8739-C7AA55D5168F}" dt="2024-10-23T00:23:05.653" v="14" actId="207"/>
-          <ac:cxnSpMkLst>
-            <pc:docMk/>
-            <pc:sldMk cId="856122903" sldId="259"/>
-            <ac:cxnSpMk id="27" creationId="{9DE0EDFA-C6CC-26B4-3C03-8AA9A31E919F}"/>
-          </ac:cxnSpMkLst>
-        </pc:cxnChg>
-        <pc:cxnChg chg="mod">
-          <ac:chgData name="Cole Nardini" userId="10a0c690-7d77-4a83-91d4-c381712424d4" providerId="ADAL" clId="{DA0205BD-D33E-431C-8739-C7AA55D5168F}" dt="2024-10-23T00:23:05.653" v="14" actId="207"/>
-          <ac:cxnSpMkLst>
-            <pc:docMk/>
-            <pc:sldMk cId="856122903" sldId="259"/>
-            <ac:cxnSpMk id="28" creationId="{95445BC8-60EA-BC0E-1F49-65DB85771839}"/>
-          </ac:cxnSpMkLst>
-        </pc:cxnChg>
-        <pc:cxnChg chg="mod">
-          <ac:chgData name="Cole Nardini" userId="10a0c690-7d77-4a83-91d4-c381712424d4" providerId="ADAL" clId="{DA0205BD-D33E-431C-8739-C7AA55D5168F}" dt="2024-10-23T00:23:05.653" v="14" actId="207"/>
-          <ac:cxnSpMkLst>
-            <pc:docMk/>
-            <pc:sldMk cId="856122903" sldId="259"/>
-            <ac:cxnSpMk id="29" creationId="{FFD635F0-9811-DD3E-F507-6CA954F4E2D9}"/>
-          </ac:cxnSpMkLst>
-        </pc:cxnChg>
-        <pc:cxnChg chg="mod">
-          <ac:chgData name="Cole Nardini" userId="10a0c690-7d77-4a83-91d4-c381712424d4" providerId="ADAL" clId="{DA0205BD-D33E-431C-8739-C7AA55D5168F}" dt="2024-10-23T00:23:05.653" v="14" actId="207"/>
-          <ac:cxnSpMkLst>
-            <pc:docMk/>
-            <pc:sldMk cId="856122903" sldId="259"/>
-            <ac:cxnSpMk id="30" creationId="{D6934368-4ECB-6A53-D90C-D911ED994DC7}"/>
-          </ac:cxnSpMkLst>
-        </pc:cxnChg>
-        <pc:cxnChg chg="add mod">
-          <ac:chgData name="Cole Nardini" userId="10a0c690-7d77-4a83-91d4-c381712424d4" providerId="ADAL" clId="{DA0205BD-D33E-431C-8739-C7AA55D5168F}" dt="2024-10-23T00:59:39.486" v="1013" actId="14100"/>
-          <ac:cxnSpMkLst>
-            <pc:docMk/>
-            <pc:sldMk cId="856122903" sldId="259"/>
-            <ac:cxnSpMk id="44" creationId="{463B3BB5-3623-794F-5A65-CCC3ECA5D8FE}"/>
-          </ac:cxnSpMkLst>
-        </pc:cxnChg>
-        <pc:cxnChg chg="add mod">
-          <ac:chgData name="Cole Nardini" userId="10a0c690-7d77-4a83-91d4-c381712424d4" providerId="ADAL" clId="{DA0205BD-D33E-431C-8739-C7AA55D5168F}" dt="2024-10-23T01:00:06.065" v="1023" actId="14100"/>
-          <ac:cxnSpMkLst>
-            <pc:docMk/>
-            <pc:sldMk cId="856122903" sldId="259"/>
-            <ac:cxnSpMk id="53" creationId="{C28CFF14-895B-F744-AEA3-1FBEAA1ED13A}"/>
-          </ac:cxnSpMkLst>
-        </pc:cxnChg>
-      </pc:sldChg>
-      <pc:sldChg chg="addSp delSp modSp mod">
-        <pc:chgData name="Cole Nardini" userId="10a0c690-7d77-4a83-91d4-c381712424d4" providerId="ADAL" clId="{DA0205BD-D33E-431C-8739-C7AA55D5168F}" dt="2024-10-23T01:02:06.412" v="1128" actId="14100"/>
-        <pc:sldMkLst>
-          <pc:docMk/>
-          <pc:sldMk cId="3817665236" sldId="260"/>
-        </pc:sldMkLst>
-        <pc:spChg chg="add del">
-          <ac:chgData name="Cole Nardini" userId="10a0c690-7d77-4a83-91d4-c381712424d4" providerId="ADAL" clId="{DA0205BD-D33E-431C-8739-C7AA55D5168F}" dt="2024-10-23T00:25:34.130" v="35" actId="478"/>
-          <ac:spMkLst>
-            <pc:docMk/>
-            <pc:sldMk cId="3817665236" sldId="260"/>
-            <ac:spMk id="5" creationId="{4E69B0A1-DCC4-EBBD-D4F0-AAD53B1EA02C}"/>
-          </ac:spMkLst>
-        </pc:spChg>
-        <pc:spChg chg="add mod">
-          <ac:chgData name="Cole Nardini" userId="10a0c690-7d77-4a83-91d4-c381712424d4" providerId="ADAL" clId="{DA0205BD-D33E-431C-8739-C7AA55D5168F}" dt="2024-10-23T00:28:01.458" v="71" actId="14100"/>
-          <ac:spMkLst>
-            <pc:docMk/>
-            <pc:sldMk cId="3817665236" sldId="260"/>
-            <ac:spMk id="6" creationId="{08F69B73-80B5-4431-179C-14B91878B8D6}"/>
-          </ac:spMkLst>
-        </pc:spChg>
-        <pc:spChg chg="mod">
-          <ac:chgData name="Cole Nardini" userId="10a0c690-7d77-4a83-91d4-c381712424d4" providerId="ADAL" clId="{DA0205BD-D33E-431C-8739-C7AA55D5168F}" dt="2024-10-23T00:23:45.759" v="22" actId="27636"/>
-          <ac:spMkLst>
-            <pc:docMk/>
-            <pc:sldMk cId="3817665236" sldId="260"/>
-            <ac:spMk id="7" creationId="{573F2C63-3F85-171C-99F4-9496BCB122B6}"/>
-          </ac:spMkLst>
-        </pc:spChg>
-        <pc:spChg chg="add mod">
-          <ac:chgData name="Cole Nardini" userId="10a0c690-7d77-4a83-91d4-c381712424d4" providerId="ADAL" clId="{DA0205BD-D33E-431C-8739-C7AA55D5168F}" dt="2024-10-23T00:27:57.097" v="70" actId="14100"/>
-          <ac:spMkLst>
-            <pc:docMk/>
-            <pc:sldMk cId="3817665236" sldId="260"/>
-            <ac:spMk id="9" creationId="{ABD0F10A-2053-A722-11DE-B5C472947906}"/>
-          </ac:spMkLst>
-        </pc:spChg>
-        <pc:spChg chg="add mod">
-          <ac:chgData name="Cole Nardini" userId="10a0c690-7d77-4a83-91d4-c381712424d4" providerId="ADAL" clId="{DA0205BD-D33E-431C-8739-C7AA55D5168F}" dt="2024-10-23T00:27:57.097" v="70" actId="14100"/>
-          <ac:spMkLst>
-            <pc:docMk/>
-            <pc:sldMk cId="3817665236" sldId="260"/>
-            <ac:spMk id="11" creationId="{7B703FDE-F902-2333-0CC3-F970E5A1A64C}"/>
-          </ac:spMkLst>
-        </pc:spChg>
-        <pc:spChg chg="add mod">
-          <ac:chgData name="Cole Nardini" userId="10a0c690-7d77-4a83-91d4-c381712424d4" providerId="ADAL" clId="{DA0205BD-D33E-431C-8739-C7AA55D5168F}" dt="2024-10-23T00:27:57.097" v="70" actId="14100"/>
-          <ac:spMkLst>
-            <pc:docMk/>
-            <pc:sldMk cId="3817665236" sldId="260"/>
-            <ac:spMk id="12" creationId="{37618760-D677-6075-C393-3734F3DE41B4}"/>
-          </ac:spMkLst>
-        </pc:spChg>
-        <pc:spChg chg="add mod">
-          <ac:chgData name="Cole Nardini" userId="10a0c690-7d77-4a83-91d4-c381712424d4" providerId="ADAL" clId="{DA0205BD-D33E-431C-8739-C7AA55D5168F}" dt="2024-10-23T00:27:57.097" v="70" actId="14100"/>
-          <ac:spMkLst>
-            <pc:docMk/>
-            <pc:sldMk cId="3817665236" sldId="260"/>
-            <ac:spMk id="14" creationId="{06A20F8F-BD38-7BD8-4A85-FF96F5DF6B46}"/>
-          </ac:spMkLst>
-        </pc:spChg>
-        <pc:spChg chg="add mod">
-          <ac:chgData name="Cole Nardini" userId="10a0c690-7d77-4a83-91d4-c381712424d4" providerId="ADAL" clId="{DA0205BD-D33E-431C-8739-C7AA55D5168F}" dt="2024-10-23T00:28:23.066" v="73" actId="1076"/>
-          <ac:spMkLst>
-            <pc:docMk/>
-            <pc:sldMk cId="3817665236" sldId="260"/>
-            <ac:spMk id="16" creationId="{E858B46B-A8EC-26A7-C0A4-E91711E8F9F3}"/>
-          </ac:spMkLst>
-        </pc:spChg>
-        <pc:spChg chg="add mod">
-          <ac:chgData name="Cole Nardini" userId="10a0c690-7d77-4a83-91d4-c381712424d4" providerId="ADAL" clId="{DA0205BD-D33E-431C-8739-C7AA55D5168F}" dt="2024-10-23T00:28:23.066" v="73" actId="1076"/>
-          <ac:spMkLst>
-            <pc:docMk/>
-            <pc:sldMk cId="3817665236" sldId="260"/>
-            <ac:spMk id="17" creationId="{DC821B78-74B4-A3EB-C7BF-E76348F0A0DD}"/>
-          </ac:spMkLst>
-        </pc:spChg>
-        <pc:spChg chg="add mod">
-          <ac:chgData name="Cole Nardini" userId="10a0c690-7d77-4a83-91d4-c381712424d4" providerId="ADAL" clId="{DA0205BD-D33E-431C-8739-C7AA55D5168F}" dt="2024-10-23T00:28:23.066" v="73" actId="1076"/>
-          <ac:spMkLst>
-            <pc:docMk/>
-            <pc:sldMk cId="3817665236" sldId="260"/>
-            <ac:spMk id="18" creationId="{8064BEE5-4811-63BC-2CB6-2A069332CFC6}"/>
-          </ac:spMkLst>
-        </pc:spChg>
-        <pc:spChg chg="add mod">
-          <ac:chgData name="Cole Nardini" userId="10a0c690-7d77-4a83-91d4-c381712424d4" providerId="ADAL" clId="{DA0205BD-D33E-431C-8739-C7AA55D5168F}" dt="2024-10-23T00:28:29.582" v="77" actId="1076"/>
-          <ac:spMkLst>
-            <pc:docMk/>
-            <pc:sldMk cId="3817665236" sldId="260"/>
-            <ac:spMk id="19" creationId="{DEC3DA0B-EFE7-3BF2-507D-D1DD082F4FA1}"/>
-          </ac:spMkLst>
-        </pc:spChg>
-        <pc:spChg chg="add mod">
-          <ac:chgData name="Cole Nardini" userId="10a0c690-7d77-4a83-91d4-c381712424d4" providerId="ADAL" clId="{DA0205BD-D33E-431C-8739-C7AA55D5168F}" dt="2024-10-23T00:28:36.801" v="80" actId="14100"/>
-          <ac:spMkLst>
-            <pc:docMk/>
-            <pc:sldMk cId="3817665236" sldId="260"/>
-            <ac:spMk id="20" creationId="{80D8EB7E-8347-2171-AC6D-8D7A2F31DAA3}"/>
-          </ac:spMkLst>
-        </pc:spChg>
-        <pc:spChg chg="add del mod">
-          <ac:chgData name="Cole Nardini" userId="10a0c690-7d77-4a83-91d4-c381712424d4" providerId="ADAL" clId="{DA0205BD-D33E-431C-8739-C7AA55D5168F}" dt="2024-10-23T01:00:44.997" v="1056" actId="478"/>
-          <ac:spMkLst>
-            <pc:docMk/>
-            <pc:sldMk cId="3817665236" sldId="260"/>
-            <ac:spMk id="23" creationId="{2C822A90-EB9E-0B11-53EA-77DCB4897DE2}"/>
-          </ac:spMkLst>
-        </pc:spChg>
-        <pc:spChg chg="add del mod">
-          <ac:chgData name="Cole Nardini" userId="10a0c690-7d77-4a83-91d4-c381712424d4" providerId="ADAL" clId="{DA0205BD-D33E-431C-8739-C7AA55D5168F}" dt="2024-10-23T01:00:41.932" v="1053" actId="478"/>
-          <ac:spMkLst>
-            <pc:docMk/>
-            <pc:sldMk cId="3817665236" sldId="260"/>
-            <ac:spMk id="25" creationId="{1364E405-51D8-744D-3CA5-461E48FF04EF}"/>
-          </ac:spMkLst>
-        </pc:spChg>
-        <pc:spChg chg="add mod">
-          <ac:chgData name="Cole Nardini" userId="10a0c690-7d77-4a83-91d4-c381712424d4" providerId="ADAL" clId="{DA0205BD-D33E-431C-8739-C7AA55D5168F}" dt="2024-10-23T01:02:04.192" v="1127" actId="1076"/>
-          <ac:spMkLst>
-            <pc:docMk/>
-            <pc:sldMk cId="3817665236" sldId="260"/>
-            <ac:spMk id="27" creationId="{1B4E218A-FD9D-963E-5482-D09E6EE5E5B9}"/>
-          </ac:spMkLst>
-        </pc:spChg>
-        <pc:spChg chg="add mod">
-          <ac:chgData name="Cole Nardini" userId="10a0c690-7d77-4a83-91d4-c381712424d4" providerId="ADAL" clId="{DA0205BD-D33E-431C-8739-C7AA55D5168F}" dt="2024-10-23T01:00:56.090" v="1059" actId="14100"/>
-          <ac:spMkLst>
-            <pc:docMk/>
-            <pc:sldMk cId="3817665236" sldId="260"/>
-            <ac:spMk id="29" creationId="{DD6A0DB3-2C43-B794-1ABB-C99ACA1E3EA9}"/>
-          </ac:spMkLst>
-        </pc:spChg>
-        <pc:picChg chg="add mod">
-          <ac:chgData name="Cole Nardini" userId="10a0c690-7d77-4a83-91d4-c381712424d4" providerId="ADAL" clId="{DA0205BD-D33E-431C-8739-C7AA55D5168F}" dt="2024-10-23T00:20:44.967" v="6" actId="1076"/>
-          <ac:picMkLst>
-            <pc:docMk/>
-            <pc:sldMk cId="3817665236" sldId="260"/>
-            <ac:picMk id="3" creationId="{A678AB2F-88F8-4B23-24E8-08189AD0D839}"/>
-          </ac:picMkLst>
-        </pc:picChg>
-        <pc:inkChg chg="add del">
-          <ac:chgData name="Cole Nardini" userId="10a0c690-7d77-4a83-91d4-c381712424d4" providerId="ADAL" clId="{DA0205BD-D33E-431C-8739-C7AA55D5168F}" dt="2024-10-23T00:28:54.092" v="82"/>
-          <ac:inkMkLst>
-            <pc:docMk/>
-            <pc:sldMk cId="3817665236" sldId="260"/>
-            <ac:inkMk id="21" creationId="{D9A9B21B-B2F0-375C-B1B2-0A003C0AA90F}"/>
-          </ac:inkMkLst>
-        </pc:inkChg>
-        <pc:inkChg chg="add">
-          <ac:chgData name="Cole Nardini" userId="10a0c690-7d77-4a83-91d4-c381712424d4" providerId="ADAL" clId="{DA0205BD-D33E-431C-8739-C7AA55D5168F}" dt="2024-10-23T00:29:00.891" v="83" actId="9405"/>
-          <ac:inkMkLst>
-            <pc:docMk/>
-            <pc:sldMk cId="3817665236" sldId="260"/>
-            <ac:inkMk id="22" creationId="{3FC83138-6A84-5DA9-E74F-BE1BC781D466}"/>
-          </ac:inkMkLst>
-        </pc:inkChg>
-        <pc:cxnChg chg="add del mod">
-          <ac:chgData name="Cole Nardini" userId="10a0c690-7d77-4a83-91d4-c381712424d4" providerId="ADAL" clId="{DA0205BD-D33E-431C-8739-C7AA55D5168F}" dt="2024-10-23T01:00:42.747" v="1054" actId="478"/>
-          <ac:cxnSpMkLst>
-            <pc:docMk/>
-            <pc:sldMk cId="3817665236" sldId="260"/>
-            <ac:cxnSpMk id="24" creationId="{99D0A9B2-FDF2-2305-1FAB-3ED57FB8ABA8}"/>
-          </ac:cxnSpMkLst>
-        </pc:cxnChg>
-        <pc:cxnChg chg="add mod">
-          <ac:chgData name="Cole Nardini" userId="10a0c690-7d77-4a83-91d4-c381712424d4" providerId="ADAL" clId="{DA0205BD-D33E-431C-8739-C7AA55D5168F}" dt="2024-10-23T01:02:06.412" v="1128" actId="14100"/>
-          <ac:cxnSpMkLst>
-            <pc:docMk/>
-            <pc:sldMk cId="3817665236" sldId="260"/>
-            <ac:cxnSpMk id="28" creationId="{555F3907-2BC9-9F4B-5037-D0F5E1760EEA}"/>
-          </ac:cxnSpMkLst>
-        </pc:cxnChg>
-      </pc:sldChg>
-      <pc:sldChg chg="addSp delSp modSp mod">
-        <pc:chgData name="Cole Nardini" userId="10a0c690-7d77-4a83-91d4-c381712424d4" providerId="ADAL" clId="{DA0205BD-D33E-431C-8739-C7AA55D5168F}" dt="2024-10-23T01:04:59.418" v="1276" actId="693"/>
-        <pc:sldMkLst>
-          <pc:docMk/>
-          <pc:sldMk cId="12017044" sldId="261"/>
-        </pc:sldMkLst>
-        <pc:spChg chg="add mod">
-          <ac:chgData name="Cole Nardini" userId="10a0c690-7d77-4a83-91d4-c381712424d4" providerId="ADAL" clId="{DA0205BD-D33E-431C-8739-C7AA55D5168F}" dt="2024-10-23T01:02:50.716" v="1139" actId="1076"/>
-          <ac:spMkLst>
-            <pc:docMk/>
-            <pc:sldMk cId="12017044" sldId="261"/>
-            <ac:spMk id="8" creationId="{FA0B2416-4DA8-2397-AC57-4C763216152E}"/>
-          </ac:spMkLst>
-        </pc:spChg>
-        <pc:spChg chg="add mod">
-          <ac:chgData name="Cole Nardini" userId="10a0c690-7d77-4a83-91d4-c381712424d4" providerId="ADAL" clId="{DA0205BD-D33E-431C-8739-C7AA55D5168F}" dt="2024-10-23T01:02:50.716" v="1139" actId="1076"/>
-          <ac:spMkLst>
-            <pc:docMk/>
-            <pc:sldMk cId="12017044" sldId="261"/>
-            <ac:spMk id="10" creationId="{BC8FEF38-DD38-2340-6DFB-A49A195721C2}"/>
-          </ac:spMkLst>
-        </pc:spChg>
-        <pc:spChg chg="add mod">
-          <ac:chgData name="Cole Nardini" userId="10a0c690-7d77-4a83-91d4-c381712424d4" providerId="ADAL" clId="{DA0205BD-D33E-431C-8739-C7AA55D5168F}" dt="2024-10-23T01:02:50.716" v="1139" actId="1076"/>
-          <ac:spMkLst>
-            <pc:docMk/>
-            <pc:sldMk cId="12017044" sldId="261"/>
-            <ac:spMk id="12" creationId="{1C05F32D-6AC4-01DB-BE08-58E140D82018}"/>
-          </ac:spMkLst>
-        </pc:spChg>
-        <pc:spChg chg="add mod">
-          <ac:chgData name="Cole Nardini" userId="10a0c690-7d77-4a83-91d4-c381712424d4" providerId="ADAL" clId="{DA0205BD-D33E-431C-8739-C7AA55D5168F}" dt="2024-10-23T01:02:50.716" v="1139" actId="1076"/>
-          <ac:spMkLst>
-            <pc:docMk/>
-            <pc:sldMk cId="12017044" sldId="261"/>
-            <ac:spMk id="13" creationId="{17591200-4774-7CD2-FA21-48460965308A}"/>
-          </ac:spMkLst>
-        </pc:spChg>
-        <pc:spChg chg="add mod">
-          <ac:chgData name="Cole Nardini" userId="10a0c690-7d77-4a83-91d4-c381712424d4" providerId="ADAL" clId="{DA0205BD-D33E-431C-8739-C7AA55D5168F}" dt="2024-10-23T01:02:50.716" v="1139" actId="1076"/>
-          <ac:spMkLst>
-            <pc:docMk/>
-            <pc:sldMk cId="12017044" sldId="261"/>
-            <ac:spMk id="14" creationId="{AF2F2D8C-C9A1-3E51-A0C4-A2B57CA9F24B}"/>
-          </ac:spMkLst>
-        </pc:spChg>
-        <pc:spChg chg="add mod">
-          <ac:chgData name="Cole Nardini" userId="10a0c690-7d77-4a83-91d4-c381712424d4" providerId="ADAL" clId="{DA0205BD-D33E-431C-8739-C7AA55D5168F}" dt="2024-10-23T01:03:46.209" v="1265" actId="20577"/>
-          <ac:spMkLst>
-            <pc:docMk/>
-            <pc:sldMk cId="12017044" sldId="261"/>
-            <ac:spMk id="15" creationId="{67D87F91-1620-34AF-9964-FB3F5607AA1E}"/>
-          </ac:spMkLst>
-        </pc:spChg>
-        <pc:spChg chg="add mod">
-          <ac:chgData name="Cole Nardini" userId="10a0c690-7d77-4a83-91d4-c381712424d4" providerId="ADAL" clId="{DA0205BD-D33E-431C-8739-C7AA55D5168F}" dt="2024-10-23T01:03:55.327" v="1267" actId="14100"/>
-          <ac:spMkLst>
-            <pc:docMk/>
-            <pc:sldMk cId="12017044" sldId="261"/>
-            <ac:spMk id="17" creationId="{B26EC93A-0556-1401-EF2B-827BEAC7568D}"/>
-          </ac:spMkLst>
-        </pc:spChg>
-        <pc:spChg chg="add del">
-          <ac:chgData name="Cole Nardini" userId="10a0c690-7d77-4a83-91d4-c381712424d4" providerId="ADAL" clId="{DA0205BD-D33E-431C-8739-C7AA55D5168F}" dt="2024-10-23T01:04:28.539" v="1272" actId="478"/>
-          <ac:spMkLst>
-            <pc:docMk/>
-            <pc:sldMk cId="12017044" sldId="261"/>
-            <ac:spMk id="20" creationId="{EAF81394-AF96-8771-102E-90073A423626}"/>
-          </ac:spMkLst>
-        </pc:spChg>
-        <pc:spChg chg="add mod">
-          <ac:chgData name="Cole Nardini" userId="10a0c690-7d77-4a83-91d4-c381712424d4" providerId="ADAL" clId="{DA0205BD-D33E-431C-8739-C7AA55D5168F}" dt="2024-10-23T01:04:59.418" v="1276" actId="693"/>
-          <ac:spMkLst>
-            <pc:docMk/>
-            <pc:sldMk cId="12017044" sldId="261"/>
-            <ac:spMk id="21" creationId="{3FEAF17C-2966-F7B0-F16F-D90333F4A392}"/>
-          </ac:spMkLst>
-        </pc:spChg>
-        <pc:cxnChg chg="add mod">
-          <ac:chgData name="Cole Nardini" userId="10a0c690-7d77-4a83-91d4-c381712424d4" providerId="ADAL" clId="{DA0205BD-D33E-431C-8739-C7AA55D5168F}" dt="2024-10-23T01:04:01.939" v="1270" actId="14100"/>
-          <ac:cxnSpMkLst>
-            <pc:docMk/>
-            <pc:sldMk cId="12017044" sldId="261"/>
-            <ac:cxnSpMk id="16" creationId="{5B24D8C7-D5C2-D714-E5F3-47761FFDEDF6}"/>
-          </ac:cxnSpMkLst>
-        </pc:cxnChg>
-      </pc:sldChg>
-      <pc:sldChg chg="addSp delSp modSp mod">
-        <pc:chgData name="Cole Nardini" userId="10a0c690-7d77-4a83-91d4-c381712424d4" providerId="ADAL" clId="{DA0205BD-D33E-431C-8739-C7AA55D5168F}" dt="2024-10-23T00:57:03.374" v="948" actId="20577"/>
-        <pc:sldMkLst>
-          <pc:docMk/>
-          <pc:sldMk cId="2088564419" sldId="262"/>
-        </pc:sldMkLst>
-        <pc:spChg chg="mod">
-          <ac:chgData name="Cole Nardini" userId="10a0c690-7d77-4a83-91d4-c381712424d4" providerId="ADAL" clId="{DA0205BD-D33E-431C-8739-C7AA55D5168F}" dt="2024-10-23T00:11:54.161" v="0" actId="1076"/>
-          <ac:spMkLst>
-            <pc:docMk/>
-            <pc:sldMk cId="2088564419" sldId="262"/>
-            <ac:spMk id="3" creationId="{74C0D127-BC3C-58CE-6A44-AA65DADD7561}"/>
-          </ac:spMkLst>
-        </pc:spChg>
-        <pc:spChg chg="mod">
-          <ac:chgData name="Cole Nardini" userId="10a0c690-7d77-4a83-91d4-c381712424d4" providerId="ADAL" clId="{DA0205BD-D33E-431C-8739-C7AA55D5168F}" dt="2024-10-23T00:11:54.161" v="0" actId="1076"/>
-          <ac:spMkLst>
-            <pc:docMk/>
-            <pc:sldMk cId="2088564419" sldId="262"/>
-            <ac:spMk id="4" creationId="{DC1C15F8-FC72-DB15-9668-AC264C03B5A9}"/>
-          </ac:spMkLst>
-        </pc:spChg>
-        <pc:spChg chg="mod">
-          <ac:chgData name="Cole Nardini" userId="10a0c690-7d77-4a83-91d4-c381712424d4" providerId="ADAL" clId="{DA0205BD-D33E-431C-8739-C7AA55D5168F}" dt="2024-10-23T00:11:54.161" v="0" actId="1076"/>
-          <ac:spMkLst>
-            <pc:docMk/>
-            <pc:sldMk cId="2088564419" sldId="262"/>
-            <ac:spMk id="6" creationId="{457723E8-F181-E796-B2B7-E6143DC5593E}"/>
-          </ac:spMkLst>
-        </pc:spChg>
-        <pc:spChg chg="add del mod">
-          <ac:chgData name="Cole Nardini" userId="10a0c690-7d77-4a83-91d4-c381712424d4" providerId="ADAL" clId="{DA0205BD-D33E-431C-8739-C7AA55D5168F}" dt="2024-10-23T00:48:16.808" v="824" actId="478"/>
-          <ac:spMkLst>
-            <pc:docMk/>
-            <pc:sldMk cId="2088564419" sldId="262"/>
-            <ac:spMk id="7" creationId="{C4837527-39CD-BA74-8644-5B6A2337166B}"/>
-          </ac:spMkLst>
-        </pc:spChg>
-        <pc:spChg chg="mod">
-          <ac:chgData name="Cole Nardini" userId="10a0c690-7d77-4a83-91d4-c381712424d4" providerId="ADAL" clId="{DA0205BD-D33E-431C-8739-C7AA55D5168F}" dt="2024-10-23T00:11:54.161" v="0" actId="1076"/>
-          <ac:spMkLst>
-            <pc:docMk/>
-            <pc:sldMk cId="2088564419" sldId="262"/>
-            <ac:spMk id="11" creationId="{B68C384F-BAA0-A250-ED10-CFBD4E5865BA}"/>
-          </ac:spMkLst>
-        </pc:spChg>
-        <pc:spChg chg="add del mod">
-          <ac:chgData name="Cole Nardini" userId="10a0c690-7d77-4a83-91d4-c381712424d4" providerId="ADAL" clId="{DA0205BD-D33E-431C-8739-C7AA55D5168F}" dt="2024-10-23T00:48:16.808" v="824" actId="478"/>
-          <ac:spMkLst>
-            <pc:docMk/>
-            <pc:sldMk cId="2088564419" sldId="262"/>
-            <ac:spMk id="12" creationId="{25A69E2A-FEEC-105B-2223-6198E7CD7B76}"/>
-          </ac:spMkLst>
-        </pc:spChg>
-        <pc:spChg chg="mod">
-          <ac:chgData name="Cole Nardini" userId="10a0c690-7d77-4a83-91d4-c381712424d4" providerId="ADAL" clId="{DA0205BD-D33E-431C-8739-C7AA55D5168F}" dt="2024-10-23T00:11:54.161" v="0" actId="1076"/>
-          <ac:spMkLst>
-            <pc:docMk/>
-            <pc:sldMk cId="2088564419" sldId="262"/>
-            <ac:spMk id="13" creationId="{62321A85-2039-5BA2-79EF-81F6A6321E54}"/>
-          </ac:spMkLst>
-        </pc:spChg>
-        <pc:spChg chg="mod">
-          <ac:chgData name="Cole Nardini" userId="10a0c690-7d77-4a83-91d4-c381712424d4" providerId="ADAL" clId="{DA0205BD-D33E-431C-8739-C7AA55D5168F}" dt="2024-10-23T00:11:54.161" v="0" actId="1076"/>
-          <ac:spMkLst>
-            <pc:docMk/>
-            <pc:sldMk cId="2088564419" sldId="262"/>
-            <ac:spMk id="14" creationId="{633D75FF-A0B2-125A-3F15-BDD699454590}"/>
-          </ac:spMkLst>
-        </pc:spChg>
-        <pc:spChg chg="mod">
-          <ac:chgData name="Cole Nardini" userId="10a0c690-7d77-4a83-91d4-c381712424d4" providerId="ADAL" clId="{DA0205BD-D33E-431C-8739-C7AA55D5168F}" dt="2024-10-23T00:11:54.161" v="0" actId="1076"/>
-          <ac:spMkLst>
-            <pc:docMk/>
-            <pc:sldMk cId="2088564419" sldId="262"/>
-            <ac:spMk id="16" creationId="{B1824105-6B50-06A6-446D-13004FF9F13E}"/>
-          </ac:spMkLst>
-        </pc:spChg>
-        <pc:spChg chg="mod">
-          <ac:chgData name="Cole Nardini" userId="10a0c690-7d77-4a83-91d4-c381712424d4" providerId="ADAL" clId="{DA0205BD-D33E-431C-8739-C7AA55D5168F}" dt="2024-10-23T00:11:54.161" v="0" actId="1076"/>
-          <ac:spMkLst>
-            <pc:docMk/>
-            <pc:sldMk cId="2088564419" sldId="262"/>
-            <ac:spMk id="17" creationId="{52A92008-E56A-D3DC-D181-15C734BAEB6F}"/>
-          </ac:spMkLst>
-        </pc:spChg>
-        <pc:spChg chg="mod">
-          <ac:chgData name="Cole Nardini" userId="10a0c690-7d77-4a83-91d4-c381712424d4" providerId="ADAL" clId="{DA0205BD-D33E-431C-8739-C7AA55D5168F}" dt="2024-10-23T00:11:54.161" v="0" actId="1076"/>
-          <ac:spMkLst>
-            <pc:docMk/>
-            <pc:sldMk cId="2088564419" sldId="262"/>
-            <ac:spMk id="18" creationId="{668DF10C-1147-099F-F1F5-4DDA53A1CD14}"/>
-          </ac:spMkLst>
-        </pc:spChg>
-        <pc:spChg chg="mod">
-          <ac:chgData name="Cole Nardini" userId="10a0c690-7d77-4a83-91d4-c381712424d4" providerId="ADAL" clId="{DA0205BD-D33E-431C-8739-C7AA55D5168F}" dt="2024-10-23T00:11:54.161" v="0" actId="1076"/>
-          <ac:spMkLst>
-            <pc:docMk/>
-            <pc:sldMk cId="2088564419" sldId="262"/>
-            <ac:spMk id="19" creationId="{04FFCDBC-BBC4-E33C-B449-F1674E10A000}"/>
-          </ac:spMkLst>
-        </pc:spChg>
-        <pc:spChg chg="mod">
-          <ac:chgData name="Cole Nardini" userId="10a0c690-7d77-4a83-91d4-c381712424d4" providerId="ADAL" clId="{DA0205BD-D33E-431C-8739-C7AA55D5168F}" dt="2024-10-23T00:11:54.161" v="0" actId="1076"/>
-          <ac:spMkLst>
-            <pc:docMk/>
-            <pc:sldMk cId="2088564419" sldId="262"/>
-            <ac:spMk id="20" creationId="{E0D20444-3D66-CDC5-EBB8-AFB65E5C7B35}"/>
-          </ac:spMkLst>
-        </pc:spChg>
-        <pc:spChg chg="mod">
-          <ac:chgData name="Cole Nardini" userId="10a0c690-7d77-4a83-91d4-c381712424d4" providerId="ADAL" clId="{DA0205BD-D33E-431C-8739-C7AA55D5168F}" dt="2024-10-23T00:11:54.161" v="0" actId="1076"/>
-          <ac:spMkLst>
-            <pc:docMk/>
-            <pc:sldMk cId="2088564419" sldId="262"/>
-            <ac:spMk id="21" creationId="{DF5D0F57-1F6E-AD08-16C4-E480B5F819E0}"/>
-          </ac:spMkLst>
-        </pc:spChg>
-        <pc:spChg chg="add del mod">
-          <ac:chgData name="Cole Nardini" userId="10a0c690-7d77-4a83-91d4-c381712424d4" providerId="ADAL" clId="{DA0205BD-D33E-431C-8739-C7AA55D5168F}" dt="2024-10-23T00:48:16.808" v="824" actId="478"/>
-          <ac:spMkLst>
-            <pc:docMk/>
-            <pc:sldMk cId="2088564419" sldId="262"/>
-            <ac:spMk id="22" creationId="{63634DD5-0753-F95E-49B8-4122BB4C5226}"/>
-          </ac:spMkLst>
-        </pc:spChg>
-        <pc:spChg chg="mod">
-          <ac:chgData name="Cole Nardini" userId="10a0c690-7d77-4a83-91d4-c381712424d4" providerId="ADAL" clId="{DA0205BD-D33E-431C-8739-C7AA55D5168F}" dt="2024-10-23T00:23:45.771" v="25" actId="27636"/>
-          <ac:spMkLst>
-            <pc:docMk/>
-            <pc:sldMk cId="2088564419" sldId="262"/>
-            <ac:spMk id="23" creationId="{3FFA5833-B863-F825-8059-E0F5D0EA0354}"/>
-          </ac:spMkLst>
-        </pc:spChg>
-        <pc:spChg chg="add mod">
-          <ac:chgData name="Cole Nardini" userId="10a0c690-7d77-4a83-91d4-c381712424d4" providerId="ADAL" clId="{DA0205BD-D33E-431C-8739-C7AA55D5168F}" dt="2024-10-23T00:48:43.265" v="830" actId="14100"/>
-          <ac:spMkLst>
-            <pc:docMk/>
-            <pc:sldMk cId="2088564419" sldId="262"/>
-            <ac:spMk id="25" creationId="{87F21D16-3BA8-3FAD-6AE7-16A613AEC594}"/>
-          </ac:spMkLst>
-        </pc:spChg>
-        <pc:spChg chg="add mod">
-          <ac:chgData name="Cole Nardini" userId="10a0c690-7d77-4a83-91d4-c381712424d4" providerId="ADAL" clId="{DA0205BD-D33E-431C-8739-C7AA55D5168F}" dt="2024-10-23T00:48:59.944" v="873" actId="20577"/>
-          <ac:spMkLst>
-            <pc:docMk/>
-            <pc:sldMk cId="2088564419" sldId="262"/>
-            <ac:spMk id="26" creationId="{95755F43-4DD3-1059-15EB-A4A0C8129A69}"/>
-          </ac:spMkLst>
-        </pc:spChg>
-        <pc:spChg chg="add del mod">
-          <ac:chgData name="Cole Nardini" userId="10a0c690-7d77-4a83-91d4-c381712424d4" providerId="ADAL" clId="{DA0205BD-D33E-431C-8739-C7AA55D5168F}" dt="2024-10-23T00:48:24.490" v="826" actId="478"/>
-          <ac:spMkLst>
-            <pc:docMk/>
-            <pc:sldMk cId="2088564419" sldId="262"/>
-            <ac:spMk id="28" creationId="{1DC1917D-BEBB-0B85-91D1-E626125C13E9}"/>
-          </ac:spMkLst>
-        </pc:spChg>
-        <pc:spChg chg="add mod">
-          <ac:chgData name="Cole Nardini" userId="10a0c690-7d77-4a83-91d4-c381712424d4" providerId="ADAL" clId="{DA0205BD-D33E-431C-8739-C7AA55D5168F}" dt="2024-10-23T00:49:18.892" v="876" actId="1076"/>
-          <ac:spMkLst>
-            <pc:docMk/>
-            <pc:sldMk cId="2088564419" sldId="262"/>
-            <ac:spMk id="33" creationId="{D0A65A8D-7805-DE67-1FB8-B49C755DA0CD}"/>
-          </ac:spMkLst>
-        </pc:spChg>
-        <pc:spChg chg="add mod">
-          <ac:chgData name="Cole Nardini" userId="10a0c690-7d77-4a83-91d4-c381712424d4" providerId="ADAL" clId="{DA0205BD-D33E-431C-8739-C7AA55D5168F}" dt="2024-10-23T00:49:08.617" v="875"/>
-          <ac:spMkLst>
-            <pc:docMk/>
-            <pc:sldMk cId="2088564419" sldId="262"/>
-            <ac:spMk id="35" creationId="{752DE355-1D3B-934F-F4F0-C798976CF880}"/>
-          </ac:spMkLst>
-        </pc:spChg>
-        <pc:spChg chg="add mod ord">
-          <ac:chgData name="Cole Nardini" userId="10a0c690-7d77-4a83-91d4-c381712424d4" providerId="ADAL" clId="{DA0205BD-D33E-431C-8739-C7AA55D5168F}" dt="2024-10-23T00:49:54.722" v="907" actId="20577"/>
-          <ac:spMkLst>
-            <pc:docMk/>
-            <pc:sldMk cId="2088564419" sldId="262"/>
-            <ac:spMk id="36" creationId="{071565E2-CCA8-4593-DABA-DC768A986C38}"/>
-          </ac:spMkLst>
-        </pc:spChg>
-        <pc:spChg chg="add mod">
-          <ac:chgData name="Cole Nardini" userId="10a0c690-7d77-4a83-91d4-c381712424d4" providerId="ADAL" clId="{DA0205BD-D33E-431C-8739-C7AA55D5168F}" dt="2024-10-23T00:56:36.890" v="937" actId="1076"/>
-          <ac:spMkLst>
-            <pc:docMk/>
-            <pc:sldMk cId="2088564419" sldId="262"/>
-            <ac:spMk id="37" creationId="{A7B6F85B-83A8-E9E3-BCFA-833BB1DAD580}"/>
-          </ac:spMkLst>
-        </pc:spChg>
-        <pc:spChg chg="add mod">
-          <ac:chgData name="Cole Nardini" userId="10a0c690-7d77-4a83-91d4-c381712424d4" providerId="ADAL" clId="{DA0205BD-D33E-431C-8739-C7AA55D5168F}" dt="2024-10-23T00:56:34.970" v="936" actId="1076"/>
-          <ac:spMkLst>
-            <pc:docMk/>
-            <pc:sldMk cId="2088564419" sldId="262"/>
-            <ac:spMk id="39" creationId="{E12951AD-C975-3913-2279-4E62C0959F64}"/>
-          </ac:spMkLst>
-        </pc:spChg>
-        <pc:spChg chg="add mod">
-          <ac:chgData name="Cole Nardini" userId="10a0c690-7d77-4a83-91d4-c381712424d4" providerId="ADAL" clId="{DA0205BD-D33E-431C-8739-C7AA55D5168F}" dt="2024-10-23T00:57:03.374" v="948" actId="20577"/>
-          <ac:spMkLst>
-            <pc:docMk/>
-            <pc:sldMk cId="2088564419" sldId="262"/>
-            <ac:spMk id="40" creationId="{825B2294-F96C-BFC6-2E3F-83413019DF9B}"/>
-          </ac:spMkLst>
-        </pc:spChg>
-        <pc:spChg chg="add mod">
-          <ac:chgData name="Cole Nardini" userId="10a0c690-7d77-4a83-91d4-c381712424d4" providerId="ADAL" clId="{DA0205BD-D33E-431C-8739-C7AA55D5168F}" dt="2024-10-23T00:56:48.832" v="939" actId="1076"/>
-          <ac:spMkLst>
-            <pc:docMk/>
-            <pc:sldMk cId="2088564419" sldId="262"/>
-            <ac:spMk id="42" creationId="{181FDA1F-0AB9-A7FE-4B0D-5E43667E936C}"/>
-          </ac:spMkLst>
-        </pc:spChg>
-        <pc:cxnChg chg="add del mod">
-          <ac:chgData name="Cole Nardini" userId="10a0c690-7d77-4a83-91d4-c381712424d4" providerId="ADAL" clId="{DA0205BD-D33E-431C-8739-C7AA55D5168F}" dt="2024-10-23T00:48:16.808" v="824" actId="478"/>
-          <ac:cxnSpMkLst>
-            <pc:docMk/>
-            <pc:sldMk cId="2088564419" sldId="262"/>
-            <ac:cxnSpMk id="2" creationId="{10FAE64D-6D99-9CD3-CE8B-DA36BD474212}"/>
-          </ac:cxnSpMkLst>
-        </pc:cxnChg>
-        <pc:cxnChg chg="mod">
-          <ac:chgData name="Cole Nardini" userId="10a0c690-7d77-4a83-91d4-c381712424d4" providerId="ADAL" clId="{DA0205BD-D33E-431C-8739-C7AA55D5168F}" dt="2024-10-23T00:11:54.161" v="0" actId="1076"/>
-          <ac:cxnSpMkLst>
-            <pc:docMk/>
-            <pc:sldMk cId="2088564419" sldId="262"/>
-            <ac:cxnSpMk id="10" creationId="{A0C7C099-A15D-98FB-69A4-296C7EE62421}"/>
-          </ac:cxnSpMkLst>
-        </pc:cxnChg>
-        <pc:cxnChg chg="mod">
-          <ac:chgData name="Cole Nardini" userId="10a0c690-7d77-4a83-91d4-c381712424d4" providerId="ADAL" clId="{DA0205BD-D33E-431C-8739-C7AA55D5168F}" dt="2024-10-23T00:11:54.161" v="0" actId="1076"/>
-          <ac:cxnSpMkLst>
-            <pc:docMk/>
-            <pc:sldMk cId="2088564419" sldId="262"/>
-            <ac:cxnSpMk id="15" creationId="{E242EAFB-1E34-D57C-C657-EE33CE205AEE}"/>
-          </ac:cxnSpMkLst>
-        </pc:cxnChg>
-        <pc:cxnChg chg="add mod">
-          <ac:chgData name="Cole Nardini" userId="10a0c690-7d77-4a83-91d4-c381712424d4" providerId="ADAL" clId="{DA0205BD-D33E-431C-8739-C7AA55D5168F}" dt="2024-10-23T00:48:49.437" v="833" actId="14100"/>
-          <ac:cxnSpMkLst>
-            <pc:docMk/>
-            <pc:sldMk cId="2088564419" sldId="262"/>
-            <ac:cxnSpMk id="24" creationId="{9BEDA72A-F020-9228-BED7-2487A90C5757}"/>
-          </ac:cxnSpMkLst>
-        </pc:cxnChg>
-        <pc:cxnChg chg="add mod">
-          <ac:chgData name="Cole Nardini" userId="10a0c690-7d77-4a83-91d4-c381712424d4" providerId="ADAL" clId="{DA0205BD-D33E-431C-8739-C7AA55D5168F}" dt="2024-10-23T00:49:23.976" v="877" actId="1076"/>
-          <ac:cxnSpMkLst>
-            <pc:docMk/>
-            <pc:sldMk cId="2088564419" sldId="262"/>
-            <ac:cxnSpMk id="32" creationId="{F72C90B7-4850-83FD-C28E-715BB1327F76}"/>
-          </ac:cxnSpMkLst>
-        </pc:cxnChg>
-        <pc:cxnChg chg="add mod">
-          <ac:chgData name="Cole Nardini" userId="10a0c690-7d77-4a83-91d4-c381712424d4" providerId="ADAL" clId="{DA0205BD-D33E-431C-8739-C7AA55D5168F}" dt="2024-10-23T00:49:08.617" v="875"/>
-          <ac:cxnSpMkLst>
-            <pc:docMk/>
-            <pc:sldMk cId="2088564419" sldId="262"/>
-            <ac:cxnSpMk id="34" creationId="{699E696D-65EA-E65D-0AB4-CE3EBA3B667A}"/>
-          </ac:cxnSpMkLst>
-        </pc:cxnChg>
-        <pc:cxnChg chg="add mod">
-          <ac:chgData name="Cole Nardini" userId="10a0c690-7d77-4a83-91d4-c381712424d4" providerId="ADAL" clId="{DA0205BD-D33E-431C-8739-C7AA55D5168F}" dt="2024-10-23T00:56:34.970" v="936" actId="1076"/>
-          <ac:cxnSpMkLst>
-            <pc:docMk/>
-            <pc:sldMk cId="2088564419" sldId="262"/>
-            <ac:cxnSpMk id="38" creationId="{A43C8FFA-35F4-7CBB-435A-08A812421892}"/>
-          </ac:cxnSpMkLst>
-        </pc:cxnChg>
-        <pc:cxnChg chg="add mod">
-          <ac:chgData name="Cole Nardini" userId="10a0c690-7d77-4a83-91d4-c381712424d4" providerId="ADAL" clId="{DA0205BD-D33E-431C-8739-C7AA55D5168F}" dt="2024-10-23T00:56:59.310" v="942" actId="20577"/>
-          <ac:cxnSpMkLst>
-            <pc:docMk/>
-            <pc:sldMk cId="2088564419" sldId="262"/>
-            <ac:cxnSpMk id="41" creationId="{DF4BB99B-829A-BB60-F5DD-1C6202040166}"/>
-          </ac:cxnSpMkLst>
-        </pc:cxnChg>
-      </pc:sldChg>
-      <pc:sldChg chg="addSp delSp modSp add mod">
-        <pc:chgData name="Cole Nardini" userId="10a0c690-7d77-4a83-91d4-c381712424d4" providerId="ADAL" clId="{DA0205BD-D33E-431C-8739-C7AA55D5168F}" dt="2024-10-23T00:46:28.622" v="787" actId="14100"/>
-        <pc:sldMkLst>
-          <pc:docMk/>
-          <pc:sldMk cId="1921841039" sldId="263"/>
-        </pc:sldMkLst>
-        <pc:spChg chg="mod">
-          <ac:chgData name="Cole Nardini" userId="10a0c690-7d77-4a83-91d4-c381712424d4" providerId="ADAL" clId="{DA0205BD-D33E-431C-8739-C7AA55D5168F}" dt="2024-10-23T00:32:02.398" v="114" actId="20577"/>
-          <ac:spMkLst>
-            <pc:docMk/>
-            <pc:sldMk cId="1921841039" sldId="263"/>
-            <ac:spMk id="3" creationId="{012F244B-44DE-06BB-028B-1BC142539AA1}"/>
-          </ac:spMkLst>
-        </pc:spChg>
-        <pc:spChg chg="mod">
-          <ac:chgData name="Cole Nardini" userId="10a0c690-7d77-4a83-91d4-c381712424d4" providerId="ADAL" clId="{DA0205BD-D33E-431C-8739-C7AA55D5168F}" dt="2024-10-23T00:29:35.432" v="93" actId="20577"/>
-          <ac:spMkLst>
-            <pc:docMk/>
-            <pc:sldMk cId="1921841039" sldId="263"/>
-            <ac:spMk id="5" creationId="{1524944B-96A1-9C41-D20E-D9ACA15FF275}"/>
-          </ac:spMkLst>
-        </pc:spChg>
-        <pc:spChg chg="mod">
-          <ac:chgData name="Cole Nardini" userId="10a0c690-7d77-4a83-91d4-c381712424d4" providerId="ADAL" clId="{DA0205BD-D33E-431C-8739-C7AA55D5168F}" dt="2024-10-23T00:29:40.498" v="100" actId="20577"/>
-          <ac:spMkLst>
-            <pc:docMk/>
-            <pc:sldMk cId="1921841039" sldId="263"/>
-            <ac:spMk id="6" creationId="{B49D723E-82E8-41E9-EAD8-54C6981988B5}"/>
-          </ac:spMkLst>
-        </pc:spChg>
-        <pc:spChg chg="mod">
-          <ac:chgData name="Cole Nardini" userId="10a0c690-7d77-4a83-91d4-c381712424d4" providerId="ADAL" clId="{DA0205BD-D33E-431C-8739-C7AA55D5168F}" dt="2024-10-23T00:31:57.725" v="107" actId="20577"/>
-          <ac:spMkLst>
-            <pc:docMk/>
-            <pc:sldMk cId="1921841039" sldId="263"/>
-            <ac:spMk id="7" creationId="{20D71BB0-06FF-7B3B-444A-22A128647DC1}"/>
-          </ac:spMkLst>
-        </pc:spChg>
-        <pc:spChg chg="add mod">
-          <ac:chgData name="Cole Nardini" userId="10a0c690-7d77-4a83-91d4-c381712424d4" providerId="ADAL" clId="{DA0205BD-D33E-431C-8739-C7AA55D5168F}" dt="2024-10-23T00:43:56.624" v="682"/>
-          <ac:spMkLst>
-            <pc:docMk/>
-            <pc:sldMk cId="1921841039" sldId="263"/>
-            <ac:spMk id="10" creationId="{2E8D952F-274C-C457-2F1E-2C9B316107D7}"/>
-          </ac:spMkLst>
-        </pc:spChg>
-        <pc:spChg chg="add mod">
-          <ac:chgData name="Cole Nardini" userId="10a0c690-7d77-4a83-91d4-c381712424d4" providerId="ADAL" clId="{DA0205BD-D33E-431C-8739-C7AA55D5168F}" dt="2024-10-23T00:44:18.952" v="724" actId="1076"/>
-          <ac:spMkLst>
-            <pc:docMk/>
-            <pc:sldMk cId="1921841039" sldId="263"/>
-            <ac:spMk id="11" creationId="{65BBFB13-C58E-C942-0733-A99427F5AF51}"/>
-          </ac:spMkLst>
-        </pc:spChg>
-        <pc:spChg chg="add del">
-          <ac:chgData name="Cole Nardini" userId="10a0c690-7d77-4a83-91d4-c381712424d4" providerId="ADAL" clId="{DA0205BD-D33E-431C-8739-C7AA55D5168F}" dt="2024-10-23T00:44:50.885" v="726" actId="478"/>
-          <ac:spMkLst>
-            <pc:docMk/>
-            <pc:sldMk cId="1921841039" sldId="263"/>
-            <ac:spMk id="13" creationId="{28C560BE-FA7A-1699-7DCD-ACD5B4CBF14C}"/>
-          </ac:spMkLst>
-        </pc:spChg>
-        <pc:spChg chg="add mod">
-          <ac:chgData name="Cole Nardini" userId="10a0c690-7d77-4a83-91d4-c381712424d4" providerId="ADAL" clId="{DA0205BD-D33E-431C-8739-C7AA55D5168F}" dt="2024-10-23T00:45:14.351" v="734" actId="1076"/>
-          <ac:spMkLst>
-            <pc:docMk/>
-            <pc:sldMk cId="1921841039" sldId="263"/>
-            <ac:spMk id="14" creationId="{702F8988-7A02-E15C-BB1E-B9815E9A00C2}"/>
-          </ac:spMkLst>
-        </pc:spChg>
-        <pc:spChg chg="add mod">
-          <ac:chgData name="Cole Nardini" userId="10a0c690-7d77-4a83-91d4-c381712424d4" providerId="ADAL" clId="{DA0205BD-D33E-431C-8739-C7AA55D5168F}" dt="2024-10-23T00:46:28.622" v="787" actId="14100"/>
-          <ac:spMkLst>
-            <pc:docMk/>
-            <pc:sldMk cId="1921841039" sldId="263"/>
-            <ac:spMk id="17" creationId="{2122060F-2E21-6CA9-8AB1-B76E453CECF7}"/>
-          </ac:spMkLst>
-        </pc:spChg>
-        <pc:spChg chg="add mod">
-          <ac:chgData name="Cole Nardini" userId="10a0c690-7d77-4a83-91d4-c381712424d4" providerId="ADAL" clId="{DA0205BD-D33E-431C-8739-C7AA55D5168F}" dt="2024-10-23T00:46:10.223" v="786" actId="14100"/>
-          <ac:spMkLst>
-            <pc:docMk/>
-            <pc:sldMk cId="1921841039" sldId="263"/>
-            <ac:spMk id="24" creationId="{2E975AD6-84F1-3370-32AA-5FDD58D5C26D}"/>
-          </ac:spMkLst>
-        </pc:spChg>
-        <pc:inkChg chg="add del">
-          <ac:chgData name="Cole Nardini" userId="10a0c690-7d77-4a83-91d4-c381712424d4" providerId="ADAL" clId="{DA0205BD-D33E-431C-8739-C7AA55D5168F}" dt="2024-10-23T00:29:27.712" v="86" actId="9405"/>
-          <ac:inkMkLst>
-            <pc:docMk/>
-            <pc:sldMk cId="1921841039" sldId="263"/>
-            <ac:inkMk id="2" creationId="{2FDAE757-21B1-7BBF-CB2D-1616BF742F2E}"/>
-          </ac:inkMkLst>
-        </pc:inkChg>
-        <pc:cxnChg chg="add mod">
-          <ac:chgData name="Cole Nardini" userId="10a0c690-7d77-4a83-91d4-c381712424d4" providerId="ADAL" clId="{DA0205BD-D33E-431C-8739-C7AA55D5168F}" dt="2024-10-23T00:43:56.624" v="682"/>
-          <ac:cxnSpMkLst>
-            <pc:docMk/>
-            <pc:sldMk cId="1921841039" sldId="263"/>
-            <ac:cxnSpMk id="4" creationId="{0E3C82FF-53A5-456D-55B0-B28AEEFB8FE4}"/>
-          </ac:cxnSpMkLst>
-        </pc:cxnChg>
-        <pc:cxnChg chg="add del mod">
-          <ac:chgData name="Cole Nardini" userId="10a0c690-7d77-4a83-91d4-c381712424d4" providerId="ADAL" clId="{DA0205BD-D33E-431C-8739-C7AA55D5168F}" dt="2024-10-23T00:45:31.203" v="740" actId="478"/>
-          <ac:cxnSpMkLst>
-            <pc:docMk/>
-            <pc:sldMk cId="1921841039" sldId="263"/>
-            <ac:cxnSpMk id="15" creationId="{42F5A8C8-78BE-6D0A-D941-24C4AC074D1F}"/>
-          </ac:cxnSpMkLst>
-        </pc:cxnChg>
-        <pc:cxnChg chg="add mod">
-          <ac:chgData name="Cole Nardini" userId="10a0c690-7d77-4a83-91d4-c381712424d4" providerId="ADAL" clId="{DA0205BD-D33E-431C-8739-C7AA55D5168F}" dt="2024-10-23T00:46:28.622" v="787" actId="14100"/>
-          <ac:cxnSpMkLst>
-            <pc:docMk/>
-            <pc:sldMk cId="1921841039" sldId="263"/>
-            <ac:cxnSpMk id="21" creationId="{9864FA75-87A9-2693-A170-D5803F83CB24}"/>
-          </ac:cxnSpMkLst>
-        </pc:cxnChg>
-      </pc:sldChg>
-      <pc:sldChg chg="modSp add del mod">
-        <pc:chgData name="Cole Nardini" userId="10a0c690-7d77-4a83-91d4-c381712424d4" providerId="ADAL" clId="{DA0205BD-D33E-431C-8739-C7AA55D5168F}" dt="2024-10-23T00:18:17.864" v="3" actId="47"/>
-        <pc:sldMkLst>
-          <pc:docMk/>
-          <pc:sldMk cId="2342280148" sldId="263"/>
-        </pc:sldMkLst>
-        <pc:spChg chg="mod">
-          <ac:chgData name="Cole Nardini" userId="10a0c690-7d77-4a83-91d4-c381712424d4" providerId="ADAL" clId="{DA0205BD-D33E-431C-8739-C7AA55D5168F}" dt="2024-10-23T00:12:56.691" v="2" actId="27636"/>
-          <ac:spMkLst>
-            <pc:docMk/>
-            <pc:sldMk cId="2342280148" sldId="263"/>
-            <ac:spMk id="7" creationId="{573F2C63-3F85-171C-99F4-9496BCB122B6}"/>
-          </ac:spMkLst>
-        </pc:spChg>
-      </pc:sldChg>
-      <pc:sldChg chg="addSp modSp add mod">
-        <pc:chgData name="Cole Nardini" userId="10a0c690-7d77-4a83-91d4-c381712424d4" providerId="ADAL" clId="{DA0205BD-D33E-431C-8739-C7AA55D5168F}" dt="2024-10-23T00:47:34.368" v="812" actId="20577"/>
-        <pc:sldMkLst>
-          <pc:docMk/>
-          <pc:sldMk cId="1747183857" sldId="264"/>
-        </pc:sldMkLst>
-        <pc:spChg chg="mod">
-          <ac:chgData name="Cole Nardini" userId="10a0c690-7d77-4a83-91d4-c381712424d4" providerId="ADAL" clId="{DA0205BD-D33E-431C-8739-C7AA55D5168F}" dt="2024-10-23T00:33:45.223" v="208" actId="20577"/>
-          <ac:spMkLst>
-            <pc:docMk/>
-            <pc:sldMk cId="1747183857" sldId="264"/>
-            <ac:spMk id="3" creationId="{012F244B-44DE-06BB-028B-1BC142539AA1}"/>
-          </ac:spMkLst>
-        </pc:spChg>
-        <pc:spChg chg="add mod">
-          <ac:chgData name="Cole Nardini" userId="10a0c690-7d77-4a83-91d4-c381712424d4" providerId="ADAL" clId="{DA0205BD-D33E-431C-8739-C7AA55D5168F}" dt="2024-10-23T00:46:40.693" v="788"/>
-          <ac:spMkLst>
-            <pc:docMk/>
-            <pc:sldMk cId="1747183857" sldId="264"/>
-            <ac:spMk id="4" creationId="{D454EF2D-CD81-3DC9-6AB7-E226994A4586}"/>
-          </ac:spMkLst>
-        </pc:spChg>
-        <pc:spChg chg="mod">
-          <ac:chgData name="Cole Nardini" userId="10a0c690-7d77-4a83-91d4-c381712424d4" providerId="ADAL" clId="{DA0205BD-D33E-431C-8739-C7AA55D5168F}" dt="2024-10-23T00:35:45.052" v="263" actId="1076"/>
-          <ac:spMkLst>
-            <pc:docMk/>
-            <pc:sldMk cId="1747183857" sldId="264"/>
-            <ac:spMk id="5" creationId="{1524944B-96A1-9C41-D20E-D9ACA15FF275}"/>
-          </ac:spMkLst>
-        </pc:spChg>
-        <pc:spChg chg="mod">
-          <ac:chgData name="Cole Nardini" userId="10a0c690-7d77-4a83-91d4-c381712424d4" providerId="ADAL" clId="{DA0205BD-D33E-431C-8739-C7AA55D5168F}" dt="2024-10-23T00:32:33.318" v="155" actId="20577"/>
-          <ac:spMkLst>
-            <pc:docMk/>
-            <pc:sldMk cId="1747183857" sldId="264"/>
-            <ac:spMk id="6" creationId="{B49D723E-82E8-41E9-EAD8-54C6981988B5}"/>
-          </ac:spMkLst>
-        </pc:spChg>
-        <pc:spChg chg="mod">
-          <ac:chgData name="Cole Nardini" userId="10a0c690-7d77-4a83-91d4-c381712424d4" providerId="ADAL" clId="{DA0205BD-D33E-431C-8739-C7AA55D5168F}" dt="2024-10-23T00:33:28.736" v="196" actId="20577"/>
-          <ac:spMkLst>
-            <pc:docMk/>
-            <pc:sldMk cId="1747183857" sldId="264"/>
-            <ac:spMk id="7" creationId="{20D71BB0-06FF-7B3B-444A-22A128647DC1}"/>
-          </ac:spMkLst>
-        </pc:spChg>
-        <pc:spChg chg="add mod">
-          <ac:chgData name="Cole Nardini" userId="10a0c690-7d77-4a83-91d4-c381712424d4" providerId="ADAL" clId="{DA0205BD-D33E-431C-8739-C7AA55D5168F}" dt="2024-10-23T00:47:34.368" v="812" actId="20577"/>
-          <ac:spMkLst>
-            <pc:docMk/>
-            <pc:sldMk cId="1747183857" sldId="264"/>
-            <ac:spMk id="10" creationId="{2BF8CECF-3EDE-1AC6-4754-7368B4EF271B}"/>
-          </ac:spMkLst>
-        </pc:spChg>
-        <pc:spChg chg="add mod">
-          <ac:chgData name="Cole Nardini" userId="10a0c690-7d77-4a83-91d4-c381712424d4" providerId="ADAL" clId="{DA0205BD-D33E-431C-8739-C7AA55D5168F}" dt="2024-10-23T00:46:45.669" v="789"/>
-          <ac:spMkLst>
-            <pc:docMk/>
-            <pc:sldMk cId="1747183857" sldId="264"/>
-            <ac:spMk id="11" creationId="{C9973BA3-0C82-4ED8-E35C-FE4FC2EF3C6B}"/>
-          </ac:spMkLst>
-        </pc:spChg>
-        <pc:cxnChg chg="add mod">
-          <ac:chgData name="Cole Nardini" userId="10a0c690-7d77-4a83-91d4-c381712424d4" providerId="ADAL" clId="{DA0205BD-D33E-431C-8739-C7AA55D5168F}" dt="2024-10-23T00:46:40.693" v="788"/>
-          <ac:cxnSpMkLst>
-            <pc:docMk/>
-            <pc:sldMk cId="1747183857" sldId="264"/>
-            <ac:cxnSpMk id="2" creationId="{63FA54C9-7818-7702-FDA1-38221DDDC80B}"/>
-          </ac:cxnSpMkLst>
-        </pc:cxnChg>
-      </pc:sldChg>
-      <pc:sldChg chg="addSp modSp add mod">
-        <pc:chgData name="Cole Nardini" userId="10a0c690-7d77-4a83-91d4-c381712424d4" providerId="ADAL" clId="{DA0205BD-D33E-431C-8739-C7AA55D5168F}" dt="2024-10-23T00:48:03.508" v="822" actId="14100"/>
-        <pc:sldMkLst>
-          <pc:docMk/>
-          <pc:sldMk cId="2555718550" sldId="265"/>
-        </pc:sldMkLst>
-        <pc:spChg chg="mod">
-          <ac:chgData name="Cole Nardini" userId="10a0c690-7d77-4a83-91d4-c381712424d4" providerId="ADAL" clId="{DA0205BD-D33E-431C-8739-C7AA55D5168F}" dt="2024-10-23T00:37:21.833" v="291"/>
-          <ac:spMkLst>
-            <pc:docMk/>
-            <pc:sldMk cId="2555718550" sldId="265"/>
-            <ac:spMk id="3" creationId="{012F244B-44DE-06BB-028B-1BC142539AA1}"/>
-          </ac:spMkLst>
-        </pc:spChg>
-        <pc:spChg chg="add mod">
-          <ac:chgData name="Cole Nardini" userId="10a0c690-7d77-4a83-91d4-c381712424d4" providerId="ADAL" clId="{DA0205BD-D33E-431C-8739-C7AA55D5168F}" dt="2024-10-23T00:47:48.919" v="813"/>
-          <ac:spMkLst>
-            <pc:docMk/>
-            <pc:sldMk cId="2555718550" sldId="265"/>
-            <ac:spMk id="4" creationId="{90905BFF-6D06-AA30-BCAA-3B7B0BBB2214}"/>
-          </ac:spMkLst>
-        </pc:spChg>
-        <pc:spChg chg="mod">
-          <ac:chgData name="Cole Nardini" userId="10a0c690-7d77-4a83-91d4-c381712424d4" providerId="ADAL" clId="{DA0205BD-D33E-431C-8739-C7AA55D5168F}" dt="2024-10-23T00:35:25.339" v="261" actId="1076"/>
-          <ac:spMkLst>
-            <pc:docMk/>
-            <pc:sldMk cId="2555718550" sldId="265"/>
-            <ac:spMk id="5" creationId="{1524944B-96A1-9C41-D20E-D9ACA15FF275}"/>
-          </ac:spMkLst>
-        </pc:spChg>
-        <pc:spChg chg="mod">
-          <ac:chgData name="Cole Nardini" userId="10a0c690-7d77-4a83-91d4-c381712424d4" providerId="ADAL" clId="{DA0205BD-D33E-431C-8739-C7AA55D5168F}" dt="2024-10-23T00:36:16.516" v="282" actId="20577"/>
-          <ac:spMkLst>
-            <pc:docMk/>
-            <pc:sldMk cId="2555718550" sldId="265"/>
-            <ac:spMk id="6" creationId="{B49D723E-82E8-41E9-EAD8-54C6981988B5}"/>
-          </ac:spMkLst>
-        </pc:spChg>
-        <pc:spChg chg="mod">
-          <ac:chgData name="Cole Nardini" userId="10a0c690-7d77-4a83-91d4-c381712424d4" providerId="ADAL" clId="{DA0205BD-D33E-431C-8739-C7AA55D5168F}" dt="2024-10-23T00:37:02.640" v="288" actId="20577"/>
-          <ac:spMkLst>
-            <pc:docMk/>
-            <pc:sldMk cId="2555718550" sldId="265"/>
-            <ac:spMk id="7" creationId="{20D71BB0-06FF-7B3B-444A-22A128647DC1}"/>
-          </ac:spMkLst>
-        </pc:spChg>
-        <pc:spChg chg="add mod">
-          <ac:chgData name="Cole Nardini" userId="10a0c690-7d77-4a83-91d4-c381712424d4" providerId="ADAL" clId="{DA0205BD-D33E-431C-8739-C7AA55D5168F}" dt="2024-10-23T00:48:03.508" v="822" actId="14100"/>
-          <ac:spMkLst>
-            <pc:docMk/>
-            <pc:sldMk cId="2555718550" sldId="265"/>
-            <ac:spMk id="10" creationId="{1E7FB9E6-DF82-97E8-C1B1-9562F547E0EF}"/>
-          </ac:spMkLst>
-        </pc:spChg>
-        <pc:spChg chg="add mod">
-          <ac:chgData name="Cole Nardini" userId="10a0c690-7d77-4a83-91d4-c381712424d4" providerId="ADAL" clId="{DA0205BD-D33E-431C-8739-C7AA55D5168F}" dt="2024-10-23T00:47:48.919" v="813"/>
-          <ac:spMkLst>
-            <pc:docMk/>
-            <pc:sldMk cId="2555718550" sldId="265"/>
-            <ac:spMk id="11" creationId="{A512E5A3-F2D7-4A5E-B1CF-7E49EBF424FC}"/>
-          </ac:spMkLst>
-        </pc:spChg>
-        <pc:cxnChg chg="add mod">
-          <ac:chgData name="Cole Nardini" userId="10a0c690-7d77-4a83-91d4-c381712424d4" providerId="ADAL" clId="{DA0205BD-D33E-431C-8739-C7AA55D5168F}" dt="2024-10-23T00:47:48.919" v="813"/>
-          <ac:cxnSpMkLst>
-            <pc:docMk/>
-            <pc:sldMk cId="2555718550" sldId="265"/>
-            <ac:cxnSpMk id="2" creationId="{B9FB0E6F-0073-8560-35C8-6996E60B5DE4}"/>
-          </ac:cxnSpMkLst>
-        </pc:cxnChg>
-      </pc:sldChg>
-    </pc:docChg>
-  </pc:docChgLst>
-  <pc:docChgLst>
-    <pc:chgData name="Cole Nardini" userId="S::cnardini@unomaha.edu::10a0c690-7d77-4a83-91d4-c381712424d4" providerId="AD" clId="Web-{40F747D2-965A-27FF-A7F2-B1C26BD6B3A2}"/>
-    <pc:docChg chg="addSld modSld">
-      <pc:chgData name="Cole Nardini" userId="S::cnardini@unomaha.edu::10a0c690-7d77-4a83-91d4-c381712424d4" providerId="AD" clId="Web-{40F747D2-965A-27FF-A7F2-B1C26BD6B3A2}" dt="2024-10-11T00:18:05.334" v="145" actId="20577"/>
-      <pc:docMkLst>
-        <pc:docMk/>
-      </pc:docMkLst>
-      <pc:sldChg chg="addSp modSp">
-        <pc:chgData name="Cole Nardini" userId="S::cnardini@unomaha.edu::10a0c690-7d77-4a83-91d4-c381712424d4" providerId="AD" clId="Web-{40F747D2-965A-27FF-A7F2-B1C26BD6B3A2}" dt="2024-10-11T00:07:11.936" v="25" actId="14100"/>
-        <pc:sldMkLst>
-          <pc:docMk/>
-          <pc:sldMk cId="109857222" sldId="256"/>
-        </pc:sldMkLst>
-        <pc:picChg chg="add mod">
-          <ac:chgData name="Cole Nardini" userId="S::cnardini@unomaha.edu::10a0c690-7d77-4a83-91d4-c381712424d4" providerId="AD" clId="Web-{40F747D2-965A-27FF-A7F2-B1C26BD6B3A2}" dt="2024-10-11T00:07:11.936" v="25" actId="14100"/>
-          <ac:picMkLst>
-            <pc:docMk/>
-            <pc:sldMk cId="109857222" sldId="256"/>
-            <ac:picMk id="3" creationId="{60BCA507-8728-6BAF-2218-B2D72A8B4996}"/>
-          </ac:picMkLst>
-        </pc:picChg>
-      </pc:sldChg>
-      <pc:sldChg chg="addSp">
-        <pc:chgData name="Cole Nardini" userId="S::cnardini@unomaha.edu::10a0c690-7d77-4a83-91d4-c381712424d4" providerId="AD" clId="Web-{40F747D2-965A-27FF-A7F2-B1C26BD6B3A2}" dt="2024-10-11T00:07:14.186" v="26"/>
-        <pc:sldMkLst>
-          <pc:docMk/>
-          <pc:sldMk cId="3974359677" sldId="257"/>
-        </pc:sldMkLst>
-        <pc:picChg chg="add">
-          <ac:chgData name="Cole Nardini" userId="S::cnardini@unomaha.edu::10a0c690-7d77-4a83-91d4-c381712424d4" providerId="AD" clId="Web-{40F747D2-965A-27FF-A7F2-B1C26BD6B3A2}" dt="2024-10-11T00:07:14.186" v="26"/>
-          <ac:picMkLst>
-            <pc:docMk/>
-            <pc:sldMk cId="3974359677" sldId="257"/>
-            <ac:picMk id="9" creationId="{C7A39CC9-7783-09F0-C86C-6C9D034406D1}"/>
-          </ac:picMkLst>
-        </pc:picChg>
-      </pc:sldChg>
-      <pc:sldChg chg="addSp">
-        <pc:chgData name="Cole Nardini" userId="S::cnardini@unomaha.edu::10a0c690-7d77-4a83-91d4-c381712424d4" providerId="AD" clId="Web-{40F747D2-965A-27FF-A7F2-B1C26BD6B3A2}" dt="2024-10-11T00:07:15.968" v="27"/>
-        <pc:sldMkLst>
-          <pc:docMk/>
-          <pc:sldMk cId="2980056297" sldId="258"/>
-        </pc:sldMkLst>
-        <pc:picChg chg="add">
-          <ac:chgData name="Cole Nardini" userId="S::cnardini@unomaha.edu::10a0c690-7d77-4a83-91d4-c381712424d4" providerId="AD" clId="Web-{40F747D2-965A-27FF-A7F2-B1C26BD6B3A2}" dt="2024-10-11T00:07:15.968" v="27"/>
-          <ac:picMkLst>
-            <pc:docMk/>
-            <pc:sldMk cId="2980056297" sldId="258"/>
-            <ac:picMk id="9" creationId="{2DDDA019-EA4A-953A-A4D4-CF266A333EF8}"/>
-          </ac:picMkLst>
-        </pc:picChg>
-      </pc:sldChg>
-      <pc:sldChg chg="addSp modSp modNotes">
-        <pc:chgData name="Cole Nardini" userId="S::cnardini@unomaha.edu::10a0c690-7d77-4a83-91d4-c381712424d4" providerId="AD" clId="Web-{40F747D2-965A-27FF-A7F2-B1C26BD6B3A2}" dt="2024-10-11T00:07:17.452" v="28"/>
-        <pc:sldMkLst>
-          <pc:docMk/>
-          <pc:sldMk cId="856122903" sldId="259"/>
-        </pc:sldMkLst>
-        <pc:spChg chg="mod">
-          <ac:chgData name="Cole Nardini" userId="S::cnardini@unomaha.edu::10a0c690-7d77-4a83-91d4-c381712424d4" providerId="AD" clId="Web-{40F747D2-965A-27FF-A7F2-B1C26BD6B3A2}" dt="2024-10-11T00:01:43.891" v="8" actId="1076"/>
-          <ac:spMkLst>
-            <pc:docMk/>
-            <pc:sldMk cId="856122903" sldId="259"/>
-            <ac:spMk id="32" creationId="{33BB8416-EC5C-4E6E-4880-9CE90D317E95}"/>
-          </ac:spMkLst>
-        </pc:spChg>
-        <pc:grpChg chg="add mod">
-          <ac:chgData name="Cole Nardini" userId="S::cnardini@unomaha.edu::10a0c690-7d77-4a83-91d4-c381712424d4" providerId="AD" clId="Web-{40F747D2-965A-27FF-A7F2-B1C26BD6B3A2}" dt="2024-10-11T00:01:40.672" v="7" actId="1076"/>
-          <ac:grpSpMkLst>
-            <pc:docMk/>
-            <pc:sldMk cId="856122903" sldId="259"/>
-            <ac:grpSpMk id="3" creationId="{B9B94060-85BC-34EC-31B1-3A057C4F83B4}"/>
-          </ac:grpSpMkLst>
-        </pc:grpChg>
-        <pc:grpChg chg="mod">
-          <ac:chgData name="Cole Nardini" userId="S::cnardini@unomaha.edu::10a0c690-7d77-4a83-91d4-c381712424d4" providerId="AD" clId="Web-{40F747D2-965A-27FF-A7F2-B1C26BD6B3A2}" dt="2024-10-11T00:01:40.657" v="6" actId="1076"/>
-          <ac:grpSpMkLst>
-            <pc:docMk/>
-            <pc:sldMk cId="856122903" sldId="259"/>
-            <ac:grpSpMk id="31" creationId="{F1F1DA6D-1880-7260-7A01-1BE747DB63FA}"/>
-          </ac:grpSpMkLst>
-        </pc:grpChg>
-        <pc:picChg chg="add">
-          <ac:chgData name="Cole Nardini" userId="S::cnardini@unomaha.edu::10a0c690-7d77-4a83-91d4-c381712424d4" providerId="AD" clId="Web-{40F747D2-965A-27FF-A7F2-B1C26BD6B3A2}" dt="2024-10-11T00:07:17.452" v="28"/>
-          <ac:picMkLst>
-            <pc:docMk/>
-            <pc:sldMk cId="856122903" sldId="259"/>
-            <ac:picMk id="33" creationId="{C15DEB55-4ED1-108B-7C6A-9C4FDC02120B}"/>
-          </ac:picMkLst>
-        </pc:picChg>
-        <pc:cxnChg chg="mod">
-          <ac:chgData name="Cole Nardini" userId="S::cnardini@unomaha.edu::10a0c690-7d77-4a83-91d4-c381712424d4" providerId="AD" clId="Web-{40F747D2-965A-27FF-A7F2-B1C26BD6B3A2}" dt="2024-10-11T00:01:30.344" v="4"/>
-          <ac:cxnSpMkLst>
-            <pc:docMk/>
-            <pc:sldMk cId="856122903" sldId="259"/>
-            <ac:cxnSpMk id="14" creationId="{9F87C485-C898-2D37-151E-64E215FDBE2A}"/>
-          </ac:cxnSpMkLst>
-        </pc:cxnChg>
-        <pc:cxnChg chg="mod">
-          <ac:chgData name="Cole Nardini" userId="S::cnardini@unomaha.edu::10a0c690-7d77-4a83-91d4-c381712424d4" providerId="AD" clId="Web-{40F747D2-965A-27FF-A7F2-B1C26BD6B3A2}" dt="2024-10-11T00:01:30.344" v="4"/>
-          <ac:cxnSpMkLst>
-            <pc:docMk/>
-            <pc:sldMk cId="856122903" sldId="259"/>
-            <ac:cxnSpMk id="15" creationId="{24D4BB44-4410-298C-5B83-44D7B1949BEA}"/>
-          </ac:cxnSpMkLst>
-        </pc:cxnChg>
-        <pc:cxnChg chg="mod">
-          <ac:chgData name="Cole Nardini" userId="S::cnardini@unomaha.edu::10a0c690-7d77-4a83-91d4-c381712424d4" providerId="AD" clId="Web-{40F747D2-965A-27FF-A7F2-B1C26BD6B3A2}" dt="2024-10-11T00:01:30.344" v="4"/>
-          <ac:cxnSpMkLst>
-            <pc:docMk/>
-            <pc:sldMk cId="856122903" sldId="259"/>
-            <ac:cxnSpMk id="16" creationId="{1AC1A4D9-895F-407D-6EE5-E80EDB9A4AE7}"/>
-          </ac:cxnSpMkLst>
-        </pc:cxnChg>
-        <pc:cxnChg chg="mod">
-          <ac:chgData name="Cole Nardini" userId="S::cnardini@unomaha.edu::10a0c690-7d77-4a83-91d4-c381712424d4" providerId="AD" clId="Web-{40F747D2-965A-27FF-A7F2-B1C26BD6B3A2}" dt="2024-10-11T00:01:30.344" v="4"/>
-          <ac:cxnSpMkLst>
-            <pc:docMk/>
-            <pc:sldMk cId="856122903" sldId="259"/>
-            <ac:cxnSpMk id="17" creationId="{62CFC407-7121-E657-2954-7F935E12A404}"/>
-          </ac:cxnSpMkLst>
-        </pc:cxnChg>
-        <pc:cxnChg chg="mod">
-          <ac:chgData name="Cole Nardini" userId="S::cnardini@unomaha.edu::10a0c690-7d77-4a83-91d4-c381712424d4" providerId="AD" clId="Web-{40F747D2-965A-27FF-A7F2-B1C26BD6B3A2}" dt="2024-10-11T00:01:30.344" v="4"/>
-          <ac:cxnSpMkLst>
-            <pc:docMk/>
-            <pc:sldMk cId="856122903" sldId="259"/>
-            <ac:cxnSpMk id="18" creationId="{8F7CED10-4A45-9882-FB0E-0C0682B9FC84}"/>
-          </ac:cxnSpMkLst>
-        </pc:cxnChg>
-      </pc:sldChg>
-      <pc:sldChg chg="addSp modNotes">
-        <pc:chgData name="Cole Nardini" userId="S::cnardini@unomaha.edu::10a0c690-7d77-4a83-91d4-c381712424d4" providerId="AD" clId="Web-{40F747D2-965A-27FF-A7F2-B1C26BD6B3A2}" dt="2024-10-11T00:07:19.390" v="29"/>
-        <pc:sldMkLst>
-          <pc:docMk/>
-          <pc:sldMk cId="3817665236" sldId="260"/>
-        </pc:sldMkLst>
-        <pc:picChg chg="add">
-          <ac:chgData name="Cole Nardini" userId="S::cnardini@unomaha.edu::10a0c690-7d77-4a83-91d4-c381712424d4" providerId="AD" clId="Web-{40F747D2-965A-27FF-A7F2-B1C26BD6B3A2}" dt="2024-10-11T00:07:19.390" v="29"/>
-          <ac:picMkLst>
-            <pc:docMk/>
-            <pc:sldMk cId="3817665236" sldId="260"/>
-            <ac:picMk id="4" creationId="{703D2EC2-5E0A-39B9-AA21-0E88EF88D890}"/>
-          </ac:picMkLst>
-        </pc:picChg>
-      </pc:sldChg>
-      <pc:sldChg chg="addSp modSp modNotes">
-        <pc:chgData name="Cole Nardini" userId="S::cnardini@unomaha.edu::10a0c690-7d77-4a83-91d4-c381712424d4" providerId="AD" clId="Web-{40F747D2-965A-27FF-A7F2-B1C26BD6B3A2}" dt="2024-10-11T00:07:20.484" v="30"/>
-        <pc:sldMkLst>
-          <pc:docMk/>
-          <pc:sldMk cId="12017044" sldId="261"/>
-        </pc:sldMkLst>
-        <pc:spChg chg="mod">
-          <ac:chgData name="Cole Nardini" userId="S::cnardini@unomaha.edu::10a0c690-7d77-4a83-91d4-c381712424d4" providerId="AD" clId="Web-{40F747D2-965A-27FF-A7F2-B1C26BD6B3A2}" dt="2024-10-11T00:01:16.609" v="3"/>
-          <ac:spMkLst>
-            <pc:docMk/>
-            <pc:sldMk cId="12017044" sldId="261"/>
-            <ac:spMk id="4" creationId="{B5BE377C-7185-4518-CCC6-249135DF1D0D}"/>
-          </ac:spMkLst>
-        </pc:spChg>
-        <pc:picChg chg="add">
-          <ac:chgData name="Cole Nardini" userId="S::cnardini@unomaha.edu::10a0c690-7d77-4a83-91d4-c381712424d4" providerId="AD" clId="Web-{40F747D2-965A-27FF-A7F2-B1C26BD6B3A2}" dt="2024-10-11T00:07:20.484" v="30"/>
-          <ac:picMkLst>
-            <pc:docMk/>
-            <pc:sldMk cId="12017044" sldId="261"/>
-            <ac:picMk id="6" creationId="{5CF23332-E673-E952-F240-2244F2CF72DC}"/>
-          </ac:picMkLst>
-        </pc:picChg>
-      </pc:sldChg>
-      <pc:sldChg chg="addSp delSp modSp add replId modNotes">
-        <pc:chgData name="Cole Nardini" userId="S::cnardini@unomaha.edu::10a0c690-7d77-4a83-91d4-c381712424d4" providerId="AD" clId="Web-{40F747D2-965A-27FF-A7F2-B1C26BD6B3A2}" dt="2024-10-11T00:18:05.334" v="145" actId="20577"/>
-        <pc:sldMkLst>
-          <pc:docMk/>
-          <pc:sldMk cId="2088564419" sldId="262"/>
-        </pc:sldMkLst>
-        <pc:spChg chg="del mod">
-          <ac:chgData name="Cole Nardini" userId="S::cnardini@unomaha.edu::10a0c690-7d77-4a83-91d4-c381712424d4" providerId="AD" clId="Web-{40F747D2-965A-27FF-A7F2-B1C26BD6B3A2}" dt="2024-10-11T00:13:26.418" v="69"/>
-          <ac:spMkLst>
-            <pc:docMk/>
-            <pc:sldMk cId="2088564419" sldId="262"/>
-            <ac:spMk id="3" creationId="{012F244B-44DE-06BB-028B-1BC142539AA1}"/>
-          </ac:spMkLst>
-        </pc:spChg>
-        <pc:spChg chg="add mod">
-          <ac:chgData name="Cole Nardini" userId="S::cnardini@unomaha.edu::10a0c690-7d77-4a83-91d4-c381712424d4" providerId="AD" clId="Web-{40F747D2-965A-27FF-A7F2-B1C26BD6B3A2}" dt="2024-10-11T00:17:00.504" v="130" actId="20577"/>
-          <ac:spMkLst>
-            <pc:docMk/>
-            <pc:sldMk cId="2088564419" sldId="262"/>
-            <ac:spMk id="4" creationId="{DC1C15F8-FC72-DB15-9668-AC264C03B5A9}"/>
-          </ac:spMkLst>
-        </pc:spChg>
-        <pc:spChg chg="mod">
-          <ac:chgData name="Cole Nardini" userId="S::cnardini@unomaha.edu::10a0c690-7d77-4a83-91d4-c381712424d4" providerId="AD" clId="Web-{40F747D2-965A-27FF-A7F2-B1C26BD6B3A2}" dt="2024-10-11T00:12:47.683" v="45" actId="20577"/>
-          <ac:spMkLst>
-            <pc:docMk/>
-            <pc:sldMk cId="2088564419" sldId="262"/>
-            <ac:spMk id="5" creationId="{1524944B-96A1-9C41-D20E-D9ACA15FF275}"/>
-          </ac:spMkLst>
-        </pc:spChg>
-        <pc:spChg chg="del">
-          <ac:chgData name="Cole Nardini" userId="S::cnardini@unomaha.edu::10a0c690-7d77-4a83-91d4-c381712424d4" providerId="AD" clId="Web-{40F747D2-965A-27FF-A7F2-B1C26BD6B3A2}" dt="2024-10-11T00:13:22.949" v="66"/>
-          <ac:spMkLst>
-            <pc:docMk/>
-            <pc:sldMk cId="2088564419" sldId="262"/>
-            <ac:spMk id="6" creationId="{B49D723E-82E8-41E9-EAD8-54C6981988B5}"/>
-          </ac:spMkLst>
-        </pc:spChg>
-        <pc:spChg chg="del">
-          <ac:chgData name="Cole Nardini" userId="S::cnardini@unomaha.edu::10a0c690-7d77-4a83-91d4-c381712424d4" providerId="AD" clId="Web-{40F747D2-965A-27FF-A7F2-B1C26BD6B3A2}" dt="2024-10-11T00:13:24.996" v="67"/>
-          <ac:spMkLst>
-            <pc:docMk/>
-            <pc:sldMk cId="2088564419" sldId="262"/>
-            <ac:spMk id="7" creationId="{20D71BB0-06FF-7B3B-444A-22A128647DC1}"/>
-          </ac:spMkLst>
-        </pc:spChg>
-        <pc:spChg chg="add mod">
-          <ac:chgData name="Cole Nardini" userId="S::cnardini@unomaha.edu::10a0c690-7d77-4a83-91d4-c381712424d4" providerId="AD" clId="Web-{40F747D2-965A-27FF-A7F2-B1C26BD6B3A2}" dt="2024-10-11T00:15:43.907" v="108" actId="1076"/>
-          <ac:spMkLst>
-            <pc:docMk/>
-            <pc:sldMk cId="2088564419" sldId="262"/>
-            <ac:spMk id="11" creationId="{B68C384F-BAA0-A250-ED10-CFBD4E5865BA}"/>
-          </ac:spMkLst>
-        </pc:spChg>
-        <pc:spChg chg="add del">
-          <ac:chgData name="Cole Nardini" userId="S::cnardini@unomaha.edu::10a0c690-7d77-4a83-91d4-c381712424d4" providerId="AD" clId="Web-{40F747D2-965A-27FF-A7F2-B1C26BD6B3A2}" dt="2024-10-11T00:14:47.640" v="84"/>
-          <ac:spMkLst>
-            <pc:docMk/>
-            <pc:sldMk cId="2088564419" sldId="262"/>
-            <ac:spMk id="12" creationId="{CFF4FAF6-111D-BCBE-24CA-756D2714D929}"/>
-          </ac:spMkLst>
-        </pc:spChg>
-        <pc:spChg chg="add del mod">
-          <ac:chgData name="Cole Nardini" userId="S::cnardini@unomaha.edu::10a0c690-7d77-4a83-91d4-c381712424d4" providerId="AD" clId="Web-{40F747D2-965A-27FF-A7F2-B1C26BD6B3A2}" dt="2024-10-11T00:15:49.017" v="110" actId="20577"/>
-          <ac:spMkLst>
-            <pc:docMk/>
-            <pc:sldMk cId="2088564419" sldId="262"/>
-            <ac:spMk id="13" creationId="{62321A85-2039-5BA2-79EF-81F6A6321E54}"/>
-          </ac:spMkLst>
-        </pc:spChg>
-        <pc:spChg chg="add mod">
-          <ac:chgData name="Cole Nardini" userId="S::cnardini@unomaha.edu::10a0c690-7d77-4a83-91d4-c381712424d4" providerId="AD" clId="Web-{40F747D2-965A-27FF-A7F2-B1C26BD6B3A2}" dt="2024-10-11T00:16:56.394" v="129" actId="20577"/>
-          <ac:spMkLst>
-            <pc:docMk/>
-            <pc:sldMk cId="2088564419" sldId="262"/>
-            <ac:spMk id="14" creationId="{633D75FF-A0B2-125A-3F15-BDD699454590}"/>
-          </ac:spMkLst>
-        </pc:spChg>
-        <pc:spChg chg="add mod">
-          <ac:chgData name="Cole Nardini" userId="S::cnardini@unomaha.edu::10a0c690-7d77-4a83-91d4-c381712424d4" providerId="AD" clId="Web-{40F747D2-965A-27FF-A7F2-B1C26BD6B3A2}" dt="2024-10-11T00:15:45.689" v="109" actId="1076"/>
-          <ac:spMkLst>
-            <pc:docMk/>
-            <pc:sldMk cId="2088564419" sldId="262"/>
-            <ac:spMk id="16" creationId="{B1824105-6B50-06A6-446D-13004FF9F13E}"/>
-          </ac:spMkLst>
-        </pc:spChg>
-        <pc:spChg chg="add mod">
-          <ac:chgData name="Cole Nardini" userId="S::cnardini@unomaha.edu::10a0c690-7d77-4a83-91d4-c381712424d4" providerId="AD" clId="Web-{40F747D2-965A-27FF-A7F2-B1C26BD6B3A2}" dt="2024-10-11T00:15:53.017" v="111" actId="20577"/>
-          <ac:spMkLst>
-            <pc:docMk/>
-            <pc:sldMk cId="2088564419" sldId="262"/>
-            <ac:spMk id="17" creationId="{52A92008-E56A-D3DC-D181-15C734BAEB6F}"/>
-          </ac:spMkLst>
-        </pc:spChg>
-        <pc:spChg chg="add mod">
-          <ac:chgData name="Cole Nardini" userId="S::cnardini@unomaha.edu::10a0c690-7d77-4a83-91d4-c381712424d4" providerId="AD" clId="Web-{40F747D2-965A-27FF-A7F2-B1C26BD6B3A2}" dt="2024-10-11T00:17:07.535" v="131" actId="20577"/>
-          <ac:spMkLst>
-            <pc:docMk/>
-            <pc:sldMk cId="2088564419" sldId="262"/>
-            <ac:spMk id="18" creationId="{668DF10C-1147-099F-F1F5-4DDA53A1CD14}"/>
-          </ac:spMkLst>
-        </pc:spChg>
-        <pc:spChg chg="add mod">
-          <ac:chgData name="Cole Nardini" userId="S::cnardini@unomaha.edu::10a0c690-7d77-4a83-91d4-c381712424d4" providerId="AD" clId="Web-{40F747D2-965A-27FF-A7F2-B1C26BD6B3A2}" dt="2024-10-11T00:17:20.473" v="134" actId="20577"/>
-          <ac:spMkLst>
-            <pc:docMk/>
-            <pc:sldMk cId="2088564419" sldId="262"/>
-            <ac:spMk id="19" creationId="{04FFCDBC-BBC4-E33C-B449-F1674E10A000}"/>
-          </ac:spMkLst>
-        </pc:spChg>
-        <pc:spChg chg="add mod">
-          <ac:chgData name="Cole Nardini" userId="S::cnardini@unomaha.edu::10a0c690-7d77-4a83-91d4-c381712424d4" providerId="AD" clId="Web-{40F747D2-965A-27FF-A7F2-B1C26BD6B3A2}" dt="2024-10-11T00:17:45.037" v="139" actId="20577"/>
-          <ac:spMkLst>
-            <pc:docMk/>
-            <pc:sldMk cId="2088564419" sldId="262"/>
-            <ac:spMk id="20" creationId="{E0D20444-3D66-CDC5-EBB8-AFB65E5C7B35}"/>
-          </ac:spMkLst>
-        </pc:spChg>
-        <pc:spChg chg="add mod">
-          <ac:chgData name="Cole Nardini" userId="S::cnardini@unomaha.edu::10a0c690-7d77-4a83-91d4-c381712424d4" providerId="AD" clId="Web-{40F747D2-965A-27FF-A7F2-B1C26BD6B3A2}" dt="2024-10-11T00:18:05.334" v="145" actId="20577"/>
-          <ac:spMkLst>
-            <pc:docMk/>
-            <pc:sldMk cId="2088564419" sldId="262"/>
-            <ac:spMk id="21" creationId="{DF5D0F57-1F6E-AD08-16C4-E480B5F819E0}"/>
-          </ac:spMkLst>
-        </pc:spChg>
-        <pc:cxnChg chg="add mod">
-          <ac:chgData name="Cole Nardini" userId="S::cnardini@unomaha.edu::10a0c690-7d77-4a83-91d4-c381712424d4" providerId="AD" clId="Web-{40F747D2-965A-27FF-A7F2-B1C26BD6B3A2}" dt="2024-10-11T00:13:56.232" v="76"/>
-          <ac:cxnSpMkLst>
-            <pc:docMk/>
-            <pc:sldMk cId="2088564419" sldId="262"/>
-            <ac:cxnSpMk id="10" creationId="{A0C7C099-A15D-98FB-69A4-296C7EE62421}"/>
-          </ac:cxnSpMkLst>
-        </pc:cxnChg>
-        <pc:cxnChg chg="add mod">
-          <ac:chgData name="Cole Nardini" userId="S::cnardini@unomaha.edu::10a0c690-7d77-4a83-91d4-c381712424d4" providerId="AD" clId="Web-{40F747D2-965A-27FF-A7F2-B1C26BD6B3A2}" dt="2024-10-11T00:15:40.064" v="105" actId="1076"/>
-          <ac:cxnSpMkLst>
-            <pc:docMk/>
-            <pc:sldMk cId="2088564419" sldId="262"/>
-            <ac:cxnSpMk id="15" creationId="{E242EAFB-1E34-D57C-C657-EE33CE205AEE}"/>
-          </ac:cxnSpMkLst>
-        </pc:cxnChg>
-      </pc:sldChg>
-    </pc:docChg>
-  </pc:docChgLst>
-  <pc:docChgLst>
-    <pc:chgData name="Cole Nardini" userId="S::cnardini@unomaha.edu::10a0c690-7d77-4a83-91d4-c381712424d4" providerId="AD" clId="Web-{F4D1BCDF-0761-C68E-8FF5-474C6BF804D4}"/>
-    <pc:docChg chg="addSld modSld">
-      <pc:chgData name="Cole Nardini" userId="S::cnardini@unomaha.edu::10a0c690-7d77-4a83-91d4-c381712424d4" providerId="AD" clId="Web-{F4D1BCDF-0761-C68E-8FF5-474C6BF804D4}" dt="2024-10-10T23:36:31.113" v="75" actId="20577"/>
-      <pc:docMkLst>
-        <pc:docMk/>
-      </pc:docMkLst>
-      <pc:sldChg chg="addSp delSp modSp modNotes">
-        <pc:chgData name="Cole Nardini" userId="S::cnardini@unomaha.edu::10a0c690-7d77-4a83-91d4-c381712424d4" providerId="AD" clId="Web-{F4D1BCDF-0761-C68E-8FF5-474C6BF804D4}" dt="2024-10-10T23:35:08.001" v="47"/>
-        <pc:sldMkLst>
-          <pc:docMk/>
-          <pc:sldMk cId="109857222" sldId="256"/>
-        </pc:sldMkLst>
-        <pc:spChg chg="mod">
-          <ac:chgData name="Cole Nardini" userId="S::cnardini@unomaha.edu::10a0c690-7d77-4a83-91d4-c381712424d4" providerId="AD" clId="Web-{F4D1BCDF-0761-C68E-8FF5-474C6BF804D4}" dt="2024-10-10T23:33:22.530" v="32" actId="1076"/>
-          <ac:spMkLst>
-            <pc:docMk/>
-            <pc:sldMk cId="109857222" sldId="256"/>
-            <ac:spMk id="2" creationId="{00000000-0000-0000-0000-000000000000}"/>
-          </ac:spMkLst>
-        </pc:spChg>
-        <pc:spChg chg="del">
-          <ac:chgData name="Cole Nardini" userId="S::cnardini@unomaha.edu::10a0c690-7d77-4a83-91d4-c381712424d4" providerId="AD" clId="Web-{F4D1BCDF-0761-C68E-8FF5-474C6BF804D4}" dt="2024-10-10T23:32:13.450" v="0"/>
-          <ac:spMkLst>
-            <pc:docMk/>
-            <pc:sldMk cId="109857222" sldId="256"/>
-            <ac:spMk id="3" creationId="{00000000-0000-0000-0000-000000000000}"/>
-          </ac:spMkLst>
-        </pc:spChg>
-        <pc:spChg chg="add del">
-          <ac:chgData name="Cole Nardini" userId="S::cnardini@unomaha.edu::10a0c690-7d77-4a83-91d4-c381712424d4" providerId="AD" clId="Web-{F4D1BCDF-0761-C68E-8FF5-474C6BF804D4}" dt="2024-10-10T23:32:51.342" v="15"/>
-          <ac:spMkLst>
-            <pc:docMk/>
-            <pc:sldMk cId="109857222" sldId="256"/>
-            <ac:spMk id="5" creationId="{95205F42-9D65-2F32-529D-8D510078BB1F}"/>
-          </ac:spMkLst>
-        </pc:spChg>
-        <pc:spChg chg="add mod">
-          <ac:chgData name="Cole Nardini" userId="S::cnardini@unomaha.edu::10a0c690-7d77-4a83-91d4-c381712424d4" providerId="AD" clId="Web-{F4D1BCDF-0761-C68E-8FF5-474C6BF804D4}" dt="2024-10-10T23:33:38.358" v="35" actId="20577"/>
-          <ac:spMkLst>
-            <pc:docMk/>
-            <pc:sldMk cId="109857222" sldId="256"/>
-            <ac:spMk id="6" creationId="{B49D723E-82E8-41E9-EAD8-54C6981988B5}"/>
-          </ac:spMkLst>
-        </pc:spChg>
-        <pc:spChg chg="add mod">
-          <ac:chgData name="Cole Nardini" userId="S::cnardini@unomaha.edu::10a0c690-7d77-4a83-91d4-c381712424d4" providerId="AD" clId="Web-{F4D1BCDF-0761-C68E-8FF5-474C6BF804D4}" dt="2024-10-10T23:33:47.984" v="36" actId="20577"/>
-          <ac:spMkLst>
-            <pc:docMk/>
-            <pc:sldMk cId="109857222" sldId="256"/>
-            <ac:spMk id="7" creationId="{20D71BB0-06FF-7B3B-444A-22A128647DC1}"/>
-          </ac:spMkLst>
-        </pc:spChg>
-        <pc:spChg chg="add mod">
-          <ac:chgData name="Cole Nardini" userId="S::cnardini@unomaha.edu::10a0c690-7d77-4a83-91d4-c381712424d4" providerId="AD" clId="Web-{F4D1BCDF-0761-C68E-8FF5-474C6BF804D4}" dt="2024-10-10T23:34:44.032" v="39"/>
-          <ac:spMkLst>
-            <pc:docMk/>
-            <pc:sldMk cId="109857222" sldId="256"/>
-            <ac:spMk id="8" creationId="{10981CEA-2355-5BDA-E6FD-E9A7F2FF28FB}"/>
-          </ac:spMkLst>
-        </pc:spChg>
-      </pc:sldChg>
-      <pc:sldChg chg="addSp modSp add replId modNotes">
-        <pc:chgData name="Cole Nardini" userId="S::cnardini@unomaha.edu::10a0c690-7d77-4a83-91d4-c381712424d4" providerId="AD" clId="Web-{F4D1BCDF-0761-C68E-8FF5-474C6BF804D4}" dt="2024-10-10T23:36:31.113" v="75" actId="20577"/>
-        <pc:sldMkLst>
-          <pc:docMk/>
-          <pc:sldMk cId="3974359677" sldId="257"/>
-        </pc:sldMkLst>
-        <pc:spChg chg="mod">
-          <ac:chgData name="Cole Nardini" userId="S::cnardini@unomaha.edu::10a0c690-7d77-4a83-91d4-c381712424d4" providerId="AD" clId="Web-{F4D1BCDF-0761-C68E-8FF5-474C6BF804D4}" dt="2024-10-10T23:35:32.236" v="54" actId="1076"/>
-          <ac:spMkLst>
-            <pc:docMk/>
-            <pc:sldMk cId="3974359677" sldId="257"/>
-            <ac:spMk id="2" creationId="{00000000-0000-0000-0000-000000000000}"/>
-          </ac:spMkLst>
-        </pc:spChg>
-        <pc:spChg chg="add mod">
-          <ac:chgData name="Cole Nardini" userId="S::cnardini@unomaha.edu::10a0c690-7d77-4a83-91d4-c381712424d4" providerId="AD" clId="Web-{F4D1BCDF-0761-C68E-8FF5-474C6BF804D4}" dt="2024-10-10T23:36:31.113" v="75" actId="20577"/>
-          <ac:spMkLst>
-            <pc:docMk/>
-            <pc:sldMk cId="3974359677" sldId="257"/>
-            <ac:spMk id="3" creationId="{012F244B-44DE-06BB-028B-1BC142539AA1}"/>
-          </ac:spMkLst>
-        </pc:spChg>
-        <pc:spChg chg="mod">
-          <ac:chgData name="Cole Nardini" userId="S::cnardini@unomaha.edu::10a0c690-7d77-4a83-91d4-c381712424d4" providerId="AD" clId="Web-{F4D1BCDF-0761-C68E-8FF5-474C6BF804D4}" dt="2024-10-10T23:35:46.987" v="60" actId="20577"/>
-          <ac:spMkLst>
-            <pc:docMk/>
-            <pc:sldMk cId="3974359677" sldId="257"/>
-            <ac:spMk id="6" creationId="{B49D723E-82E8-41E9-EAD8-54C6981988B5}"/>
-          </ac:spMkLst>
-        </pc:spChg>
-        <pc:spChg chg="mod">
-          <ac:chgData name="Cole Nardini" userId="S::cnardini@unomaha.edu::10a0c690-7d77-4a83-91d4-c381712424d4" providerId="AD" clId="Web-{F4D1BCDF-0761-C68E-8FF5-474C6BF804D4}" dt="2024-10-10T23:36:09.347" v="68" actId="20577"/>
-          <ac:spMkLst>
-            <pc:docMk/>
-            <pc:sldMk cId="3974359677" sldId="257"/>
-            <ac:spMk id="7" creationId="{20D71BB0-06FF-7B3B-444A-22A128647DC1}"/>
-          </ac:spMkLst>
-        </pc:spChg>
-      </pc:sldChg>
-      <pc:sldChg chg="add replId">
-        <pc:chgData name="Cole Nardini" userId="S::cnardini@unomaha.edu::10a0c690-7d77-4a83-91d4-c381712424d4" providerId="AD" clId="Web-{F4D1BCDF-0761-C68E-8FF5-474C6BF804D4}" dt="2024-10-10T23:35:11.829" v="49"/>
-        <pc:sldMkLst>
-          <pc:docMk/>
-          <pc:sldMk cId="3260789287" sldId="258"/>
-        </pc:sldMkLst>
-      </pc:sldChg>
-      <pc:sldChg chg="add replId">
-        <pc:chgData name="Cole Nardini" userId="S::cnardini@unomaha.edu::10a0c690-7d77-4a83-91d4-c381712424d4" providerId="AD" clId="Web-{F4D1BCDF-0761-C68E-8FF5-474C6BF804D4}" dt="2024-10-10T23:35:13.423" v="50"/>
-        <pc:sldMkLst>
-          <pc:docMk/>
-          <pc:sldMk cId="3117547348" sldId="259"/>
-        </pc:sldMkLst>
-      </pc:sldChg>
-    </pc:docChg>
-  </pc:docChgLst>
-  <pc:docChgLst>
-    <pc:chgData name="Andra Williams" userId="S::andrawilliams@unomaha.edu::f16f9264-27bd-4abf-bdc9-fee19c8f3a3c" providerId="AD" clId="Web-{64761322-DB4E-7A14-D705-2608658EB425}"/>
-    <pc:docChg chg="modSld">
-      <pc:chgData name="Andra Williams" userId="S::andrawilliams@unomaha.edu::f16f9264-27bd-4abf-bdc9-fee19c8f3a3c" providerId="AD" clId="Web-{64761322-DB4E-7A14-D705-2608658EB425}" dt="2024-10-13T21:27:14.018" v="3" actId="1076"/>
-      <pc:docMkLst>
-        <pc:docMk/>
-      </pc:docMkLst>
-      <pc:sldChg chg="modSp">
-        <pc:chgData name="Andra Williams" userId="S::andrawilliams@unomaha.edu::f16f9264-27bd-4abf-bdc9-fee19c8f3a3c" providerId="AD" clId="Web-{64761322-DB4E-7A14-D705-2608658EB425}" dt="2024-10-13T21:27:14.018" v="3" actId="1076"/>
-        <pc:sldMkLst>
-          <pc:docMk/>
-          <pc:sldMk cId="12017044" sldId="261"/>
-        </pc:sldMkLst>
-        <pc:spChg chg="mod">
-          <ac:chgData name="Andra Williams" userId="S::andrawilliams@unomaha.edu::f16f9264-27bd-4abf-bdc9-fee19c8f3a3c" providerId="AD" clId="Web-{64761322-DB4E-7A14-D705-2608658EB425}" dt="2024-10-13T21:27:14.018" v="3" actId="1076"/>
-          <ac:spMkLst>
-            <pc:docMk/>
-            <pc:sldMk cId="12017044" sldId="261"/>
-            <ac:spMk id="3" creationId="{D0E21DE5-B57D-1FDE-9C71-FE57C157AAE8}"/>
-          </ac:spMkLst>
-        </pc:spChg>
-      </pc:sldChg>
-      <pc:sldChg chg="modSp">
-        <pc:chgData name="Andra Williams" userId="S::andrawilliams@unomaha.edu::f16f9264-27bd-4abf-bdc9-fee19c8f3a3c" providerId="AD" clId="Web-{64761322-DB4E-7A14-D705-2608658EB425}" dt="2024-10-13T20:18:40.346" v="1" actId="20577"/>
-        <pc:sldMkLst>
-          <pc:docMk/>
-          <pc:sldMk cId="2088564419" sldId="262"/>
-        </pc:sldMkLst>
-        <pc:spChg chg="mod">
-          <ac:chgData name="Andra Williams" userId="S::andrawilliams@unomaha.edu::f16f9264-27bd-4abf-bdc9-fee19c8f3a3c" providerId="AD" clId="Web-{64761322-DB4E-7A14-D705-2608658EB425}" dt="2024-10-13T20:18:40.346" v="1" actId="20577"/>
-          <ac:spMkLst>
-            <pc:docMk/>
-            <pc:sldMk cId="2088564419" sldId="262"/>
-            <ac:spMk id="2" creationId="{00000000-0000-0000-0000-000000000000}"/>
-          </ac:spMkLst>
-        </pc:spChg>
-      </pc:sldChg>
-    </pc:docChg>
-  </pc:docChgLst>
-  <pc:docChgLst>
-    <pc:chgData name="Cole Nardini" userId="S::cnardini@unomaha.edu::10a0c690-7d77-4a83-91d4-c381712424d4" providerId="AD" clId="Web-{7FDC35B3-263E-4893-57C4-18F37A063F19}"/>
-    <pc:docChg chg="modSld">
-      <pc:chgData name="Cole Nardini" userId="S::cnardini@unomaha.edu::10a0c690-7d77-4a83-91d4-c381712424d4" providerId="AD" clId="Web-{7FDC35B3-263E-4893-57C4-18F37A063F19}" dt="2024-10-23T00:05:56.029" v="101"/>
-      <pc:docMkLst>
-        <pc:docMk/>
-      </pc:docMkLst>
-      <pc:sldChg chg="addSp delSp">
-        <pc:chgData name="Cole Nardini" userId="S::cnardini@unomaha.edu::10a0c690-7d77-4a83-91d4-c381712424d4" providerId="AD" clId="Web-{7FDC35B3-263E-4893-57C4-18F37A063F19}" dt="2024-10-23T00:05:01.560" v="80"/>
-        <pc:sldMkLst>
-          <pc:docMk/>
-          <pc:sldMk cId="109857222" sldId="256"/>
-        </pc:sldMkLst>
-        <pc:spChg chg="add del">
-          <ac:chgData name="Cole Nardini" userId="S::cnardini@unomaha.edu::10a0c690-7d77-4a83-91d4-c381712424d4" providerId="AD" clId="Web-{7FDC35B3-263E-4893-57C4-18F37A063F19}" dt="2024-10-23T00:05:01.560" v="80"/>
-          <ac:spMkLst>
-            <pc:docMk/>
-            <pc:sldMk cId="109857222" sldId="256"/>
-            <ac:spMk id="5" creationId="{E46B365C-3EED-7E81-9D8B-FDC7A98502EB}"/>
-          </ac:spMkLst>
-        </pc:spChg>
-        <pc:spChg chg="add del">
-          <ac:chgData name="Cole Nardini" userId="S::cnardini@unomaha.edu::10a0c690-7d77-4a83-91d4-c381712424d4" providerId="AD" clId="Web-{7FDC35B3-263E-4893-57C4-18F37A063F19}" dt="2024-10-23T00:04:57.842" v="79"/>
-          <ac:spMkLst>
-            <pc:docMk/>
-            <pc:sldMk cId="109857222" sldId="256"/>
-            <ac:spMk id="10" creationId="{76806B98-232F-C834-412D-538966F99BCC}"/>
-          </ac:spMkLst>
-        </pc:spChg>
-      </pc:sldChg>
-      <pc:sldChg chg="addSp delSp modSp">
-        <pc:chgData name="Cole Nardini" userId="S::cnardini@unomaha.edu::10a0c690-7d77-4a83-91d4-c381712424d4" providerId="AD" clId="Web-{7FDC35B3-263E-4893-57C4-18F37A063F19}" dt="2024-10-23T00:05:56.029" v="101"/>
-        <pc:sldMkLst>
-          <pc:docMk/>
-          <pc:sldMk cId="3974359677" sldId="257"/>
-        </pc:sldMkLst>
-        <pc:spChg chg="del">
-          <ac:chgData name="Cole Nardini" userId="S::cnardini@unomaha.edu::10a0c690-7d77-4a83-91d4-c381712424d4" providerId="AD" clId="Web-{7FDC35B3-263E-4893-57C4-18F37A063F19}" dt="2024-10-23T00:04:40.842" v="71"/>
-          <ac:spMkLst>
-            <pc:docMk/>
-            <pc:sldMk cId="3974359677" sldId="257"/>
-            <ac:spMk id="2" creationId="{00000000-0000-0000-0000-000000000000}"/>
-          </ac:spMkLst>
-        </pc:spChg>
-        <pc:spChg chg="add del mod">
-          <ac:chgData name="Cole Nardini" userId="S::cnardini@unomaha.edu::10a0c690-7d77-4a83-91d4-c381712424d4" providerId="AD" clId="Web-{7FDC35B3-263E-4893-57C4-18F37A063F19}" dt="2024-10-23T00:04:52.889" v="76"/>
-          <ac:spMkLst>
-            <pc:docMk/>
-            <pc:sldMk cId="3974359677" sldId="257"/>
-            <ac:spMk id="10" creationId="{60F22EB0-0D5B-95A6-33A3-59CCB8423D98}"/>
-          </ac:spMkLst>
-        </pc:spChg>
-        <pc:spChg chg="add">
-          <ac:chgData name="Cole Nardini" userId="S::cnardini@unomaha.edu::10a0c690-7d77-4a83-91d4-c381712424d4" providerId="AD" clId="Web-{7FDC35B3-263E-4893-57C4-18F37A063F19}" dt="2024-10-23T00:04:41.279" v="72"/>
-          <ac:spMkLst>
-            <pc:docMk/>
-            <pc:sldMk cId="3974359677" sldId="257"/>
-            <ac:spMk id="12" creationId="{78706E20-A710-40EE-1D65-70E8CB23D2EA}"/>
-          </ac:spMkLst>
-        </pc:spChg>
-        <pc:spChg chg="add del">
-          <ac:chgData name="Cole Nardini" userId="S::cnardini@unomaha.edu::10a0c690-7d77-4a83-91d4-c381712424d4" providerId="AD" clId="Web-{7FDC35B3-263E-4893-57C4-18F37A063F19}" dt="2024-10-23T00:04:46.045" v="74"/>
-          <ac:spMkLst>
-            <pc:docMk/>
-            <pc:sldMk cId="3974359677" sldId="257"/>
-            <ac:spMk id="14" creationId="{5569E230-48F5-C04A-E431-3967B429BF93}"/>
-          </ac:spMkLst>
-        </pc:spChg>
-        <pc:spChg chg="add">
-          <ac:chgData name="Cole Nardini" userId="S::cnardini@unomaha.edu::10a0c690-7d77-4a83-91d4-c381712424d4" providerId="AD" clId="Web-{7FDC35B3-263E-4893-57C4-18F37A063F19}" dt="2024-10-23T00:05:56.014" v="100"/>
-          <ac:spMkLst>
-            <pc:docMk/>
-            <pc:sldMk cId="3974359677" sldId="257"/>
-            <ac:spMk id="16" creationId="{C11BFDE6-4CC5-AC57-4E7A-E4EB053D3876}"/>
-          </ac:spMkLst>
-        </pc:spChg>
-        <pc:spChg chg="add">
-          <ac:chgData name="Cole Nardini" userId="S::cnardini@unomaha.edu::10a0c690-7d77-4a83-91d4-c381712424d4" providerId="AD" clId="Web-{7FDC35B3-263E-4893-57C4-18F37A063F19}" dt="2024-10-23T00:05:56.029" v="101"/>
-          <ac:spMkLst>
-            <pc:docMk/>
-            <pc:sldMk cId="3974359677" sldId="257"/>
-            <ac:spMk id="18" creationId="{5A27EC03-2B25-E491-6175-A640E2B4ED1E}"/>
-          </ac:spMkLst>
-        </pc:spChg>
-      </pc:sldChg>
-      <pc:sldChg chg="addSp delSp modSp">
-        <pc:chgData name="Cole Nardini" userId="S::cnardini@unomaha.edu::10a0c690-7d77-4a83-91d4-c381712424d4" providerId="AD" clId="Web-{7FDC35B3-263E-4893-57C4-18F37A063F19}" dt="2024-10-23T00:05:54.764" v="99"/>
-        <pc:sldMkLst>
-          <pc:docMk/>
-          <pc:sldMk cId="2980056297" sldId="258"/>
-        </pc:sldMkLst>
-        <pc:spChg chg="del">
-          <ac:chgData name="Cole Nardini" userId="S::cnardini@unomaha.edu::10a0c690-7d77-4a83-91d4-c381712424d4" providerId="AD" clId="Web-{7FDC35B3-263E-4893-57C4-18F37A063F19}" dt="2024-10-23T00:04:32.529" v="67"/>
-          <ac:spMkLst>
-            <pc:docMk/>
-            <pc:sldMk cId="2980056297" sldId="258"/>
-            <ac:spMk id="2" creationId="{00000000-0000-0000-0000-000000000000}"/>
-          </ac:spMkLst>
-        </pc:spChg>
-        <pc:spChg chg="add del mod">
-          <ac:chgData name="Cole Nardini" userId="S::cnardini@unomaha.edu::10a0c690-7d77-4a83-91d4-c381712424d4" providerId="AD" clId="Web-{7FDC35B3-263E-4893-57C4-18F37A063F19}" dt="2024-10-23T00:05:13.561" v="82"/>
-          <ac:spMkLst>
-            <pc:docMk/>
-            <pc:sldMk cId="2980056297" sldId="258"/>
-            <ac:spMk id="10" creationId="{29289E34-352F-A43B-6FD5-D928A5DDB9D6}"/>
-          </ac:spMkLst>
-        </pc:spChg>
-        <pc:spChg chg="add">
-          <ac:chgData name="Cole Nardini" userId="S::cnardini@unomaha.edu::10a0c690-7d77-4a83-91d4-c381712424d4" providerId="AD" clId="Web-{7FDC35B3-263E-4893-57C4-18F37A063F19}" dt="2024-10-23T00:04:32.951" v="68"/>
-          <ac:spMkLst>
-            <pc:docMk/>
-            <pc:sldMk cId="2980056297" sldId="258"/>
-            <ac:spMk id="12" creationId="{D0318F84-F0EE-A560-6175-0F02D1028F7A}"/>
-          </ac:spMkLst>
-        </pc:spChg>
-        <pc:spChg chg="add del">
-          <ac:chgData name="Cole Nardini" userId="S::cnardini@unomaha.edu::10a0c690-7d77-4a83-91d4-c381712424d4" providerId="AD" clId="Web-{7FDC35B3-263E-4893-57C4-18F37A063F19}" dt="2024-10-23T00:04:37.123" v="70"/>
-          <ac:spMkLst>
-            <pc:docMk/>
-            <pc:sldMk cId="2980056297" sldId="258"/>
-            <ac:spMk id="14" creationId="{01B7FAE4-9D7D-7841-7020-E4A411E11B0A}"/>
-          </ac:spMkLst>
-        </pc:spChg>
-        <pc:spChg chg="add">
-          <ac:chgData name="Cole Nardini" userId="S::cnardini@unomaha.edu::10a0c690-7d77-4a83-91d4-c381712424d4" providerId="AD" clId="Web-{7FDC35B3-263E-4893-57C4-18F37A063F19}" dt="2024-10-23T00:05:54.764" v="98"/>
-          <ac:spMkLst>
-            <pc:docMk/>
-            <pc:sldMk cId="2980056297" sldId="258"/>
-            <ac:spMk id="16" creationId="{10B3F1D4-CCE6-5FEC-7708-4EF7C704EE61}"/>
-          </ac:spMkLst>
-        </pc:spChg>
-        <pc:spChg chg="add">
-          <ac:chgData name="Cole Nardini" userId="S::cnardini@unomaha.edu::10a0c690-7d77-4a83-91d4-c381712424d4" providerId="AD" clId="Web-{7FDC35B3-263E-4893-57C4-18F37A063F19}" dt="2024-10-23T00:05:54.764" v="99"/>
-          <ac:spMkLst>
-            <pc:docMk/>
-            <pc:sldMk cId="2980056297" sldId="258"/>
-            <ac:spMk id="18" creationId="{F5ED2BB7-CB71-896C-04B3-69143D399E9F}"/>
-          </ac:spMkLst>
-        </pc:spChg>
-      </pc:sldChg>
-      <pc:sldChg chg="addSp delSp modSp">
-        <pc:chgData name="Cole Nardini" userId="S::cnardini@unomaha.edu::10a0c690-7d77-4a83-91d4-c381712424d4" providerId="AD" clId="Web-{7FDC35B3-263E-4893-57C4-18F37A063F19}" dt="2024-10-23T00:05:51.076" v="95"/>
-        <pc:sldMkLst>
-          <pc:docMk/>
-          <pc:sldMk cId="856122903" sldId="259"/>
-        </pc:sldMkLst>
-        <pc:spChg chg="del">
-          <ac:chgData name="Cole Nardini" userId="S::cnardini@unomaha.edu::10a0c690-7d77-4a83-91d4-c381712424d4" providerId="AD" clId="Web-{7FDC35B3-263E-4893-57C4-18F37A063F19}" dt="2024-10-23T00:04:16.342" v="58"/>
-          <ac:spMkLst>
-            <pc:docMk/>
-            <pc:sldMk cId="856122903" sldId="259"/>
-            <ac:spMk id="2" creationId="{00000000-0000-0000-0000-000000000000}"/>
-          </ac:spMkLst>
-        </pc:spChg>
-        <pc:spChg chg="del">
-          <ac:chgData name="Cole Nardini" userId="S::cnardini@unomaha.edu::10a0c690-7d77-4a83-91d4-c381712424d4" providerId="AD" clId="Web-{7FDC35B3-263E-4893-57C4-18F37A063F19}" dt="2024-10-23T00:04:16.295" v="57"/>
-          <ac:spMkLst>
-            <pc:docMk/>
-            <pc:sldMk cId="856122903" sldId="259"/>
-            <ac:spMk id="11" creationId="{B165E0B4-2A2C-87AC-4799-0ADD219A7B20}"/>
-          </ac:spMkLst>
-        </pc:spChg>
-        <pc:spChg chg="add del mod">
-          <ac:chgData name="Cole Nardini" userId="S::cnardini@unomaha.edu::10a0c690-7d77-4a83-91d4-c381712424d4" providerId="AD" clId="Web-{7FDC35B3-263E-4893-57C4-18F37A063F19}" dt="2024-10-23T00:05:35.670" v="89"/>
-          <ac:spMkLst>
-            <pc:docMk/>
-            <pc:sldMk cId="856122903" sldId="259"/>
-            <ac:spMk id="34" creationId="{8028FA20-4DA6-4A75-0B14-E66E21CC2B5A}"/>
-          </ac:spMkLst>
-        </pc:spChg>
-        <pc:spChg chg="add">
-          <ac:chgData name="Cole Nardini" userId="S::cnardini@unomaha.edu::10a0c690-7d77-4a83-91d4-c381712424d4" providerId="AD" clId="Web-{7FDC35B3-263E-4893-57C4-18F37A063F19}" dt="2024-10-23T00:04:17.045" v="59"/>
-          <ac:spMkLst>
-            <pc:docMk/>
-            <pc:sldMk cId="856122903" sldId="259"/>
-            <ac:spMk id="36" creationId="{879BEE55-263B-B855-0395-648D577B4C15}"/>
-          </ac:spMkLst>
-        </pc:spChg>
-        <pc:spChg chg="add mod">
-          <ac:chgData name="Cole Nardini" userId="S::cnardini@unomaha.edu::10a0c690-7d77-4a83-91d4-c381712424d4" providerId="AD" clId="Web-{7FDC35B3-263E-4893-57C4-18F37A063F19}" dt="2024-10-23T00:05:33.295" v="88" actId="20577"/>
-          <ac:spMkLst>
-            <pc:docMk/>
-            <pc:sldMk cId="856122903" sldId="259"/>
-            <ac:spMk id="38" creationId="{A146A56F-7206-9B76-572B-3C5734A37FC3}"/>
-          </ac:spMkLst>
-        </pc:spChg>
-        <pc:spChg chg="add">
-          <ac:chgData name="Cole Nardini" userId="S::cnardini@unomaha.edu::10a0c690-7d77-4a83-91d4-c381712424d4" providerId="AD" clId="Web-{7FDC35B3-263E-4893-57C4-18F37A063F19}" dt="2024-10-23T00:05:51.061" v="94"/>
-          <ac:spMkLst>
-            <pc:docMk/>
-            <pc:sldMk cId="856122903" sldId="259"/>
-            <ac:spMk id="40" creationId="{A6C4E906-77D1-2830-2B7E-368B45716B76}"/>
-          </ac:spMkLst>
-        </pc:spChg>
-        <pc:spChg chg="add">
-          <ac:chgData name="Cole Nardini" userId="S::cnardini@unomaha.edu::10a0c690-7d77-4a83-91d4-c381712424d4" providerId="AD" clId="Web-{7FDC35B3-263E-4893-57C4-18F37A063F19}" dt="2024-10-23T00:05:51.076" v="95"/>
-          <ac:spMkLst>
-            <pc:docMk/>
-            <pc:sldMk cId="856122903" sldId="259"/>
-            <ac:spMk id="42" creationId="{4EAFD89B-B8B8-E0CB-50D5-43720DE5D8B3}"/>
-          </ac:spMkLst>
-        </pc:spChg>
-      </pc:sldChg>
-      <pc:sldChg chg="addSp delSp modSp">
-        <pc:chgData name="Cole Nardini" userId="S::cnardini@unomaha.edu::10a0c690-7d77-4a83-91d4-c381712424d4" providerId="AD" clId="Web-{7FDC35B3-263E-4893-57C4-18F37A063F19}" dt="2024-10-23T00:05:49.936" v="93"/>
-        <pc:sldMkLst>
-          <pc:docMk/>
-          <pc:sldMk cId="3817665236" sldId="260"/>
-        </pc:sldMkLst>
-        <pc:spChg chg="del mod">
-          <ac:chgData name="Cole Nardini" userId="S::cnardini@unomaha.edu::10a0c690-7d77-4a83-91d4-c381712424d4" providerId="AD" clId="Web-{7FDC35B3-263E-4893-57C4-18F37A063F19}" dt="2024-10-23T00:03:57.076" v="53"/>
-          <ac:spMkLst>
-            <pc:docMk/>
-            <pc:sldMk cId="3817665236" sldId="260"/>
-            <ac:spMk id="2" creationId="{00000000-0000-0000-0000-000000000000}"/>
-          </ac:spMkLst>
-        </pc:spChg>
-        <pc:spChg chg="add del mod">
-          <ac:chgData name="Cole Nardini" userId="S::cnardini@unomaha.edu::10a0c690-7d77-4a83-91d4-c381712424d4" providerId="AD" clId="Web-{7FDC35B3-263E-4893-57C4-18F37A063F19}" dt="2024-10-23T00:05:19.639" v="83"/>
-          <ac:spMkLst>
-            <pc:docMk/>
-            <pc:sldMk cId="3817665236" sldId="260"/>
-            <ac:spMk id="5" creationId="{0DFCB5BF-B8F2-A46F-F02C-83F9AD5A90A8}"/>
-          </ac:spMkLst>
-        </pc:spChg>
-        <pc:spChg chg="add">
-          <ac:chgData name="Cole Nardini" userId="S::cnardini@unomaha.edu::10a0c690-7d77-4a83-91d4-c381712424d4" providerId="AD" clId="Web-{7FDC35B3-263E-4893-57C4-18F37A063F19}" dt="2024-10-23T00:03:57.998" v="54"/>
-          <ac:spMkLst>
-            <pc:docMk/>
-            <pc:sldMk cId="3817665236" sldId="260"/>
-            <ac:spMk id="7" creationId="{573F2C63-3F85-171C-99F4-9496BCB122B6}"/>
-          </ac:spMkLst>
-        </pc:spChg>
-        <pc:spChg chg="add mod">
-          <ac:chgData name="Cole Nardini" userId="S::cnardini@unomaha.edu::10a0c690-7d77-4a83-91d4-c381712424d4" providerId="AD" clId="Web-{7FDC35B3-263E-4893-57C4-18F37A063F19}" dt="2024-10-23T00:05:22.545" v="87" actId="20577"/>
-          <ac:spMkLst>
-            <pc:docMk/>
-            <pc:sldMk cId="3817665236" sldId="260"/>
-            <ac:spMk id="10" creationId="{256A9D69-5794-09FA-59DA-45EDD82F149F}"/>
-          </ac:spMkLst>
-        </pc:spChg>
-        <pc:spChg chg="del">
-          <ac:chgData name="Cole Nardini" userId="S::cnardini@unomaha.edu::10a0c690-7d77-4a83-91d4-c381712424d4" providerId="AD" clId="Web-{7FDC35B3-263E-4893-57C4-18F37A063F19}" dt="2024-10-23T00:03:56.998" v="52"/>
-          <ac:spMkLst>
-            <pc:docMk/>
-            <pc:sldMk cId="3817665236" sldId="260"/>
-            <ac:spMk id="11" creationId="{B165E0B4-2A2C-87AC-4799-0ADD219A7B20}"/>
-          </ac:spMkLst>
-        </pc:spChg>
-        <pc:spChg chg="add">
-          <ac:chgData name="Cole Nardini" userId="S::cnardini@unomaha.edu::10a0c690-7d77-4a83-91d4-c381712424d4" providerId="AD" clId="Web-{7FDC35B3-263E-4893-57C4-18F37A063F19}" dt="2024-10-23T00:05:49.920" v="92"/>
-          <ac:spMkLst>
-            <pc:docMk/>
-            <pc:sldMk cId="3817665236" sldId="260"/>
-            <ac:spMk id="13" creationId="{EB79F222-92CA-BCAE-9B63-967C2C73CE3C}"/>
-          </ac:spMkLst>
-        </pc:spChg>
-        <pc:spChg chg="add">
-          <ac:chgData name="Cole Nardini" userId="S::cnardini@unomaha.edu::10a0c690-7d77-4a83-91d4-c381712424d4" providerId="AD" clId="Web-{7FDC35B3-263E-4893-57C4-18F37A063F19}" dt="2024-10-23T00:05:49.936" v="93"/>
-          <ac:spMkLst>
-            <pc:docMk/>
-            <pc:sldMk cId="3817665236" sldId="260"/>
-            <ac:spMk id="15" creationId="{E2289557-5680-F604-06BE-6DF627B89DF9}"/>
-          </ac:spMkLst>
-        </pc:spChg>
-      </pc:sldChg>
-      <pc:sldChg chg="addSp modSp">
-        <pc:chgData name="Cole Nardini" userId="S::cnardini@unomaha.edu::10a0c690-7d77-4a83-91d4-c381712424d4" providerId="AD" clId="Web-{7FDC35B3-263E-4893-57C4-18F37A063F19}" dt="2024-10-23T00:05:47.826" v="91" actId="1076"/>
-        <pc:sldMkLst>
-          <pc:docMk/>
-          <pc:sldMk cId="12017044" sldId="261"/>
-        </pc:sldMkLst>
-        <pc:spChg chg="mod">
-          <ac:chgData name="Cole Nardini" userId="S::cnardini@unomaha.edu::10a0c690-7d77-4a83-91d4-c381712424d4" providerId="AD" clId="Web-{7FDC35B3-263E-4893-57C4-18F37A063F19}" dt="2024-10-23T00:03:28.826" v="45" actId="1076"/>
-          <ac:spMkLst>
-            <pc:docMk/>
-            <pc:sldMk cId="12017044" sldId="261"/>
-            <ac:spMk id="2" creationId="{00000000-0000-0000-0000-000000000000}"/>
-          </ac:spMkLst>
-        </pc:spChg>
-        <pc:spChg chg="mod">
-          <ac:chgData name="Cole Nardini" userId="S::cnardini@unomaha.edu::10a0c690-7d77-4a83-91d4-c381712424d4" providerId="AD" clId="Web-{7FDC35B3-263E-4893-57C4-18F37A063F19}" dt="2024-10-23T00:01:36.185" v="23" actId="1076"/>
-          <ac:spMkLst>
-            <pc:docMk/>
-            <pc:sldMk cId="12017044" sldId="261"/>
-            <ac:spMk id="3" creationId="{D0E21DE5-B57D-1FDE-9C71-FE57C157AAE8}"/>
-          </ac:spMkLst>
-        </pc:spChg>
-        <pc:spChg chg="mod">
-          <ac:chgData name="Cole Nardini" userId="S::cnardini@unomaha.edu::10a0c690-7d77-4a83-91d4-c381712424d4" providerId="AD" clId="Web-{7FDC35B3-263E-4893-57C4-18F37A063F19}" dt="2024-10-23T00:01:38.419" v="24" actId="1076"/>
-          <ac:spMkLst>
-            <pc:docMk/>
-            <pc:sldMk cId="12017044" sldId="261"/>
-            <ac:spMk id="4" creationId="{B5BE377C-7185-4518-CCC6-249135DF1D0D}"/>
-          </ac:spMkLst>
-        </pc:spChg>
-        <pc:spChg chg="add mod">
-          <ac:chgData name="Cole Nardini" userId="S::cnardini@unomaha.edu::10a0c690-7d77-4a83-91d4-c381712424d4" providerId="AD" clId="Web-{7FDC35B3-263E-4893-57C4-18F37A063F19}" dt="2024-10-23T00:05:47.826" v="90" actId="1076"/>
-          <ac:spMkLst>
-            <pc:docMk/>
-            <pc:sldMk cId="12017044" sldId="261"/>
-            <ac:spMk id="5" creationId="{68E40907-6882-C1B2-7FFB-83ED35B87088}"/>
-          </ac:spMkLst>
-        </pc:spChg>
-        <pc:spChg chg="add mod">
-          <ac:chgData name="Cole Nardini" userId="S::cnardini@unomaha.edu::10a0c690-7d77-4a83-91d4-c381712424d4" providerId="AD" clId="Web-{7FDC35B3-263E-4893-57C4-18F37A063F19}" dt="2024-10-23T00:05:47.826" v="91" actId="1076"/>
-          <ac:spMkLst>
-            <pc:docMk/>
-            <pc:sldMk cId="12017044" sldId="261"/>
-            <ac:spMk id="7" creationId="{96BA6113-2846-EE2E-C50C-60AC99F7A5EC}"/>
-          </ac:spMkLst>
-        </pc:spChg>
-        <pc:spChg chg="add">
-          <ac:chgData name="Cole Nardini" userId="S::cnardini@unomaha.edu::10a0c690-7d77-4a83-91d4-c381712424d4" providerId="AD" clId="Web-{7FDC35B3-263E-4893-57C4-18F37A063F19}" dt="2024-10-23T00:04:05.810" v="56"/>
-          <ac:spMkLst>
-            <pc:docMk/>
-            <pc:sldMk cId="12017044" sldId="261"/>
-            <ac:spMk id="9" creationId="{F69FD7F6-15DF-4B97-40BB-8743F8AB9AD2}"/>
-          </ac:spMkLst>
-        </pc:spChg>
-        <pc:spChg chg="mod">
-          <ac:chgData name="Cole Nardini" userId="S::cnardini@unomaha.edu::10a0c690-7d77-4a83-91d4-c381712424d4" providerId="AD" clId="Web-{7FDC35B3-263E-4893-57C4-18F37A063F19}" dt="2024-10-23T00:03:41.388" v="49" actId="14100"/>
-          <ac:spMkLst>
-            <pc:docMk/>
-            <pc:sldMk cId="12017044" sldId="261"/>
-            <ac:spMk id="11" creationId="{B165E0B4-2A2C-87AC-4799-0ADD219A7B20}"/>
-          </ac:spMkLst>
-        </pc:spChg>
-      </pc:sldChg>
-      <pc:sldChg chg="addSp delSp modSp">
-        <pc:chgData name="Cole Nardini" userId="S::cnardini@unomaha.edu::10a0c690-7d77-4a83-91d4-c381712424d4" providerId="AD" clId="Web-{7FDC35B3-263E-4893-57C4-18F37A063F19}" dt="2024-10-23T00:05:52.686" v="97"/>
-        <pc:sldMkLst>
-          <pc:docMk/>
-          <pc:sldMk cId="2088564419" sldId="262"/>
-        </pc:sldMkLst>
-        <pc:spChg chg="del mod">
-          <ac:chgData name="Cole Nardini" userId="S::cnardini@unomaha.edu::10a0c690-7d77-4a83-91d4-c381712424d4" providerId="AD" clId="Web-{7FDC35B3-263E-4893-57C4-18F37A063F19}" dt="2024-10-23T00:04:22.873" v="62"/>
-          <ac:spMkLst>
-            <pc:docMk/>
-            <pc:sldMk cId="2088564419" sldId="262"/>
-            <ac:spMk id="2" creationId="{00000000-0000-0000-0000-000000000000}"/>
-          </ac:spMkLst>
-        </pc:spChg>
-        <pc:spChg chg="add del mod">
-          <ac:chgData name="Cole Nardini" userId="S::cnardini@unomaha.edu::10a0c690-7d77-4a83-91d4-c381712424d4" providerId="AD" clId="Web-{7FDC35B3-263E-4893-57C4-18F37A063F19}" dt="2024-10-23T00:05:09.936" v="81"/>
-          <ac:spMkLst>
-            <pc:docMk/>
-            <pc:sldMk cId="2088564419" sldId="262"/>
-            <ac:spMk id="12" creationId="{E63CC254-88FD-FB87-6ABC-D6FA43D0CD60}"/>
-          </ac:spMkLst>
-        </pc:spChg>
-        <pc:spChg chg="add">
-          <ac:chgData name="Cole Nardini" userId="S::cnardini@unomaha.edu::10a0c690-7d77-4a83-91d4-c381712424d4" providerId="AD" clId="Web-{7FDC35B3-263E-4893-57C4-18F37A063F19}" dt="2024-10-23T00:04:23.404" v="63"/>
-          <ac:spMkLst>
-            <pc:docMk/>
-            <pc:sldMk cId="2088564419" sldId="262"/>
-            <ac:spMk id="23" creationId="{3FFA5833-B863-F825-8059-E0F5D0EA0354}"/>
-          </ac:spMkLst>
-        </pc:spChg>
-        <pc:spChg chg="add del mod">
-          <ac:chgData name="Cole Nardini" userId="S::cnardini@unomaha.edu::10a0c690-7d77-4a83-91d4-c381712424d4" providerId="AD" clId="Web-{7FDC35B3-263E-4893-57C4-18F37A063F19}" dt="2024-10-23T00:04:27.920" v="66"/>
-          <ac:spMkLst>
-            <pc:docMk/>
-            <pc:sldMk cId="2088564419" sldId="262"/>
-            <ac:spMk id="25" creationId="{5C9DE6D4-0A91-67F2-E1F9-EE3864646AE8}"/>
-          </ac:spMkLst>
-        </pc:spChg>
-        <pc:spChg chg="add">
-          <ac:chgData name="Cole Nardini" userId="S::cnardini@unomaha.edu::10a0c690-7d77-4a83-91d4-c381712424d4" providerId="AD" clId="Web-{7FDC35B3-263E-4893-57C4-18F37A063F19}" dt="2024-10-23T00:05:52.686" v="96"/>
-          <ac:spMkLst>
-            <pc:docMk/>
-            <pc:sldMk cId="2088564419" sldId="262"/>
-            <ac:spMk id="27" creationId="{08297736-3FDE-F593-F668-DA0F05977467}"/>
-          </ac:spMkLst>
-        </pc:spChg>
-        <pc:spChg chg="add">
-          <ac:chgData name="Cole Nardini" userId="S::cnardini@unomaha.edu::10a0c690-7d77-4a83-91d4-c381712424d4" providerId="AD" clId="Web-{7FDC35B3-263E-4893-57C4-18F37A063F19}" dt="2024-10-23T00:05:52.686" v="97"/>
-          <ac:spMkLst>
-            <pc:docMk/>
-            <pc:sldMk cId="2088564419" sldId="262"/>
-            <ac:spMk id="29" creationId="{F7C0F00A-6235-9FAD-32BF-BA68F0EE9FCD}"/>
-          </ac:spMkLst>
-        </pc:spChg>
-      </pc:sldChg>
-    </pc:docChg>
-  </pc:docChgLst>
-</pc:chgInfo>
 </file>
 
 <file path=ppt/ink/ink1.xml><?xml version="1.0" encoding="utf-8"?>
@@ -3529,7 +261,7 @@
         </p:nvSpPr>
         <p:spPr>
           <a:xfrm>
-            <a:off x="0" y="0"/>
+            <a:off x="0" y="1"/>
             <a:ext cx="2971800" cy="458788"/>
           </a:xfrm>
           <a:prstGeom prst="rect">
@@ -3560,7 +292,7 @@
         </p:nvSpPr>
         <p:spPr>
           <a:xfrm>
-            <a:off x="3884613" y="0"/>
+            <a:off x="3884613" y="1"/>
             <a:ext cx="2971800" cy="458788"/>
           </a:xfrm>
           <a:prstGeom prst="rect">
@@ -3627,8 +359,8 @@
         </p:nvSpPr>
         <p:spPr>
           <a:xfrm>
-            <a:off x="685800" y="4400550"/>
-            <a:ext cx="5486400" cy="3600450"/>
+            <a:off x="685800" y="4400549"/>
+            <a:ext cx="5486400" cy="3600451"/>
           </a:xfrm>
           <a:prstGeom prst="rect">
             <a:avLst/>
@@ -3887,11 +619,11 @@
           <a:lstStyle/>
           <a:p>
             <a:r>
-              <a:rPr lang="en-US">
+              <a:rPr lang="en-US" dirty="0">
                 <a:ea typeface="Calibri"/>
                 <a:cs typeface="Calibri"/>
               </a:rPr>
-              <a:t>Home screen</a:t>
+              <a:t>Home screen that allows the user to select what they would like to do, either practice or learn. It also provides a link to settings, which all pages will have. A selection is required to move on from this page, and every other page</a:t>
             </a:r>
           </a:p>
         </p:txBody>
@@ -3976,11 +708,11 @@
           <a:lstStyle/>
           <a:p>
             <a:r>
-              <a:rPr lang="en-US">
+              <a:rPr lang="en-US" dirty="0">
                 <a:ea typeface="Calibri"/>
                 <a:cs typeface="Calibri"/>
               </a:rPr>
-              <a:t>Piano screen</a:t>
+              <a:t>Piano screen, the UI for the piano page, showing how the user would interact with the program. </a:t>
             </a:r>
           </a:p>
         </p:txBody>
@@ -4064,13 +796,36 @@
           <a:bodyPr/>
           <a:lstStyle/>
           <a:p>
+            <a:pPr marL="0" marR="0" lvl="0" indent="0" algn="l" defTabSz="914400" rtl="0" eaLnBrk="1" fontAlgn="auto" latinLnBrk="0" hangingPunct="1">
+              <a:lnSpc>
+                <a:spcPct val="100000"/>
+              </a:lnSpc>
+              <a:spcBef>
+                <a:spcPts val="0"/>
+              </a:spcBef>
+              <a:spcAft>
+                <a:spcPts val="0"/>
+              </a:spcAft>
+              <a:buClrTx/>
+              <a:buSzTx/>
+              <a:buFontTx/>
+              <a:buNone/>
+              <a:tabLst/>
+              <a:defRPr/>
+            </a:pPr>
             <a:r>
-              <a:rPr lang="en-US">
+              <a:rPr lang="en-US" dirty="0">
                 <a:ea typeface="Calibri"/>
                 <a:cs typeface="Calibri"/>
               </a:rPr>
-              <a:t>Theremin screen</a:t>
+              <a:t>Theremin screen, the UI for the theremin page, showing how the user would interact with the program. </a:t>
             </a:r>
+          </a:p>
+          <a:p>
+            <a:endParaRPr lang="en-US" dirty="0">
+              <a:ea typeface="Calibri"/>
+              <a:cs typeface="Calibri"/>
+            </a:endParaRPr>
           </a:p>
         </p:txBody>
       </p:sp>
@@ -4154,11 +909,11 @@
           <a:lstStyle/>
           <a:p>
             <a:r>
-              <a:rPr lang="en-US">
+              <a:rPr lang="en-US" dirty="0">
                 <a:ea typeface="Calibri"/>
                 <a:cs typeface="Calibri"/>
               </a:rPr>
-              <a:t>Practice screen</a:t>
+              <a:t>Instrument selection screen, gives the user the choice to select what instrument they would like practice, currently being limited to piano, guitar, and theremin. The application name in the top left redirects to the home page. The back button will take the user back to the previous page forgoing the need to traverse from the home page each time they need to change a selection.</a:t>
             </a:r>
           </a:p>
         </p:txBody>
@@ -4243,11 +998,11 @@
           <a:lstStyle/>
           <a:p>
             <a:r>
-              <a:rPr lang="en-US">
+              <a:rPr lang="en-US" dirty="0">
                 <a:ea typeface="Calibri"/>
                 <a:cs typeface="Calibri"/>
               </a:rPr>
-              <a:t>"Learn" screen</a:t>
+              <a:t>The learn screen is simple, is currently planned to allow three types to learn an instrument, by way of scales, simple songs, and more difficult songs. </a:t>
             </a:r>
           </a:p>
         </p:txBody>
@@ -4332,11 +1087,11 @@
           <a:lstStyle/>
           <a:p>
             <a:r>
-              <a:rPr lang="en-US">
+              <a:rPr lang="en-US" dirty="0">
                 <a:ea typeface="Calibri"/>
                 <a:cs typeface="Calibri"/>
               </a:rPr>
-              <a:t>"Learn" screen</a:t>
+              <a:t>Scale selection page is what follows if the user previously selected scales on the “learn screen”. There will be more options listed, but to show it off, we have the C, G, and D major scales, with an option to scroll for more. </a:t>
             </a:r>
           </a:p>
         </p:txBody>
@@ -4421,11 +1176,11 @@
           <a:lstStyle/>
           <a:p>
             <a:r>
-              <a:rPr lang="en-US">
+              <a:rPr lang="en-US" dirty="0">
                 <a:ea typeface="Calibri"/>
                 <a:cs typeface="Calibri"/>
               </a:rPr>
-              <a:t>"Learn" screen</a:t>
+              <a:t>A set of beginner piano songs that a user can select from, there will be more options, denoted by the arrow. </a:t>
             </a:r>
           </a:p>
         </p:txBody>
@@ -4510,11 +1265,11 @@
           <a:lstStyle/>
           <a:p>
             <a:r>
-              <a:rPr lang="en-US">
+              <a:rPr lang="en-US" dirty="0">
                 <a:ea typeface="Calibri"/>
                 <a:cs typeface="Calibri"/>
               </a:rPr>
-              <a:t>"Learn" screen</a:t>
+              <a:t>A set of advanced piano songs that a user can select from, there will be more options, denoted by the arrow. </a:t>
             </a:r>
           </a:p>
         </p:txBody>
@@ -4599,11 +1354,11 @@
           <a:lstStyle/>
           <a:p>
             <a:r>
-              <a:rPr lang="en-US">
+              <a:rPr lang="en-US" dirty="0">
                 <a:ea typeface="Calibri"/>
                 <a:cs typeface="Calibri"/>
               </a:rPr>
-              <a:t>Settings/configuration screen</a:t>
+              <a:t>Settings/configuration screen. A simple screen that allows the user to adjust the volume for the instructor and instrument, as well as configure their sound output and camera input.</a:t>
             </a:r>
           </a:p>
         </p:txBody>
@@ -4688,11 +1443,11 @@
           <a:lstStyle/>
           <a:p>
             <a:r>
-              <a:rPr lang="en-US">
+              <a:rPr lang="en-US" dirty="0">
                 <a:ea typeface="Calibri"/>
                 <a:cs typeface="Calibri"/>
               </a:rPr>
-              <a:t>“Camera Check” Screen</a:t>
+              <a:t>“Camera Check” shows the relative instrument for the user to test, it will ask them to place their hands within the needed areas to verify the software will be able to detect them. </a:t>
             </a:r>
           </a:p>
         </p:txBody>
@@ -4777,11 +1532,11 @@
           <a:lstStyle/>
           <a:p>
             <a:r>
-              <a:rPr lang="en-US">
+              <a:rPr lang="en-US" dirty="0">
                 <a:ea typeface="Calibri"/>
                 <a:cs typeface="Calibri"/>
               </a:rPr>
-              <a:t>Guitar screen</a:t>
+              <a:t>Guitar screen, the UI for the guitar page, showing how the user would interact with the program. </a:t>
             </a:r>
           </a:p>
         </p:txBody>
@@ -10533,8 +7288,8 @@
           </a:p>
         </p:txBody>
       </p:sp>
-      <mc:AlternateContent xmlns:mc="http://schemas.openxmlformats.org/markup-compatibility/2006">
-        <mc:Choice xmlns:p14="http://schemas.microsoft.com/office/powerpoint/2010/main" Requires="p14">
+      <mc:AlternateContent xmlns:mc="http://schemas.openxmlformats.org/markup-compatibility/2006" xmlns:p14="http://schemas.microsoft.com/office/powerpoint/2010/main">
+        <mc:Choice Requires="p14">
           <p:contentPart p14:bwMode="auto" r:id="rId6">
             <p14:nvContentPartPr>
               <p14:cNvPr id="22" name="Ink 21">
@@ -10553,7 +7308,7 @@
             </p14:xfrm>
           </p:contentPart>
         </mc:Choice>
-        <mc:Fallback>
+        <mc:Fallback xmlns="">
           <p:pic>
             <p:nvPicPr>
               <p:cNvPr id="22" name="Ink 21">
@@ -24149,8 +20904,8 @@
           </a:p>
         </p:txBody>
       </p:sp>
-      <mc:AlternateContent xmlns:mc="http://schemas.openxmlformats.org/markup-compatibility/2006">
-        <mc:Choice xmlns:p14="http://schemas.microsoft.com/office/powerpoint/2010/main" Requires="p14">
+      <mc:AlternateContent xmlns:mc="http://schemas.openxmlformats.org/markup-compatibility/2006" xmlns:p14="http://schemas.microsoft.com/office/powerpoint/2010/main">
+        <mc:Choice Requires="p14">
           <p:contentPart p14:bwMode="auto" r:id="rId6">
             <p14:nvContentPartPr>
               <p14:cNvPr id="49" name="Ink 48">
@@ -24169,7 +20924,7 @@
             </p14:xfrm>
           </p:contentPart>
         </mc:Choice>
-        <mc:Fallback>
+        <mc:Fallback xmlns="">
           <p:pic>
             <p:nvPicPr>
               <p:cNvPr id="49" name="Ink 48">
@@ -24200,8 +20955,8 @@
           </p:pic>
         </mc:Fallback>
       </mc:AlternateContent>
-      <mc:AlternateContent xmlns:mc="http://schemas.openxmlformats.org/markup-compatibility/2006">
-        <mc:Choice xmlns:p14="http://schemas.microsoft.com/office/powerpoint/2010/main" Requires="p14">
+      <mc:AlternateContent xmlns:mc="http://schemas.openxmlformats.org/markup-compatibility/2006" xmlns:p14="http://schemas.microsoft.com/office/powerpoint/2010/main">
+        <mc:Choice Requires="p14">
           <p:contentPart p14:bwMode="auto" r:id="rId8">
             <p14:nvContentPartPr>
               <p14:cNvPr id="50" name="Ink 49">
@@ -24220,7 +20975,7 @@
             </p14:xfrm>
           </p:contentPart>
         </mc:Choice>
-        <mc:Fallback>
+        <mc:Fallback xmlns="">
           <p:pic>
             <p:nvPicPr>
               <p:cNvPr id="50" name="Ink 49">
@@ -24985,8 +21740,28 @@
 </file>
 
 <file path=customXml/item1.xml><?xml version="1.0" encoding="utf-8"?>
-<ct:contentTypeSchema xmlns:ct="http://schemas.microsoft.com/office/2006/metadata/contentType" xmlns:ma="http://schemas.microsoft.com/office/2006/metadata/properties/metaAttributes" ct:_="" ma:_="" ma:contentTypeName="Document" ma:contentTypeID="0x0101008A09B1946A4735409E9F9CD7B08E144E" ma:contentTypeVersion="11" ma:contentTypeDescription="Create a new document." ma:contentTypeScope="" ma:versionID="8aeb8019a4f1cf40e407911a2ca3c126">
-  <xsd:schema xmlns:xsd="http://www.w3.org/2001/XMLSchema" xmlns:xs="http://www.w3.org/2001/XMLSchema" xmlns:p="http://schemas.microsoft.com/office/2006/metadata/properties" xmlns:ns2="a47ba55d-536b-4bb2-9bb1-7a6ba723ea13" xmlns:ns3="fe88a3d6-1412-406a-9de9-728884f17001" targetNamespace="http://schemas.microsoft.com/office/2006/metadata/properties" ma:root="true" ma:fieldsID="1980a86dcec33fd62562be4f3184ee90" ns2:_="" ns3:_="">
+<p:properties xmlns:p="http://schemas.microsoft.com/office/2006/metadata/properties" xmlns:xsi="http://www.w3.org/2001/XMLSchema-instance" xmlns:pc="http://schemas.microsoft.com/office/infopath/2007/PartnerControls">
+  <documentManagement>
+    <TaxCatchAll xmlns="fe88a3d6-1412-406a-9de9-728884f17001" xsi:nil="true"/>
+    <lcf76f155ced4ddcb4097134ff3c332f xmlns="a47ba55d-536b-4bb2-9bb1-7a6ba723ea13">
+      <Terms xmlns="http://schemas.microsoft.com/office/infopath/2007/PartnerControls"/>
+    </lcf76f155ced4ddcb4097134ff3c332f>
+  </documentManagement>
+</p:properties>
+</file>
+
+<file path=customXml/item2.xml><?xml version="1.0" encoding="utf-8"?>
+<?mso-contentType ?>
+<FormTemplates xmlns="http://schemas.microsoft.com/sharepoint/v3/contenttype/forms">
+  <Display>DocumentLibraryForm</Display>
+  <Edit>DocumentLibraryForm</Edit>
+  <New>DocumentLibraryForm</New>
+</FormTemplates>
+</file>
+
+<file path=customXml/item3.xml><?xml version="1.0" encoding="utf-8"?>
+<ct:contentTypeSchema xmlns:ct="http://schemas.microsoft.com/office/2006/metadata/contentType" xmlns:ma="http://schemas.microsoft.com/office/2006/metadata/properties/metaAttributes" ct:_="" ma:_="" ma:contentTypeName="Document" ma:contentTypeID="0x0101008A09B1946A4735409E9F9CD7B08E144E" ma:contentTypeVersion="12" ma:contentTypeDescription="Create a new document." ma:contentTypeScope="" ma:versionID="0065f403a430d3a3e9181298b5251b1b">
+  <xsd:schema xmlns:xsd="http://www.w3.org/2001/XMLSchema" xmlns:xs="http://www.w3.org/2001/XMLSchema" xmlns:p="http://schemas.microsoft.com/office/2006/metadata/properties" xmlns:ns2="a47ba55d-536b-4bb2-9bb1-7a6ba723ea13" xmlns:ns3="fe88a3d6-1412-406a-9de9-728884f17001" targetNamespace="http://schemas.microsoft.com/office/2006/metadata/properties" ma:root="true" ma:fieldsID="7e5a6668a1536b3cec14ce6ba14f4246" ns2:_="" ns3:_="">
     <xsd:import namespace="a47ba55d-536b-4bb2-9bb1-7a6ba723ea13"/>
     <xsd:import namespace="fe88a3d6-1412-406a-9de9-728884f17001"/>
     <xsd:element name="properties">
@@ -25005,6 +21780,7 @@
                 <xsd:element ref="ns2:MediaServiceOCR" minOccurs="0"/>
                 <xsd:element ref="ns2:MediaServiceGenerationTime" minOccurs="0"/>
                 <xsd:element ref="ns2:MediaServiceEventHashCode" minOccurs="0"/>
+                <xsd:element ref="ns2:MediaLengthInSeconds" minOccurs="0"/>
               </xsd:all>
             </xsd:complexType>
           </xsd:element>
@@ -25062,6 +21838,11 @@
     <xsd:element name="MediaServiceEventHashCode" ma:index="18" nillable="true" ma:displayName="MediaServiceEventHashCode" ma:hidden="true" ma:internalName="MediaServiceEventHashCode" ma:readOnly="true">
       <xsd:simpleType>
         <xsd:restriction base="dms:Text"/>
+      </xsd:simpleType>
+    </xsd:element>
+    <xsd:element name="MediaLengthInSeconds" ma:index="19" nillable="true" ma:displayName="MediaLengthInSeconds" ma:hidden="true" ma:internalName="MediaLengthInSeconds" ma:readOnly="true">
+      <xsd:simpleType>
+        <xsd:restriction base="dms:Unknown"/>
       </xsd:simpleType>
     </xsd:element>
   </xsd:schema>
@@ -25179,30 +21960,19 @@
 </ct:contentTypeSchema>
 </file>
 
-<file path=customXml/item2.xml><?xml version="1.0" encoding="utf-8"?>
-<?mso-contentType ?>
-<FormTemplates xmlns="http://schemas.microsoft.com/sharepoint/v3/contenttype/forms">
-  <Display>DocumentLibraryForm</Display>
-  <Edit>DocumentLibraryForm</Edit>
-  <New>DocumentLibraryForm</New>
-</FormTemplates>
-</file>
-
 <file path=customXml/itemProps1.xml><?xml version="1.0" encoding="utf-8"?>
-<ds:datastoreItem xmlns:ds="http://schemas.openxmlformats.org/officeDocument/2006/customXml" ds:itemID="{42C62372-452F-4913-AF62-462E4429DF05}">
+<ds:datastoreItem xmlns:ds="http://schemas.openxmlformats.org/officeDocument/2006/customXml" ds:itemID="{85755616-1101-4A21-A341-02E1373A23EC}">
   <ds:schemaRefs>
+    <ds:schemaRef ds:uri="http://schemas.microsoft.com/office/infopath/2007/PartnerControls"/>
+    <ds:schemaRef ds:uri="http://schemas.microsoft.com/office/2006/documentManagement/types"/>
+    <ds:schemaRef ds:uri="http://schemas.microsoft.com/office/2006/metadata/properties"/>
+    <ds:schemaRef ds:uri="http://purl.org/dc/dcmitype/"/>
     <ds:schemaRef ds:uri="a47ba55d-536b-4bb2-9bb1-7a6ba723ea13"/>
     <ds:schemaRef ds:uri="fe88a3d6-1412-406a-9de9-728884f17001"/>
+    <ds:schemaRef ds:uri="http://schemas.openxmlformats.org/package/2006/metadata/core-properties"/>
+    <ds:schemaRef ds:uri="http://www.w3.org/XML/1998/namespace"/>
+    <ds:schemaRef ds:uri="http://purl.org/dc/terms/"/>
     <ds:schemaRef ds:uri="http://purl.org/dc/elements/1.1/"/>
-    <ds:schemaRef ds:uri="http://purl.org/dc/terms/"/>
-    <ds:schemaRef ds:uri="http://schemas.microsoft.com/internal/obd"/>
-    <ds:schemaRef ds:uri="http://schemas.microsoft.com/office/2006/documentManagement/types"/>
-    <ds:schemaRef ds:uri="http://schemas.microsoft.com/office/2006/metadata/contentType"/>
-    <ds:schemaRef ds:uri="http://schemas.microsoft.com/office/2006/metadata/properties"/>
-    <ds:schemaRef ds:uri="http://schemas.microsoft.com/office/2006/metadata/properties/metaAttributes"/>
-    <ds:schemaRef ds:uri="http://schemas.microsoft.com/office/infopath/2007/PartnerControls"/>
-    <ds:schemaRef ds:uri="http://schemas.openxmlformats.org/package/2006/metadata/core-properties"/>
-    <ds:schemaRef ds:uri="http://www.w3.org/2001/XMLSchema"/>
   </ds:schemaRefs>
 </ds:datastoreItem>
 </file>
@@ -25213,4 +21983,23 @@
     <ds:schemaRef ds:uri="http://schemas.microsoft.com/sharepoint/v3/contenttype/forms"/>
   </ds:schemaRefs>
 </ds:datastoreItem>
+</file>
+
+<file path=customXml/itemProps3.xml><?xml version="1.0" encoding="utf-8"?>
+<ds:datastoreItem xmlns:ds="http://schemas.openxmlformats.org/officeDocument/2006/customXml" ds:itemID="{14C5B239-C450-45B0-9636-A23FDF724030}">
+  <ds:schemaRefs>
+    <ds:schemaRef ds:uri="http://schemas.microsoft.com/office/2006/metadata/contentType"/>
+    <ds:schemaRef ds:uri="http://schemas.microsoft.com/office/2006/metadata/properties/metaAttributes"/>
+    <ds:schemaRef ds:uri="http://www.w3.org/2001/XMLSchema"/>
+    <ds:schemaRef ds:uri="http://schemas.microsoft.com/office/2006/metadata/properties"/>
+    <ds:schemaRef ds:uri="a47ba55d-536b-4bb2-9bb1-7a6ba723ea13"/>
+    <ds:schemaRef ds:uri="fe88a3d6-1412-406a-9de9-728884f17001"/>
+    <ds:schemaRef ds:uri="http://schemas.microsoft.com/office/2006/documentManagement/types"/>
+    <ds:schemaRef ds:uri="http://schemas.microsoft.com/office/infopath/2007/PartnerControls"/>
+    <ds:schemaRef ds:uri="http://schemas.openxmlformats.org/package/2006/metadata/core-properties"/>
+    <ds:schemaRef ds:uri="http://purl.org/dc/elements/1.1/"/>
+    <ds:schemaRef ds:uri="http://purl.org/dc/terms/"/>
+    <ds:schemaRef ds:uri="http://schemas.microsoft.com/internal/obd"/>
+  </ds:schemaRefs>
+</ds:datastoreItem>
 </file>